--- a/report.pptx
+++ b/report.pptx
@@ -5,7 +5,7 @@
     <p:sldMasterId id="2147483648" r:id="rId1"/>
   </p:sldMasterIdLst>
   <p:notesMasterIdLst>
-    <p:notesMasterId r:id="rId13"/>
+    <p:notesMasterId r:id="rId19"/>
   </p:notesMasterIdLst>
   <p:sldIdLst>
     <p:sldId id="256" r:id="rId2"/>
@@ -15,20 +15,26 @@
     <p:sldId id="258" r:id="rId6"/>
     <p:sldId id="261" r:id="rId7"/>
     <p:sldId id="262" r:id="rId8"/>
-    <p:sldId id="263" r:id="rId9"/>
-    <p:sldId id="264" r:id="rId10"/>
-    <p:sldId id="265" r:id="rId11"/>
-    <p:sldId id="266" r:id="rId12"/>
+    <p:sldId id="270" r:id="rId9"/>
+    <p:sldId id="271" r:id="rId10"/>
+    <p:sldId id="263" r:id="rId11"/>
+    <p:sldId id="267" r:id="rId12"/>
+    <p:sldId id="268" r:id="rId13"/>
+    <p:sldId id="269" r:id="rId14"/>
+    <p:sldId id="272" r:id="rId15"/>
+    <p:sldId id="264" r:id="rId16"/>
+    <p:sldId id="265" r:id="rId17"/>
+    <p:sldId id="266" r:id="rId18"/>
   </p:sldIdLst>
   <p:sldSz cx="12192000" cy="6858000"/>
   <p:notesSz cx="6858000" cy="9144000"/>
   <p:embeddedFontLst>
     <p:embeddedFont>
       <p:font typeface="Roboto" panose="02000000000000000000" pitchFamily="2" charset="0"/>
-      <p:regular r:id="rId14"/>
-      <p:bold r:id="rId15"/>
-      <p:italic r:id="rId16"/>
-      <p:boldItalic r:id="rId17"/>
+      <p:regular r:id="rId20"/>
+      <p:bold r:id="rId21"/>
+      <p:italic r:id="rId22"/>
+      <p:boldItalic r:id="rId23"/>
     </p:embeddedFont>
   </p:embeddedFontLst>
   <p:defaultTextStyle>
@@ -4268,7 +4274,7 @@
                 <a:ea typeface="Roboto" panose="02000000000000000000" pitchFamily="2" charset="0"/>
                 <a:cs typeface="Times New Roman" panose="02020603050405020304" pitchFamily="18" charset="0"/>
               </a:rPr>
-              <a:t>4. Giới thiệu các mô hình</a:t>
+              <a:t>3. Tập dữ liệu</a:t>
             </a:r>
           </a:p>
         </p:txBody>
@@ -4331,17 +4337,83 @@
                 <a:latin typeface="Roboto" panose="02000000000000000000" pitchFamily="2" charset="0"/>
                 <a:ea typeface="Roboto" panose="02000000000000000000" pitchFamily="2" charset="0"/>
               </a:rPr>
-              <a:t>4.2. Mô hình LSTM</a:t>
-            </a:r>
-          </a:p>
-        </p:txBody>
-      </p:sp>
-      <p:sp>
-        <p:nvSpPr>
-          <p:cNvPr id="2" name="TextBox 1">
-            <a:extLst>
-              <a:ext uri="{FF2B5EF4-FFF2-40B4-BE49-F238E27FC236}">
-                <a16:creationId xmlns:a16="http://schemas.microsoft.com/office/drawing/2014/main" id="{AD5093CB-FDAA-E82D-AD3B-F5CF55DCA705}"/>
+              <a:t>3.1. Giới thiệu tập dữ liệu</a:t>
+            </a:r>
+          </a:p>
+        </p:txBody>
+      </p:sp>
+      <p:pic>
+        <p:nvPicPr>
+          <p:cNvPr id="3" name="Picture 2">
+            <a:extLst>
+              <a:ext uri="{FF2B5EF4-FFF2-40B4-BE49-F238E27FC236}">
+                <a16:creationId xmlns:a16="http://schemas.microsoft.com/office/drawing/2014/main" id="{731A9F61-8FA3-28D2-A802-876A22B047BA}"/>
+              </a:ext>
+            </a:extLst>
+          </p:cNvPr>
+          <p:cNvPicPr>
+            <a:picLocks noChangeAspect="1"/>
+          </p:cNvPicPr>
+          <p:nvPr/>
+        </p:nvPicPr>
+        <p:blipFill>
+          <a:blip r:embed="rId2">
+            <a:extLst>
+              <a:ext uri="{28A0092B-C50C-407E-A947-70E740481C1C}">
+                <a14:useLocalDpi xmlns:a14="http://schemas.microsoft.com/office/drawing/2010/main" val="0"/>
+              </a:ext>
+            </a:extLst>
+          </a:blip>
+          <a:stretch>
+            <a:fillRect/>
+          </a:stretch>
+        </p:blipFill>
+        <p:spPr>
+          <a:xfrm>
+            <a:off x="4769461" y="730249"/>
+            <a:ext cx="7279283" cy="4749358"/>
+          </a:xfrm>
+          <a:prstGeom prst="rect">
+            <a:avLst/>
+          </a:prstGeom>
+          <a:solidFill>
+            <a:srgbClr val="FFFFFF">
+              <a:shade val="85000"/>
+            </a:srgbClr>
+          </a:solidFill>
+          <a:ln w="88900" cap="sq">
+            <a:solidFill>
+              <a:srgbClr val="FFFFFF"/>
+            </a:solidFill>
+            <a:miter lim="800000"/>
+          </a:ln>
+          <a:effectLst>
+            <a:outerShdw blurRad="55000" dist="18000" dir="5400000" algn="tl" rotWithShape="0">
+              <a:srgbClr val="000000">
+                <a:alpha val="40000"/>
+              </a:srgbClr>
+            </a:outerShdw>
+          </a:effectLst>
+          <a:scene3d>
+            <a:camera prst="orthographicFront"/>
+            <a:lightRig rig="twoPt" dir="t">
+              <a:rot lat="0" lon="0" rev="7200000"/>
+            </a:lightRig>
+          </a:scene3d>
+          <a:sp3d>
+            <a:bevelT w="25400" h="19050"/>
+            <a:contourClr>
+              <a:srgbClr val="FFFFFF"/>
+            </a:contourClr>
+          </a:sp3d>
+        </p:spPr>
+      </p:pic>
+      <p:sp>
+        <p:nvSpPr>
+          <p:cNvPr id="4" name="TextBox 3">
+            <a:extLst>
+              <a:ext uri="{FF2B5EF4-FFF2-40B4-BE49-F238E27FC236}">
+                <a16:creationId xmlns:a16="http://schemas.microsoft.com/office/drawing/2014/main" id="{4EF068F8-639C-D5AF-172E-8C57AE730AE3}"/>
               </a:ext>
             </a:extLst>
           </p:cNvPr>
@@ -4350,8 +4422,8 @@
         </p:nvSpPr>
         <p:spPr>
           <a:xfrm>
-            <a:off x="1234440" y="1389888"/>
-            <a:ext cx="2278188" cy="707886"/>
+            <a:off x="5748337" y="5669856"/>
+            <a:ext cx="5321530" cy="707886"/>
           </a:xfrm>
           <a:prstGeom prst="rect">
             <a:avLst/>
@@ -4359,26 +4431,108 @@
           <a:noFill/>
         </p:spPr>
         <p:txBody>
-          <a:bodyPr wrap="none" rtlCol="0">
+          <a:bodyPr wrap="square" rtlCol="0">
             <a:spAutoFit/>
           </a:bodyPr>
           <a:lstStyle/>
           <a:p>
-            <a:r>
-              <a:rPr lang="en-US" sz="2000">
+            <a:pPr algn="ctr"/>
+            <a:r>
+              <a:rPr lang="en-US" sz="2000" b="0" i="0" u="none" strike="noStrike">
+                <a:solidFill>
+                  <a:srgbClr val="2E2E2E"/>
+                </a:solidFill>
+                <a:effectLst/>
                 <a:latin typeface="Roboto" panose="02000000000000000000" pitchFamily="2" charset="0"/>
                 <a:ea typeface="Roboto" panose="02000000000000000000" pitchFamily="2" charset="0"/>
               </a:rPr>
-              <a:t>Fonts chữ: Roboto</a:t>
-            </a:r>
-          </a:p>
-          <a:p>
-            <a:r>
-              <a:rPr lang="en-US" sz="2000">
+              <a:t>Biểu đồ thể hiện số lượng bài báo/bản tin theo từng lĩnh vực (đơn vị: bài)</a:t>
+            </a:r>
+            <a:endParaRPr lang="en-US" sz="2000">
+              <a:solidFill>
+                <a:schemeClr val="bg2">
+                  <a:lumMod val="10000"/>
+                </a:schemeClr>
+              </a:solidFill>
+              <a:latin typeface="Roboto" panose="02000000000000000000" pitchFamily="2" charset="0"/>
+              <a:ea typeface="Roboto" panose="02000000000000000000" pitchFamily="2" charset="0"/>
+            </a:endParaRPr>
+          </a:p>
+        </p:txBody>
+      </p:sp>
+      <p:sp>
+        <p:nvSpPr>
+          <p:cNvPr id="7" name="TextBox 6">
+            <a:extLst>
+              <a:ext uri="{FF2B5EF4-FFF2-40B4-BE49-F238E27FC236}">
+                <a16:creationId xmlns:a16="http://schemas.microsoft.com/office/drawing/2014/main" id="{0CB02FB2-66FC-08E1-F7E5-C36D56C60D68}"/>
+              </a:ext>
+            </a:extLst>
+          </p:cNvPr>
+          <p:cNvSpPr txBox="1"/>
+          <p:nvPr/>
+        </p:nvSpPr>
+        <p:spPr>
+          <a:xfrm>
+            <a:off x="143256" y="1095576"/>
+            <a:ext cx="4345577" cy="5016758"/>
+          </a:xfrm>
+          <a:prstGeom prst="rect">
+            <a:avLst/>
+          </a:prstGeom>
+          <a:noFill/>
+        </p:spPr>
+        <p:txBody>
+          <a:bodyPr wrap="square">
+            <a:spAutoFit/>
+          </a:bodyPr>
+          <a:lstStyle/>
+          <a:p>
+            <a:pPr marL="342900" indent="-342900">
+              <a:lnSpc>
+                <a:spcPct val="150000"/>
+              </a:lnSpc>
+              <a:buFont typeface="Arial" panose="020B0604020202020204" pitchFamily="34" charset="0"/>
+              <a:buChar char="•"/>
+            </a:pPr>
+            <a:r>
+              <a:rPr lang="en-US" sz="2400">
                 <a:latin typeface="Roboto" panose="02000000000000000000" pitchFamily="2" charset="0"/>
                 <a:ea typeface="Roboto" panose="02000000000000000000" pitchFamily="2" charset="0"/>
               </a:rPr>
-              <a:t>Cỡ chữ: 20 – 24</a:t>
+              <a:t>Tổng số lượng bài báo/bản tin của tập dữ liệu là 42744.</a:t>
+            </a:r>
+          </a:p>
+          <a:p>
+            <a:pPr marL="342900" indent="-342900">
+              <a:lnSpc>
+                <a:spcPct val="150000"/>
+              </a:lnSpc>
+              <a:buFont typeface="Arial" panose="020B0604020202020204" pitchFamily="34" charset="0"/>
+              <a:buChar char="•"/>
+            </a:pPr>
+            <a:r>
+              <a:rPr lang="en-US" sz="2400">
+                <a:latin typeface="Roboto" panose="02000000000000000000" pitchFamily="2" charset="0"/>
+                <a:ea typeface="Roboto" panose="02000000000000000000" pitchFamily="2" charset="0"/>
+              </a:rPr>
+              <a:t>Các bài báo/bản tin đều ở định dạng file là *.txt</a:t>
+            </a:r>
+          </a:p>
+          <a:p>
+            <a:pPr marL="342900" indent="-342900">
+              <a:lnSpc>
+                <a:spcPct val="150000"/>
+              </a:lnSpc>
+              <a:buFont typeface="Arial" panose="020B0604020202020204" pitchFamily="34" charset="0"/>
+              <a:buChar char="•"/>
+            </a:pPr>
+            <a:r>
+              <a:rPr lang="en-US" sz="2400">
+                <a:latin typeface="Roboto" panose="02000000000000000000" pitchFamily="2" charset="0"/>
+                <a:ea typeface="Roboto" panose="02000000000000000000" pitchFamily="2" charset="0"/>
+              </a:rPr>
+              <a:t>Các bài báo/bản tin đều được thu thập từ các trang báo Việt Nam đáng tin cậy như VnExpress, Thanh Niên, Người Lao Động.</a:t>
             </a:r>
           </a:p>
         </p:txBody>
@@ -4386,7 +4540,7 @@
     </p:spTree>
     <p:extLst>
       <p:ext uri="{BB962C8B-B14F-4D97-AF65-F5344CB8AC3E}">
-        <p14:creationId xmlns:p14="http://schemas.microsoft.com/office/powerpoint/2010/main" val="2402577596"/>
+        <p14:creationId xmlns:p14="http://schemas.microsoft.com/office/powerpoint/2010/main" val="3184032649"/>
       </p:ext>
     </p:extLst>
   </p:cSld>
@@ -4453,6 +4607,2186 @@
                 <a:ea typeface="Roboto" panose="02000000000000000000" pitchFamily="2" charset="0"/>
               </a:rPr>
               <a:t>11</a:t>
+            </a:fld>
+            <a:endParaRPr lang="en-US" sz="2400" b="1">
+              <a:solidFill>
+                <a:schemeClr val="bg2">
+                  <a:lumMod val="10000"/>
+                </a:schemeClr>
+              </a:solidFill>
+              <a:latin typeface="Roboto" panose="02000000000000000000" pitchFamily="2" charset="0"/>
+              <a:ea typeface="Roboto" panose="02000000000000000000" pitchFamily="2" charset="0"/>
+            </a:endParaRPr>
+          </a:p>
+        </p:txBody>
+      </p:sp>
+      <p:sp>
+        <p:nvSpPr>
+          <p:cNvPr id="5" name="Rectangle 4">
+            <a:extLst>
+              <a:ext uri="{FF2B5EF4-FFF2-40B4-BE49-F238E27FC236}">
+                <a16:creationId xmlns:a16="http://schemas.microsoft.com/office/drawing/2014/main" id="{CBAE9E41-18F1-D616-4A04-A6F05299715A}"/>
+              </a:ext>
+            </a:extLst>
+          </p:cNvPr>
+          <p:cNvSpPr/>
+          <p:nvPr/>
+        </p:nvSpPr>
+        <p:spPr>
+          <a:xfrm>
+            <a:off x="0" y="0"/>
+            <a:ext cx="6096000" cy="540000"/>
+          </a:xfrm>
+          <a:prstGeom prst="rect">
+            <a:avLst/>
+          </a:prstGeom>
+          <a:solidFill>
+            <a:schemeClr val="tx1">
+              <a:lumMod val="75000"/>
+              <a:lumOff val="25000"/>
+            </a:schemeClr>
+          </a:solidFill>
+          <a:ln>
+            <a:noFill/>
+          </a:ln>
+        </p:spPr>
+        <p:style>
+          <a:lnRef idx="2">
+            <a:schemeClr val="dk1">
+              <a:shade val="15000"/>
+            </a:schemeClr>
+          </a:lnRef>
+          <a:fillRef idx="1">
+            <a:schemeClr val="dk1"/>
+          </a:fillRef>
+          <a:effectRef idx="0">
+            <a:schemeClr val="dk1"/>
+          </a:effectRef>
+          <a:fontRef idx="minor">
+            <a:schemeClr val="lt1"/>
+          </a:fontRef>
+        </p:style>
+        <p:txBody>
+          <a:bodyPr rtlCol="0" anchor="ctr"/>
+          <a:lstStyle/>
+          <a:p>
+            <a:pPr algn="r"/>
+            <a:r>
+              <a:rPr lang="en-US" sz="2400">
+                <a:solidFill>
+                  <a:schemeClr val="bg1"/>
+                </a:solidFill>
+                <a:latin typeface="Roboto" panose="02000000000000000000" pitchFamily="2" charset="0"/>
+                <a:ea typeface="Roboto" panose="02000000000000000000" pitchFamily="2" charset="0"/>
+                <a:cs typeface="Times New Roman" panose="02020603050405020304" pitchFamily="18" charset="0"/>
+              </a:rPr>
+              <a:t>3. Tập dữ liệu</a:t>
+            </a:r>
+          </a:p>
+        </p:txBody>
+      </p:sp>
+      <p:sp>
+        <p:nvSpPr>
+          <p:cNvPr id="6" name="Rectangle 5">
+            <a:extLst>
+              <a:ext uri="{FF2B5EF4-FFF2-40B4-BE49-F238E27FC236}">
+                <a16:creationId xmlns:a16="http://schemas.microsoft.com/office/drawing/2014/main" id="{45C866F0-A2E0-AEC7-E9DD-C84621F6B816}"/>
+              </a:ext>
+            </a:extLst>
+          </p:cNvPr>
+          <p:cNvSpPr/>
+          <p:nvPr/>
+        </p:nvSpPr>
+        <p:spPr>
+          <a:xfrm>
+            <a:off x="6096000" y="0"/>
+            <a:ext cx="6096000" cy="540000"/>
+          </a:xfrm>
+          <a:prstGeom prst="rect">
+            <a:avLst/>
+          </a:prstGeom>
+          <a:solidFill>
+            <a:schemeClr val="tx1">
+              <a:lumMod val="50000"/>
+              <a:lumOff val="50000"/>
+            </a:schemeClr>
+          </a:solidFill>
+          <a:ln>
+            <a:noFill/>
+          </a:ln>
+        </p:spPr>
+        <p:style>
+          <a:lnRef idx="2">
+            <a:schemeClr val="dk1">
+              <a:shade val="15000"/>
+            </a:schemeClr>
+          </a:lnRef>
+          <a:fillRef idx="1">
+            <a:schemeClr val="dk1"/>
+          </a:fillRef>
+          <a:effectRef idx="0">
+            <a:schemeClr val="dk1"/>
+          </a:effectRef>
+          <a:fontRef idx="minor">
+            <a:schemeClr val="lt1"/>
+          </a:fontRef>
+        </p:style>
+        <p:txBody>
+          <a:bodyPr rtlCol="0" anchor="ctr"/>
+          <a:lstStyle/>
+          <a:p>
+            <a:r>
+              <a:rPr lang="en-US" sz="2400">
+                <a:solidFill>
+                  <a:schemeClr val="bg1"/>
+                </a:solidFill>
+                <a:latin typeface="Roboto" panose="02000000000000000000" pitchFamily="2" charset="0"/>
+                <a:ea typeface="Roboto" panose="02000000000000000000" pitchFamily="2" charset="0"/>
+              </a:rPr>
+              <a:t>3.1. Giới thiệu tập dữ liệu</a:t>
+            </a:r>
+          </a:p>
+        </p:txBody>
+      </p:sp>
+      <p:pic>
+        <p:nvPicPr>
+          <p:cNvPr id="8" name="Picture 7">
+            <a:extLst>
+              <a:ext uri="{FF2B5EF4-FFF2-40B4-BE49-F238E27FC236}">
+                <a16:creationId xmlns:a16="http://schemas.microsoft.com/office/drawing/2014/main" id="{8906D941-9D0C-8D95-1DDE-AF1E956D3F58}"/>
+              </a:ext>
+            </a:extLst>
+          </p:cNvPr>
+          <p:cNvPicPr>
+            <a:picLocks noChangeAspect="1"/>
+          </p:cNvPicPr>
+          <p:nvPr/>
+        </p:nvPicPr>
+        <p:blipFill>
+          <a:blip r:embed="rId2"/>
+          <a:stretch>
+            <a:fillRect/>
+          </a:stretch>
+        </p:blipFill>
+        <p:spPr>
+          <a:xfrm>
+            <a:off x="263269" y="948690"/>
+            <a:ext cx="5762625" cy="2595777"/>
+          </a:xfrm>
+          <a:prstGeom prst="rect">
+            <a:avLst/>
+          </a:prstGeom>
+          <a:solidFill>
+            <a:srgbClr val="FFFFFF">
+              <a:shade val="85000"/>
+            </a:srgbClr>
+          </a:solidFill>
+          <a:ln w="88900" cap="sq">
+            <a:solidFill>
+              <a:srgbClr val="FFFFFF"/>
+            </a:solidFill>
+            <a:miter lim="800000"/>
+          </a:ln>
+          <a:effectLst>
+            <a:outerShdw blurRad="55000" dist="18000" dir="5400000" algn="tl" rotWithShape="0">
+              <a:srgbClr val="000000">
+                <a:alpha val="40000"/>
+              </a:srgbClr>
+            </a:outerShdw>
+          </a:effectLst>
+          <a:scene3d>
+            <a:camera prst="orthographicFront"/>
+            <a:lightRig rig="twoPt" dir="t">
+              <a:rot lat="0" lon="0" rev="7200000"/>
+            </a:lightRig>
+          </a:scene3d>
+          <a:sp3d>
+            <a:bevelT w="25400" h="19050"/>
+            <a:contourClr>
+              <a:srgbClr val="FFFFFF"/>
+            </a:contourClr>
+          </a:sp3d>
+        </p:spPr>
+      </p:pic>
+      <p:pic>
+        <p:nvPicPr>
+          <p:cNvPr id="10" name="Picture 9">
+            <a:extLst>
+              <a:ext uri="{FF2B5EF4-FFF2-40B4-BE49-F238E27FC236}">
+                <a16:creationId xmlns:a16="http://schemas.microsoft.com/office/drawing/2014/main" id="{55690005-6AC5-9E4A-4EEC-A6039711AF89}"/>
+              </a:ext>
+            </a:extLst>
+          </p:cNvPr>
+          <p:cNvPicPr>
+            <a:picLocks noChangeAspect="1"/>
+          </p:cNvPicPr>
+          <p:nvPr/>
+        </p:nvPicPr>
+        <p:blipFill>
+          <a:blip r:embed="rId3"/>
+          <a:stretch>
+            <a:fillRect/>
+          </a:stretch>
+        </p:blipFill>
+        <p:spPr>
+          <a:xfrm>
+            <a:off x="6163094" y="914983"/>
+            <a:ext cx="5885650" cy="2663190"/>
+          </a:xfrm>
+          <a:prstGeom prst="rect">
+            <a:avLst/>
+          </a:prstGeom>
+          <a:solidFill>
+            <a:srgbClr val="FFFFFF">
+              <a:shade val="85000"/>
+            </a:srgbClr>
+          </a:solidFill>
+          <a:ln w="88900" cap="sq">
+            <a:solidFill>
+              <a:srgbClr val="FFFFFF"/>
+            </a:solidFill>
+            <a:miter lim="800000"/>
+          </a:ln>
+          <a:effectLst>
+            <a:outerShdw blurRad="55000" dist="18000" dir="5400000" algn="tl" rotWithShape="0">
+              <a:srgbClr val="000000">
+                <a:alpha val="40000"/>
+              </a:srgbClr>
+            </a:outerShdw>
+          </a:effectLst>
+          <a:scene3d>
+            <a:camera prst="orthographicFront"/>
+            <a:lightRig rig="twoPt" dir="t">
+              <a:rot lat="0" lon="0" rev="7200000"/>
+            </a:lightRig>
+          </a:scene3d>
+          <a:sp3d>
+            <a:bevelT w="25400" h="19050"/>
+            <a:contourClr>
+              <a:srgbClr val="FFFFFF"/>
+            </a:contourClr>
+          </a:sp3d>
+        </p:spPr>
+      </p:pic>
+      <p:pic>
+        <p:nvPicPr>
+          <p:cNvPr id="12" name="Picture 11">
+            <a:extLst>
+              <a:ext uri="{FF2B5EF4-FFF2-40B4-BE49-F238E27FC236}">
+                <a16:creationId xmlns:a16="http://schemas.microsoft.com/office/drawing/2014/main" id="{4C6BCAD4-C051-15C2-A067-99503BECB5B3}"/>
+              </a:ext>
+            </a:extLst>
+          </p:cNvPr>
+          <p:cNvPicPr>
+            <a:picLocks noChangeAspect="1"/>
+          </p:cNvPicPr>
+          <p:nvPr/>
+        </p:nvPicPr>
+        <p:blipFill>
+          <a:blip r:embed="rId4"/>
+          <a:stretch>
+            <a:fillRect/>
+          </a:stretch>
+        </p:blipFill>
+        <p:spPr>
+          <a:xfrm>
+            <a:off x="263271" y="3781966"/>
+            <a:ext cx="5783879" cy="2595777"/>
+          </a:xfrm>
+          <a:prstGeom prst="rect">
+            <a:avLst/>
+          </a:prstGeom>
+          <a:solidFill>
+            <a:srgbClr val="FFFFFF">
+              <a:shade val="85000"/>
+            </a:srgbClr>
+          </a:solidFill>
+          <a:ln w="88900" cap="sq">
+            <a:solidFill>
+              <a:srgbClr val="FFFFFF"/>
+            </a:solidFill>
+            <a:miter lim="800000"/>
+          </a:ln>
+          <a:effectLst>
+            <a:outerShdw blurRad="55000" dist="18000" dir="5400000" algn="tl" rotWithShape="0">
+              <a:srgbClr val="000000">
+                <a:alpha val="40000"/>
+              </a:srgbClr>
+            </a:outerShdw>
+          </a:effectLst>
+          <a:scene3d>
+            <a:camera prst="orthographicFront"/>
+            <a:lightRig rig="twoPt" dir="t">
+              <a:rot lat="0" lon="0" rev="7200000"/>
+            </a:lightRig>
+          </a:scene3d>
+          <a:sp3d>
+            <a:bevelT w="25400" h="19050"/>
+            <a:contourClr>
+              <a:srgbClr val="FFFFFF"/>
+            </a:contourClr>
+          </a:sp3d>
+        </p:spPr>
+      </p:pic>
+      <p:pic>
+        <p:nvPicPr>
+          <p:cNvPr id="14" name="Picture 13">
+            <a:extLst>
+              <a:ext uri="{FF2B5EF4-FFF2-40B4-BE49-F238E27FC236}">
+                <a16:creationId xmlns:a16="http://schemas.microsoft.com/office/drawing/2014/main" id="{09928B2F-0621-8298-EF3B-AF257473C04E}"/>
+              </a:ext>
+            </a:extLst>
+          </p:cNvPr>
+          <p:cNvPicPr>
+            <a:picLocks noChangeAspect="1"/>
+          </p:cNvPicPr>
+          <p:nvPr/>
+        </p:nvPicPr>
+        <p:blipFill>
+          <a:blip r:embed="rId5"/>
+          <a:stretch>
+            <a:fillRect/>
+          </a:stretch>
+        </p:blipFill>
+        <p:spPr>
+          <a:xfrm>
+            <a:off x="6163095" y="3781967"/>
+            <a:ext cx="5885650" cy="2618804"/>
+          </a:xfrm>
+          <a:prstGeom prst="rect">
+            <a:avLst/>
+          </a:prstGeom>
+          <a:solidFill>
+            <a:srgbClr val="FFFFFF">
+              <a:shade val="85000"/>
+            </a:srgbClr>
+          </a:solidFill>
+          <a:ln w="88900" cap="sq">
+            <a:solidFill>
+              <a:srgbClr val="FFFFFF"/>
+            </a:solidFill>
+            <a:miter lim="800000"/>
+          </a:ln>
+          <a:effectLst>
+            <a:outerShdw blurRad="55000" dist="18000" dir="5400000" algn="tl" rotWithShape="0">
+              <a:srgbClr val="000000">
+                <a:alpha val="40000"/>
+              </a:srgbClr>
+            </a:outerShdw>
+          </a:effectLst>
+          <a:scene3d>
+            <a:camera prst="orthographicFront"/>
+            <a:lightRig rig="twoPt" dir="t">
+              <a:rot lat="0" lon="0" rev="7200000"/>
+            </a:lightRig>
+          </a:scene3d>
+          <a:sp3d>
+            <a:bevelT w="25400" h="19050"/>
+            <a:contourClr>
+              <a:srgbClr val="FFFFFF"/>
+            </a:contourClr>
+          </a:sp3d>
+        </p:spPr>
+      </p:pic>
+    </p:spTree>
+    <p:extLst>
+      <p:ext uri="{BB962C8B-B14F-4D97-AF65-F5344CB8AC3E}">
+        <p14:creationId xmlns:p14="http://schemas.microsoft.com/office/powerpoint/2010/main" val="4023815217"/>
+      </p:ext>
+    </p:extLst>
+  </p:cSld>
+  <p:clrMapOvr>
+    <a:masterClrMapping/>
+  </p:clrMapOvr>
+  <p:transition spd="slow">
+    <p:push dir="u"/>
+  </p:transition>
+</p:sld>
+</file>
+
+<file path=ppt/slides/slide12.xml><?xml version="1.0" encoding="utf-8"?>
+<p:sld xmlns:a="http://schemas.openxmlformats.org/drawingml/2006/main" xmlns:r="http://schemas.openxmlformats.org/officeDocument/2006/relationships" xmlns:p="http://schemas.openxmlformats.org/presentationml/2006/main">
+  <p:cSld>
+    <p:spTree>
+      <p:nvGrpSpPr>
+        <p:cNvPr id="1" name=""/>
+        <p:cNvGrpSpPr/>
+        <p:nvPr/>
+      </p:nvGrpSpPr>
+      <p:grpSpPr>
+        <a:xfrm>
+          <a:off x="0" y="0"/>
+          <a:ext cx="0" cy="0"/>
+          <a:chOff x="0" y="0"/>
+          <a:chExt cx="0" cy="0"/>
+        </a:xfrm>
+      </p:grpSpPr>
+      <p:sp>
+        <p:nvSpPr>
+          <p:cNvPr id="34" name="Slide Number Placeholder 33">
+            <a:extLst>
+              <a:ext uri="{FF2B5EF4-FFF2-40B4-BE49-F238E27FC236}">
+                <a16:creationId xmlns:a16="http://schemas.microsoft.com/office/drawing/2014/main" id="{D035A1C3-4BB7-EA18-FEF0-7A0F96B19F4F}"/>
+              </a:ext>
+            </a:extLst>
+          </p:cNvPr>
+          <p:cNvSpPr>
+            <a:spLocks noGrp="1"/>
+          </p:cNvSpPr>
+          <p:nvPr>
+            <p:ph type="sldNum" sz="quarter" idx="12"/>
+          </p:nvPr>
+        </p:nvSpPr>
+        <p:spPr>
+          <a:xfrm>
+            <a:off x="9305544" y="6377743"/>
+            <a:ext cx="2743200" cy="365125"/>
+          </a:xfrm>
+        </p:spPr>
+        <p:txBody>
+          <a:bodyPr/>
+          <a:lstStyle/>
+          <a:p>
+            <a:fld id="{534BA656-5C33-4FAF-9E83-A5FF0018082C}" type="slidenum">
+              <a:rPr lang="en-US" sz="2400" b="1" smtClean="0">
+                <a:solidFill>
+                  <a:schemeClr val="bg2">
+                    <a:lumMod val="10000"/>
+                  </a:schemeClr>
+                </a:solidFill>
+                <a:latin typeface="Roboto" panose="02000000000000000000" pitchFamily="2" charset="0"/>
+                <a:ea typeface="Roboto" panose="02000000000000000000" pitchFamily="2" charset="0"/>
+              </a:rPr>
+              <a:t>12</a:t>
+            </a:fld>
+            <a:endParaRPr lang="en-US" sz="2400" b="1">
+              <a:solidFill>
+                <a:schemeClr val="bg2">
+                  <a:lumMod val="10000"/>
+                </a:schemeClr>
+              </a:solidFill>
+              <a:latin typeface="Roboto" panose="02000000000000000000" pitchFamily="2" charset="0"/>
+              <a:ea typeface="Roboto" panose="02000000000000000000" pitchFamily="2" charset="0"/>
+            </a:endParaRPr>
+          </a:p>
+        </p:txBody>
+      </p:sp>
+      <p:sp>
+        <p:nvSpPr>
+          <p:cNvPr id="5" name="Rectangle 4">
+            <a:extLst>
+              <a:ext uri="{FF2B5EF4-FFF2-40B4-BE49-F238E27FC236}">
+                <a16:creationId xmlns:a16="http://schemas.microsoft.com/office/drawing/2014/main" id="{CBAE9E41-18F1-D616-4A04-A6F05299715A}"/>
+              </a:ext>
+            </a:extLst>
+          </p:cNvPr>
+          <p:cNvSpPr/>
+          <p:nvPr/>
+        </p:nvSpPr>
+        <p:spPr>
+          <a:xfrm>
+            <a:off x="0" y="0"/>
+            <a:ext cx="6096000" cy="540000"/>
+          </a:xfrm>
+          <a:prstGeom prst="rect">
+            <a:avLst/>
+          </a:prstGeom>
+          <a:solidFill>
+            <a:schemeClr val="tx1">
+              <a:lumMod val="75000"/>
+              <a:lumOff val="25000"/>
+            </a:schemeClr>
+          </a:solidFill>
+          <a:ln>
+            <a:noFill/>
+          </a:ln>
+        </p:spPr>
+        <p:style>
+          <a:lnRef idx="2">
+            <a:schemeClr val="dk1">
+              <a:shade val="15000"/>
+            </a:schemeClr>
+          </a:lnRef>
+          <a:fillRef idx="1">
+            <a:schemeClr val="dk1"/>
+          </a:fillRef>
+          <a:effectRef idx="0">
+            <a:schemeClr val="dk1"/>
+          </a:effectRef>
+          <a:fontRef idx="minor">
+            <a:schemeClr val="lt1"/>
+          </a:fontRef>
+        </p:style>
+        <p:txBody>
+          <a:bodyPr rtlCol="0" anchor="ctr"/>
+          <a:lstStyle/>
+          <a:p>
+            <a:pPr algn="r"/>
+            <a:r>
+              <a:rPr lang="en-US" sz="2400">
+                <a:solidFill>
+                  <a:schemeClr val="bg1"/>
+                </a:solidFill>
+                <a:latin typeface="Roboto" panose="02000000000000000000" pitchFamily="2" charset="0"/>
+                <a:ea typeface="Roboto" panose="02000000000000000000" pitchFamily="2" charset="0"/>
+                <a:cs typeface="Times New Roman" panose="02020603050405020304" pitchFamily="18" charset="0"/>
+              </a:rPr>
+              <a:t>3. Tập dữ liệu</a:t>
+            </a:r>
+          </a:p>
+        </p:txBody>
+      </p:sp>
+      <p:sp>
+        <p:nvSpPr>
+          <p:cNvPr id="6" name="Rectangle 5">
+            <a:extLst>
+              <a:ext uri="{FF2B5EF4-FFF2-40B4-BE49-F238E27FC236}">
+                <a16:creationId xmlns:a16="http://schemas.microsoft.com/office/drawing/2014/main" id="{45C866F0-A2E0-AEC7-E9DD-C84621F6B816}"/>
+              </a:ext>
+            </a:extLst>
+          </p:cNvPr>
+          <p:cNvSpPr/>
+          <p:nvPr/>
+        </p:nvSpPr>
+        <p:spPr>
+          <a:xfrm>
+            <a:off x="6096000" y="0"/>
+            <a:ext cx="6096000" cy="540000"/>
+          </a:xfrm>
+          <a:prstGeom prst="rect">
+            <a:avLst/>
+          </a:prstGeom>
+          <a:solidFill>
+            <a:schemeClr val="tx1">
+              <a:lumMod val="50000"/>
+              <a:lumOff val="50000"/>
+            </a:schemeClr>
+          </a:solidFill>
+          <a:ln>
+            <a:noFill/>
+          </a:ln>
+        </p:spPr>
+        <p:style>
+          <a:lnRef idx="2">
+            <a:schemeClr val="dk1">
+              <a:shade val="15000"/>
+            </a:schemeClr>
+          </a:lnRef>
+          <a:fillRef idx="1">
+            <a:schemeClr val="dk1"/>
+          </a:fillRef>
+          <a:effectRef idx="0">
+            <a:schemeClr val="dk1"/>
+          </a:effectRef>
+          <a:fontRef idx="minor">
+            <a:schemeClr val="lt1"/>
+          </a:fontRef>
+        </p:style>
+        <p:txBody>
+          <a:bodyPr rtlCol="0" anchor="ctr"/>
+          <a:lstStyle/>
+          <a:p>
+            <a:r>
+              <a:rPr lang="en-US" sz="2400">
+                <a:solidFill>
+                  <a:schemeClr val="bg1"/>
+                </a:solidFill>
+                <a:latin typeface="Roboto" panose="02000000000000000000" pitchFamily="2" charset="0"/>
+                <a:ea typeface="Roboto" panose="02000000000000000000" pitchFamily="2" charset="0"/>
+              </a:rPr>
+              <a:t>3.2. Tiền xử lý tập dữ liệu</a:t>
+            </a:r>
+          </a:p>
+        </p:txBody>
+      </p:sp>
+      <p:grpSp>
+        <p:nvGrpSpPr>
+          <p:cNvPr id="2" name="Group 1">
+            <a:extLst>
+              <a:ext uri="{FF2B5EF4-FFF2-40B4-BE49-F238E27FC236}">
+                <a16:creationId xmlns:a16="http://schemas.microsoft.com/office/drawing/2014/main" id="{4E90C692-A9ED-5FF1-6478-431314404088}"/>
+              </a:ext>
+            </a:extLst>
+          </p:cNvPr>
+          <p:cNvGrpSpPr/>
+          <p:nvPr/>
+        </p:nvGrpSpPr>
+        <p:grpSpPr>
+          <a:xfrm>
+            <a:off x="552304" y="1203102"/>
+            <a:ext cx="746144" cy="744570"/>
+            <a:chOff x="596577" y="2905780"/>
+            <a:chExt cx="540000" cy="540000"/>
+          </a:xfrm>
+        </p:grpSpPr>
+        <p:sp>
+          <p:nvSpPr>
+            <p:cNvPr id="3" name="TextBox 2">
+              <a:extLst>
+                <a:ext uri="{FF2B5EF4-FFF2-40B4-BE49-F238E27FC236}">
+                  <a16:creationId xmlns:a16="http://schemas.microsoft.com/office/drawing/2014/main" id="{C75D3B39-E38B-C0F2-5F92-331A4E5FCA92}"/>
+                </a:ext>
+              </a:extLst>
+            </p:cNvPr>
+            <p:cNvSpPr txBox="1"/>
+            <p:nvPr/>
+          </p:nvSpPr>
+          <p:spPr>
+            <a:xfrm>
+              <a:off x="596578" y="2998943"/>
+              <a:ext cx="539999" cy="379466"/>
+            </a:xfrm>
+            <a:prstGeom prst="rect">
+              <a:avLst/>
+            </a:prstGeom>
+            <a:noFill/>
+          </p:spPr>
+          <p:txBody>
+            <a:bodyPr wrap="square" rtlCol="0" anchor="ctr">
+              <a:spAutoFit/>
+            </a:bodyPr>
+            <a:lstStyle/>
+            <a:p>
+              <a:pPr algn="ctr"/>
+              <a:r>
+                <a:rPr lang="en-US" sz="2800" b="1">
+                  <a:solidFill>
+                    <a:schemeClr val="bg2">
+                      <a:lumMod val="10000"/>
+                    </a:schemeClr>
+                  </a:solidFill>
+                  <a:latin typeface="Roboto" panose="02000000000000000000" pitchFamily="2" charset="0"/>
+                  <a:ea typeface="Roboto" panose="02000000000000000000" pitchFamily="2" charset="0"/>
+                </a:rPr>
+                <a:t>3.2</a:t>
+              </a:r>
+            </a:p>
+          </p:txBody>
+        </p:sp>
+        <p:sp>
+          <p:nvSpPr>
+            <p:cNvPr id="4" name="Oval 3">
+              <a:extLst>
+                <a:ext uri="{FF2B5EF4-FFF2-40B4-BE49-F238E27FC236}">
+                  <a16:creationId xmlns:a16="http://schemas.microsoft.com/office/drawing/2014/main" id="{0CD6FB5B-FCB9-1AF2-4914-5B38A6362030}"/>
+                </a:ext>
+              </a:extLst>
+            </p:cNvPr>
+            <p:cNvSpPr/>
+            <p:nvPr/>
+          </p:nvSpPr>
+          <p:spPr>
+            <a:xfrm>
+              <a:off x="596577" y="2905780"/>
+              <a:ext cx="540000" cy="540000"/>
+            </a:xfrm>
+            <a:prstGeom prst="ellipse">
+              <a:avLst/>
+            </a:prstGeom>
+            <a:noFill/>
+            <a:ln w="9525" cap="flat" cmpd="sng" algn="ctr">
+              <a:solidFill>
+                <a:schemeClr val="dk1"/>
+              </a:solidFill>
+              <a:prstDash val="solid"/>
+              <a:round/>
+              <a:headEnd type="none" w="med" len="med"/>
+              <a:tailEnd type="none" w="med" len="med"/>
+            </a:ln>
+          </p:spPr>
+          <p:style>
+            <a:lnRef idx="0">
+              <a:scrgbClr r="0" g="0" b="0"/>
+            </a:lnRef>
+            <a:fillRef idx="0">
+              <a:scrgbClr r="0" g="0" b="0"/>
+            </a:fillRef>
+            <a:effectRef idx="0">
+              <a:scrgbClr r="0" g="0" b="0"/>
+            </a:effectRef>
+            <a:fontRef idx="minor">
+              <a:schemeClr val="dk1"/>
+            </a:fontRef>
+          </p:style>
+          <p:txBody>
+            <a:bodyPr rtlCol="0" anchor="ctr"/>
+            <a:lstStyle/>
+            <a:p>
+              <a:pPr algn="ctr"/>
+              <a:endParaRPr lang="en-US"/>
+            </a:p>
+          </p:txBody>
+        </p:sp>
+      </p:grpSp>
+      <p:sp>
+        <p:nvSpPr>
+          <p:cNvPr id="7" name="TextBox 6">
+            <a:extLst>
+              <a:ext uri="{FF2B5EF4-FFF2-40B4-BE49-F238E27FC236}">
+                <a16:creationId xmlns:a16="http://schemas.microsoft.com/office/drawing/2014/main" id="{4D2863C9-52F6-FEE0-1D98-BF96D9B25AD1}"/>
+              </a:ext>
+            </a:extLst>
+          </p:cNvPr>
+          <p:cNvSpPr txBox="1"/>
+          <p:nvPr/>
+        </p:nvSpPr>
+        <p:spPr>
+          <a:xfrm>
+            <a:off x="1406500" y="1270003"/>
+            <a:ext cx="8011820" cy="646331"/>
+          </a:xfrm>
+          <a:prstGeom prst="rect">
+            <a:avLst/>
+          </a:prstGeom>
+          <a:noFill/>
+        </p:spPr>
+        <p:txBody>
+          <a:bodyPr wrap="square" rtlCol="0">
+            <a:spAutoFit/>
+          </a:bodyPr>
+          <a:lstStyle/>
+          <a:p>
+            <a:r>
+              <a:rPr lang="en-US" sz="3600">
+                <a:solidFill>
+                  <a:schemeClr val="bg2">
+                    <a:lumMod val="10000"/>
+                  </a:schemeClr>
+                </a:solidFill>
+                <a:latin typeface="Roboto" panose="02000000000000000000" pitchFamily="2" charset="0"/>
+                <a:ea typeface="Roboto" panose="02000000000000000000" pitchFamily="2" charset="0"/>
+              </a:rPr>
+              <a:t>Tiền xử lý tập dữ liệu</a:t>
+            </a:r>
+          </a:p>
+        </p:txBody>
+      </p:sp>
+      <p:sp>
+        <p:nvSpPr>
+          <p:cNvPr id="9" name="TextBox 8">
+            <a:extLst>
+              <a:ext uri="{FF2B5EF4-FFF2-40B4-BE49-F238E27FC236}">
+                <a16:creationId xmlns:a16="http://schemas.microsoft.com/office/drawing/2014/main" id="{1DBE7358-E0B3-20A0-547A-2F86D5A953B0}"/>
+              </a:ext>
+            </a:extLst>
+          </p:cNvPr>
+          <p:cNvSpPr txBox="1"/>
+          <p:nvPr/>
+        </p:nvSpPr>
+        <p:spPr>
+          <a:xfrm>
+            <a:off x="424287" y="2168089"/>
+            <a:ext cx="11534521" cy="584775"/>
+          </a:xfrm>
+          <a:prstGeom prst="rect">
+            <a:avLst/>
+          </a:prstGeom>
+          <a:noFill/>
+        </p:spPr>
+        <p:txBody>
+          <a:bodyPr wrap="square">
+            <a:spAutoFit/>
+          </a:bodyPr>
+          <a:lstStyle/>
+          <a:p>
+            <a:pPr marL="342900" indent="-342900">
+              <a:lnSpc>
+                <a:spcPct val="150000"/>
+              </a:lnSpc>
+              <a:buFont typeface="Arial" panose="020B0604020202020204" pitchFamily="34" charset="0"/>
+              <a:buChar char="•"/>
+            </a:pPr>
+            <a:r>
+              <a:rPr lang="en-US" sz="2400">
+                <a:latin typeface="Roboto" panose="02000000000000000000" pitchFamily="2" charset="0"/>
+                <a:ea typeface="Roboto" panose="02000000000000000000" pitchFamily="2" charset="0"/>
+              </a:rPr>
+              <a:t>Xoá các bài báo/bản tin có chứa thẻ HTML.</a:t>
+            </a:r>
+          </a:p>
+        </p:txBody>
+      </p:sp>
+      <p:pic>
+        <p:nvPicPr>
+          <p:cNvPr id="11" name="Picture 10">
+            <a:extLst>
+              <a:ext uri="{FF2B5EF4-FFF2-40B4-BE49-F238E27FC236}">
+                <a16:creationId xmlns:a16="http://schemas.microsoft.com/office/drawing/2014/main" id="{988A22B1-940C-E777-683D-A7E34AB8E6FE}"/>
+              </a:ext>
+            </a:extLst>
+          </p:cNvPr>
+          <p:cNvPicPr>
+            <a:picLocks noChangeAspect="1"/>
+          </p:cNvPicPr>
+          <p:nvPr/>
+        </p:nvPicPr>
+        <p:blipFill>
+          <a:blip r:embed="rId2"/>
+          <a:stretch>
+            <a:fillRect/>
+          </a:stretch>
+        </p:blipFill>
+        <p:spPr>
+          <a:xfrm>
+            <a:off x="625455" y="3429001"/>
+            <a:ext cx="5306530" cy="2361126"/>
+          </a:xfrm>
+          <a:prstGeom prst="rect">
+            <a:avLst/>
+          </a:prstGeom>
+          <a:solidFill>
+            <a:srgbClr val="FFFFFF">
+              <a:shade val="85000"/>
+            </a:srgbClr>
+          </a:solidFill>
+          <a:ln w="88900" cap="sq">
+            <a:solidFill>
+              <a:srgbClr val="FFFFFF"/>
+            </a:solidFill>
+            <a:miter lim="800000"/>
+          </a:ln>
+          <a:effectLst>
+            <a:outerShdw blurRad="55000" dist="18000" dir="5400000" algn="tl" rotWithShape="0">
+              <a:srgbClr val="000000">
+                <a:alpha val="40000"/>
+              </a:srgbClr>
+            </a:outerShdw>
+          </a:effectLst>
+          <a:scene3d>
+            <a:camera prst="orthographicFront"/>
+            <a:lightRig rig="twoPt" dir="t">
+              <a:rot lat="0" lon="0" rev="7200000"/>
+            </a:lightRig>
+          </a:scene3d>
+          <a:sp3d>
+            <a:bevelT w="25400" h="19050"/>
+            <a:contourClr>
+              <a:srgbClr val="FFFFFF"/>
+            </a:contourClr>
+          </a:sp3d>
+        </p:spPr>
+      </p:pic>
+      <p:pic>
+        <p:nvPicPr>
+          <p:cNvPr id="17" name="Picture 16">
+            <a:extLst>
+              <a:ext uri="{FF2B5EF4-FFF2-40B4-BE49-F238E27FC236}">
+                <a16:creationId xmlns:a16="http://schemas.microsoft.com/office/drawing/2014/main" id="{2E5D00D2-5043-9380-57B1-68F1668F0CE0}"/>
+              </a:ext>
+            </a:extLst>
+          </p:cNvPr>
+          <p:cNvPicPr>
+            <a:picLocks noChangeAspect="1"/>
+          </p:cNvPicPr>
+          <p:nvPr/>
+        </p:nvPicPr>
+        <p:blipFill>
+          <a:blip r:embed="rId3"/>
+          <a:stretch>
+            <a:fillRect/>
+          </a:stretch>
+        </p:blipFill>
+        <p:spPr>
+          <a:xfrm>
+            <a:off x="6461185" y="3429000"/>
+            <a:ext cx="5318580" cy="2361127"/>
+          </a:xfrm>
+          <a:prstGeom prst="rect">
+            <a:avLst/>
+          </a:prstGeom>
+          <a:solidFill>
+            <a:srgbClr val="FFFFFF">
+              <a:shade val="85000"/>
+            </a:srgbClr>
+          </a:solidFill>
+          <a:ln w="88900" cap="sq">
+            <a:solidFill>
+              <a:srgbClr val="FFFFFF"/>
+            </a:solidFill>
+            <a:miter lim="800000"/>
+          </a:ln>
+          <a:effectLst>
+            <a:outerShdw blurRad="55000" dist="18000" dir="5400000" algn="tl" rotWithShape="0">
+              <a:srgbClr val="000000">
+                <a:alpha val="40000"/>
+              </a:srgbClr>
+            </a:outerShdw>
+          </a:effectLst>
+          <a:scene3d>
+            <a:camera prst="orthographicFront"/>
+            <a:lightRig rig="twoPt" dir="t">
+              <a:rot lat="0" lon="0" rev="7200000"/>
+            </a:lightRig>
+          </a:scene3d>
+          <a:sp3d>
+            <a:bevelT w="25400" h="19050"/>
+            <a:contourClr>
+              <a:srgbClr val="FFFFFF"/>
+            </a:contourClr>
+          </a:sp3d>
+        </p:spPr>
+      </p:pic>
+    </p:spTree>
+    <p:extLst>
+      <p:ext uri="{BB962C8B-B14F-4D97-AF65-F5344CB8AC3E}">
+        <p14:creationId xmlns:p14="http://schemas.microsoft.com/office/powerpoint/2010/main" val="2758799028"/>
+      </p:ext>
+    </p:extLst>
+  </p:cSld>
+  <p:clrMapOvr>
+    <a:masterClrMapping/>
+  </p:clrMapOvr>
+  <p:transition spd="slow">
+    <p:push dir="u"/>
+  </p:transition>
+</p:sld>
+</file>
+
+<file path=ppt/slides/slide13.xml><?xml version="1.0" encoding="utf-8"?>
+<p:sld xmlns:a="http://schemas.openxmlformats.org/drawingml/2006/main" xmlns:r="http://schemas.openxmlformats.org/officeDocument/2006/relationships" xmlns:p="http://schemas.openxmlformats.org/presentationml/2006/main">
+  <p:cSld>
+    <p:spTree>
+      <p:nvGrpSpPr>
+        <p:cNvPr id="1" name=""/>
+        <p:cNvGrpSpPr/>
+        <p:nvPr/>
+      </p:nvGrpSpPr>
+      <p:grpSpPr>
+        <a:xfrm>
+          <a:off x="0" y="0"/>
+          <a:ext cx="0" cy="0"/>
+          <a:chOff x="0" y="0"/>
+          <a:chExt cx="0" cy="0"/>
+        </a:xfrm>
+      </p:grpSpPr>
+      <p:sp>
+        <p:nvSpPr>
+          <p:cNvPr id="34" name="Slide Number Placeholder 33">
+            <a:extLst>
+              <a:ext uri="{FF2B5EF4-FFF2-40B4-BE49-F238E27FC236}">
+                <a16:creationId xmlns:a16="http://schemas.microsoft.com/office/drawing/2014/main" id="{D035A1C3-4BB7-EA18-FEF0-7A0F96B19F4F}"/>
+              </a:ext>
+            </a:extLst>
+          </p:cNvPr>
+          <p:cNvSpPr>
+            <a:spLocks noGrp="1"/>
+          </p:cNvSpPr>
+          <p:nvPr>
+            <p:ph type="sldNum" sz="quarter" idx="12"/>
+          </p:nvPr>
+        </p:nvSpPr>
+        <p:spPr>
+          <a:xfrm>
+            <a:off x="9305544" y="6377743"/>
+            <a:ext cx="2743200" cy="365125"/>
+          </a:xfrm>
+        </p:spPr>
+        <p:txBody>
+          <a:bodyPr/>
+          <a:lstStyle/>
+          <a:p>
+            <a:fld id="{534BA656-5C33-4FAF-9E83-A5FF0018082C}" type="slidenum">
+              <a:rPr lang="en-US" sz="2400" b="1" smtClean="0">
+                <a:solidFill>
+                  <a:schemeClr val="bg2">
+                    <a:lumMod val="10000"/>
+                  </a:schemeClr>
+                </a:solidFill>
+                <a:latin typeface="Roboto" panose="02000000000000000000" pitchFamily="2" charset="0"/>
+                <a:ea typeface="Roboto" panose="02000000000000000000" pitchFamily="2" charset="0"/>
+              </a:rPr>
+              <a:t>13</a:t>
+            </a:fld>
+            <a:endParaRPr lang="en-US" sz="2400" b="1">
+              <a:solidFill>
+                <a:schemeClr val="bg2">
+                  <a:lumMod val="10000"/>
+                </a:schemeClr>
+              </a:solidFill>
+              <a:latin typeface="Roboto" panose="02000000000000000000" pitchFamily="2" charset="0"/>
+              <a:ea typeface="Roboto" panose="02000000000000000000" pitchFamily="2" charset="0"/>
+            </a:endParaRPr>
+          </a:p>
+        </p:txBody>
+      </p:sp>
+      <p:sp>
+        <p:nvSpPr>
+          <p:cNvPr id="5" name="Rectangle 4">
+            <a:extLst>
+              <a:ext uri="{FF2B5EF4-FFF2-40B4-BE49-F238E27FC236}">
+                <a16:creationId xmlns:a16="http://schemas.microsoft.com/office/drawing/2014/main" id="{CBAE9E41-18F1-D616-4A04-A6F05299715A}"/>
+              </a:ext>
+            </a:extLst>
+          </p:cNvPr>
+          <p:cNvSpPr/>
+          <p:nvPr/>
+        </p:nvSpPr>
+        <p:spPr>
+          <a:xfrm>
+            <a:off x="0" y="0"/>
+            <a:ext cx="6096000" cy="540000"/>
+          </a:xfrm>
+          <a:prstGeom prst="rect">
+            <a:avLst/>
+          </a:prstGeom>
+          <a:solidFill>
+            <a:schemeClr val="tx1">
+              <a:lumMod val="75000"/>
+              <a:lumOff val="25000"/>
+            </a:schemeClr>
+          </a:solidFill>
+          <a:ln>
+            <a:noFill/>
+          </a:ln>
+        </p:spPr>
+        <p:style>
+          <a:lnRef idx="2">
+            <a:schemeClr val="dk1">
+              <a:shade val="15000"/>
+            </a:schemeClr>
+          </a:lnRef>
+          <a:fillRef idx="1">
+            <a:schemeClr val="dk1"/>
+          </a:fillRef>
+          <a:effectRef idx="0">
+            <a:schemeClr val="dk1"/>
+          </a:effectRef>
+          <a:fontRef idx="minor">
+            <a:schemeClr val="lt1"/>
+          </a:fontRef>
+        </p:style>
+        <p:txBody>
+          <a:bodyPr rtlCol="0" anchor="ctr"/>
+          <a:lstStyle/>
+          <a:p>
+            <a:pPr algn="r"/>
+            <a:r>
+              <a:rPr lang="en-US" sz="2400">
+                <a:solidFill>
+                  <a:schemeClr val="bg1"/>
+                </a:solidFill>
+                <a:latin typeface="Roboto" panose="02000000000000000000" pitchFamily="2" charset="0"/>
+                <a:ea typeface="Roboto" panose="02000000000000000000" pitchFamily="2" charset="0"/>
+                <a:cs typeface="Times New Roman" panose="02020603050405020304" pitchFamily="18" charset="0"/>
+              </a:rPr>
+              <a:t>3. Tập dữ liệu</a:t>
+            </a:r>
+          </a:p>
+        </p:txBody>
+      </p:sp>
+      <p:sp>
+        <p:nvSpPr>
+          <p:cNvPr id="6" name="Rectangle 5">
+            <a:extLst>
+              <a:ext uri="{FF2B5EF4-FFF2-40B4-BE49-F238E27FC236}">
+                <a16:creationId xmlns:a16="http://schemas.microsoft.com/office/drawing/2014/main" id="{45C866F0-A2E0-AEC7-E9DD-C84621F6B816}"/>
+              </a:ext>
+            </a:extLst>
+          </p:cNvPr>
+          <p:cNvSpPr/>
+          <p:nvPr/>
+        </p:nvSpPr>
+        <p:spPr>
+          <a:xfrm>
+            <a:off x="6096000" y="0"/>
+            <a:ext cx="6096000" cy="540000"/>
+          </a:xfrm>
+          <a:prstGeom prst="rect">
+            <a:avLst/>
+          </a:prstGeom>
+          <a:solidFill>
+            <a:schemeClr val="tx1">
+              <a:lumMod val="50000"/>
+              <a:lumOff val="50000"/>
+            </a:schemeClr>
+          </a:solidFill>
+          <a:ln>
+            <a:noFill/>
+          </a:ln>
+        </p:spPr>
+        <p:style>
+          <a:lnRef idx="2">
+            <a:schemeClr val="dk1">
+              <a:shade val="15000"/>
+            </a:schemeClr>
+          </a:lnRef>
+          <a:fillRef idx="1">
+            <a:schemeClr val="dk1"/>
+          </a:fillRef>
+          <a:effectRef idx="0">
+            <a:schemeClr val="dk1"/>
+          </a:effectRef>
+          <a:fontRef idx="minor">
+            <a:schemeClr val="lt1"/>
+          </a:fontRef>
+        </p:style>
+        <p:txBody>
+          <a:bodyPr rtlCol="0" anchor="ctr"/>
+          <a:lstStyle/>
+          <a:p>
+            <a:r>
+              <a:rPr lang="en-US" sz="2400">
+                <a:solidFill>
+                  <a:schemeClr val="bg1"/>
+                </a:solidFill>
+                <a:latin typeface="Roboto" panose="02000000000000000000" pitchFamily="2" charset="0"/>
+                <a:ea typeface="Roboto" panose="02000000000000000000" pitchFamily="2" charset="0"/>
+              </a:rPr>
+              <a:t>3.2. Tiền xử lý tập dữ liệu</a:t>
+            </a:r>
+          </a:p>
+        </p:txBody>
+      </p:sp>
+      <p:sp>
+        <p:nvSpPr>
+          <p:cNvPr id="9" name="TextBox 8">
+            <a:extLst>
+              <a:ext uri="{FF2B5EF4-FFF2-40B4-BE49-F238E27FC236}">
+                <a16:creationId xmlns:a16="http://schemas.microsoft.com/office/drawing/2014/main" id="{1DBE7358-E0B3-20A0-547A-2F86D5A953B0}"/>
+              </a:ext>
+            </a:extLst>
+          </p:cNvPr>
+          <p:cNvSpPr txBox="1"/>
+          <p:nvPr/>
+        </p:nvSpPr>
+        <p:spPr>
+          <a:xfrm>
+            <a:off x="405692" y="1751617"/>
+            <a:ext cx="4778956" cy="3354765"/>
+          </a:xfrm>
+          <a:prstGeom prst="rect">
+            <a:avLst/>
+          </a:prstGeom>
+          <a:noFill/>
+        </p:spPr>
+        <p:txBody>
+          <a:bodyPr wrap="square">
+            <a:spAutoFit/>
+          </a:bodyPr>
+          <a:lstStyle/>
+          <a:p>
+            <a:pPr marL="342900" indent="-342900">
+              <a:lnSpc>
+                <a:spcPct val="150000"/>
+              </a:lnSpc>
+              <a:buFont typeface="Arial" panose="020B0604020202020204" pitchFamily="34" charset="0"/>
+              <a:buChar char="•"/>
+            </a:pPr>
+            <a:r>
+              <a:rPr lang="en-US" sz="2400">
+                <a:latin typeface="Roboto" panose="02000000000000000000" pitchFamily="2" charset="0"/>
+                <a:ea typeface="Roboto" panose="02000000000000000000" pitchFamily="2" charset="0"/>
+              </a:rPr>
+              <a:t>Chuyển hết chữ viết hoa thành chữ viết thường.</a:t>
+            </a:r>
+          </a:p>
+          <a:p>
+            <a:pPr marL="342900" indent="-342900">
+              <a:lnSpc>
+                <a:spcPct val="150000"/>
+              </a:lnSpc>
+              <a:buFont typeface="Arial" panose="020B0604020202020204" pitchFamily="34" charset="0"/>
+              <a:buChar char="•"/>
+            </a:pPr>
+            <a:r>
+              <a:rPr lang="en-US" sz="2400">
+                <a:latin typeface="Roboto" panose="02000000000000000000" pitchFamily="2" charset="0"/>
+                <a:ea typeface="Roboto" panose="02000000000000000000" pitchFamily="2" charset="0"/>
+              </a:rPr>
+              <a:t>Loại bỏ các dấu câu bao gồm: </a:t>
+            </a:r>
+            <a:r>
+              <a:rPr lang="en-US" sz="2400" b="0" i="0">
+                <a:solidFill>
+                  <a:srgbClr val="1F2328"/>
+                </a:solidFill>
+                <a:effectLst/>
+                <a:latin typeface="Roboto" panose="02000000000000000000" pitchFamily="2" charset="0"/>
+                <a:ea typeface="Roboto" panose="02000000000000000000" pitchFamily="2" charset="0"/>
+              </a:rPr>
+              <a:t>!"#$%&amp;'()*+, -./:;&lt;=&gt;?@[\]^_`{|}~</a:t>
+            </a:r>
+          </a:p>
+          <a:p>
+            <a:pPr marL="342900" indent="-342900">
+              <a:lnSpc>
+                <a:spcPct val="150000"/>
+              </a:lnSpc>
+              <a:buFont typeface="Arial" panose="020B0604020202020204" pitchFamily="34" charset="0"/>
+              <a:buChar char="•"/>
+            </a:pPr>
+            <a:r>
+              <a:rPr lang="en-US" sz="2400">
+                <a:solidFill>
+                  <a:srgbClr val="1F2328"/>
+                </a:solidFill>
+                <a:latin typeface="Roboto" panose="02000000000000000000" pitchFamily="2" charset="0"/>
+                <a:ea typeface="Roboto" panose="02000000000000000000" pitchFamily="2" charset="0"/>
+              </a:rPr>
+              <a:t>Loại bỏ các ký tự trắng liên tiếp.</a:t>
+            </a:r>
+          </a:p>
+        </p:txBody>
+      </p:sp>
+      <p:pic>
+        <p:nvPicPr>
+          <p:cNvPr id="8" name="Picture 7">
+            <a:extLst>
+              <a:ext uri="{FF2B5EF4-FFF2-40B4-BE49-F238E27FC236}">
+                <a16:creationId xmlns:a16="http://schemas.microsoft.com/office/drawing/2014/main" id="{50497CBB-9969-B830-07B1-E06E677E0016}"/>
+              </a:ext>
+            </a:extLst>
+          </p:cNvPr>
+          <p:cNvPicPr>
+            <a:picLocks noChangeAspect="1"/>
+          </p:cNvPicPr>
+          <p:nvPr/>
+        </p:nvPicPr>
+        <p:blipFill>
+          <a:blip r:embed="rId2"/>
+          <a:stretch>
+            <a:fillRect/>
+          </a:stretch>
+        </p:blipFill>
+        <p:spPr>
+          <a:xfrm>
+            <a:off x="5572885" y="859231"/>
+            <a:ext cx="5679190" cy="2569769"/>
+          </a:xfrm>
+          <a:prstGeom prst="rect">
+            <a:avLst/>
+          </a:prstGeom>
+          <a:solidFill>
+            <a:srgbClr val="FFFFFF">
+              <a:shade val="85000"/>
+            </a:srgbClr>
+          </a:solidFill>
+          <a:ln w="88900" cap="sq">
+            <a:solidFill>
+              <a:srgbClr val="FFFFFF"/>
+            </a:solidFill>
+            <a:miter lim="800000"/>
+          </a:ln>
+          <a:effectLst>
+            <a:outerShdw blurRad="55000" dist="18000" dir="5400000" algn="tl" rotWithShape="0">
+              <a:srgbClr val="000000">
+                <a:alpha val="40000"/>
+              </a:srgbClr>
+            </a:outerShdw>
+          </a:effectLst>
+          <a:scene3d>
+            <a:camera prst="orthographicFront"/>
+            <a:lightRig rig="twoPt" dir="t">
+              <a:rot lat="0" lon="0" rev="7200000"/>
+            </a:lightRig>
+          </a:scene3d>
+          <a:sp3d>
+            <a:bevelT w="25400" h="19050"/>
+            <a:contourClr>
+              <a:srgbClr val="FFFFFF"/>
+            </a:contourClr>
+          </a:sp3d>
+        </p:spPr>
+      </p:pic>
+      <p:pic>
+        <p:nvPicPr>
+          <p:cNvPr id="12" name="Picture 11">
+            <a:extLst>
+              <a:ext uri="{FF2B5EF4-FFF2-40B4-BE49-F238E27FC236}">
+                <a16:creationId xmlns:a16="http://schemas.microsoft.com/office/drawing/2014/main" id="{D877B0C4-013C-DD0F-C16D-DD3AD1B53706}"/>
+              </a:ext>
+            </a:extLst>
+          </p:cNvPr>
+          <p:cNvPicPr>
+            <a:picLocks noChangeAspect="1"/>
+          </p:cNvPicPr>
+          <p:nvPr/>
+        </p:nvPicPr>
+        <p:blipFill>
+          <a:blip r:embed="rId3"/>
+          <a:stretch>
+            <a:fillRect/>
+          </a:stretch>
+        </p:blipFill>
+        <p:spPr>
+          <a:xfrm>
+            <a:off x="5520401" y="3990536"/>
+            <a:ext cx="5784158" cy="2569769"/>
+          </a:xfrm>
+          <a:prstGeom prst="rect">
+            <a:avLst/>
+          </a:prstGeom>
+          <a:solidFill>
+            <a:srgbClr val="FFFFFF">
+              <a:shade val="85000"/>
+            </a:srgbClr>
+          </a:solidFill>
+          <a:ln w="88900" cap="sq">
+            <a:solidFill>
+              <a:srgbClr val="FFFFFF"/>
+            </a:solidFill>
+            <a:miter lim="800000"/>
+          </a:ln>
+          <a:effectLst>
+            <a:outerShdw blurRad="55000" dist="18000" dir="5400000" algn="tl" rotWithShape="0">
+              <a:srgbClr val="000000">
+                <a:alpha val="40000"/>
+              </a:srgbClr>
+            </a:outerShdw>
+          </a:effectLst>
+          <a:scene3d>
+            <a:camera prst="orthographicFront"/>
+            <a:lightRig rig="twoPt" dir="t">
+              <a:rot lat="0" lon="0" rev="7200000"/>
+            </a:lightRig>
+          </a:scene3d>
+          <a:sp3d>
+            <a:bevelT w="25400" h="19050"/>
+            <a:contourClr>
+              <a:srgbClr val="FFFFFF"/>
+            </a:contourClr>
+          </a:sp3d>
+        </p:spPr>
+      </p:pic>
+      <p:cxnSp>
+        <p:nvCxnSpPr>
+          <p:cNvPr id="14" name="Straight Arrow Connector 13">
+            <a:extLst>
+              <a:ext uri="{FF2B5EF4-FFF2-40B4-BE49-F238E27FC236}">
+                <a16:creationId xmlns:a16="http://schemas.microsoft.com/office/drawing/2014/main" id="{C281626D-E559-914A-9347-585F8F93665A}"/>
+              </a:ext>
+            </a:extLst>
+          </p:cNvPr>
+          <p:cNvCxnSpPr>
+            <a:stCxn id="8" idx="2"/>
+            <a:endCxn id="12" idx="0"/>
+          </p:cNvCxnSpPr>
+          <p:nvPr/>
+        </p:nvCxnSpPr>
+        <p:spPr>
+          <a:xfrm>
+            <a:off x="8412480" y="3429000"/>
+            <a:ext cx="0" cy="561536"/>
+          </a:xfrm>
+          <a:prstGeom prst="straightConnector1">
+            <a:avLst/>
+          </a:prstGeom>
+          <a:ln>
+            <a:tailEnd type="triangle"/>
+          </a:ln>
+        </p:spPr>
+        <p:style>
+          <a:lnRef idx="3">
+            <a:schemeClr val="dk1"/>
+          </a:lnRef>
+          <a:fillRef idx="0">
+            <a:schemeClr val="dk1"/>
+          </a:fillRef>
+          <a:effectRef idx="2">
+            <a:schemeClr val="dk1"/>
+          </a:effectRef>
+          <a:fontRef idx="minor">
+            <a:schemeClr val="tx1"/>
+          </a:fontRef>
+        </p:style>
+      </p:cxnSp>
+    </p:spTree>
+    <p:extLst>
+      <p:ext uri="{BB962C8B-B14F-4D97-AF65-F5344CB8AC3E}">
+        <p14:creationId xmlns:p14="http://schemas.microsoft.com/office/powerpoint/2010/main" val="875883590"/>
+      </p:ext>
+    </p:extLst>
+  </p:cSld>
+  <p:clrMapOvr>
+    <a:masterClrMapping/>
+  </p:clrMapOvr>
+  <p:transition spd="slow">
+    <p:push dir="u"/>
+  </p:transition>
+</p:sld>
+</file>
+
+<file path=ppt/slides/slide14.xml><?xml version="1.0" encoding="utf-8"?>
+<p:sld xmlns:a="http://schemas.openxmlformats.org/drawingml/2006/main" xmlns:r="http://schemas.openxmlformats.org/officeDocument/2006/relationships" xmlns:p="http://schemas.openxmlformats.org/presentationml/2006/main">
+  <p:cSld>
+    <p:spTree>
+      <p:nvGrpSpPr>
+        <p:cNvPr id="1" name=""/>
+        <p:cNvGrpSpPr/>
+        <p:nvPr/>
+      </p:nvGrpSpPr>
+      <p:grpSpPr>
+        <a:xfrm>
+          <a:off x="0" y="0"/>
+          <a:ext cx="0" cy="0"/>
+          <a:chOff x="0" y="0"/>
+          <a:chExt cx="0" cy="0"/>
+        </a:xfrm>
+      </p:grpSpPr>
+      <p:sp>
+        <p:nvSpPr>
+          <p:cNvPr id="34" name="Slide Number Placeholder 33">
+            <a:extLst>
+              <a:ext uri="{FF2B5EF4-FFF2-40B4-BE49-F238E27FC236}">
+                <a16:creationId xmlns:a16="http://schemas.microsoft.com/office/drawing/2014/main" id="{D035A1C3-4BB7-EA18-FEF0-7A0F96B19F4F}"/>
+              </a:ext>
+            </a:extLst>
+          </p:cNvPr>
+          <p:cNvSpPr>
+            <a:spLocks noGrp="1"/>
+          </p:cNvSpPr>
+          <p:nvPr>
+            <p:ph type="sldNum" sz="quarter" idx="12"/>
+          </p:nvPr>
+        </p:nvSpPr>
+        <p:spPr>
+          <a:xfrm>
+            <a:off x="9305544" y="6377743"/>
+            <a:ext cx="2743200" cy="365125"/>
+          </a:xfrm>
+        </p:spPr>
+        <p:txBody>
+          <a:bodyPr/>
+          <a:lstStyle/>
+          <a:p>
+            <a:fld id="{534BA656-5C33-4FAF-9E83-A5FF0018082C}" type="slidenum">
+              <a:rPr lang="en-US" sz="2400" b="1" smtClean="0">
+                <a:solidFill>
+                  <a:schemeClr val="bg2">
+                    <a:lumMod val="10000"/>
+                  </a:schemeClr>
+                </a:solidFill>
+                <a:latin typeface="Roboto" panose="02000000000000000000" pitchFamily="2" charset="0"/>
+                <a:ea typeface="Roboto" panose="02000000000000000000" pitchFamily="2" charset="0"/>
+              </a:rPr>
+              <a:t>14</a:t>
+            </a:fld>
+            <a:endParaRPr lang="en-US" sz="2400" b="1">
+              <a:solidFill>
+                <a:schemeClr val="bg2">
+                  <a:lumMod val="10000"/>
+                </a:schemeClr>
+              </a:solidFill>
+              <a:latin typeface="Roboto" panose="02000000000000000000" pitchFamily="2" charset="0"/>
+              <a:ea typeface="Roboto" panose="02000000000000000000" pitchFamily="2" charset="0"/>
+            </a:endParaRPr>
+          </a:p>
+        </p:txBody>
+      </p:sp>
+      <p:sp>
+        <p:nvSpPr>
+          <p:cNvPr id="5" name="Rectangle 4">
+            <a:extLst>
+              <a:ext uri="{FF2B5EF4-FFF2-40B4-BE49-F238E27FC236}">
+                <a16:creationId xmlns:a16="http://schemas.microsoft.com/office/drawing/2014/main" id="{CBAE9E41-18F1-D616-4A04-A6F05299715A}"/>
+              </a:ext>
+            </a:extLst>
+          </p:cNvPr>
+          <p:cNvSpPr/>
+          <p:nvPr/>
+        </p:nvSpPr>
+        <p:spPr>
+          <a:xfrm>
+            <a:off x="0" y="0"/>
+            <a:ext cx="6096000" cy="540000"/>
+          </a:xfrm>
+          <a:prstGeom prst="rect">
+            <a:avLst/>
+          </a:prstGeom>
+          <a:solidFill>
+            <a:schemeClr val="tx1">
+              <a:lumMod val="75000"/>
+              <a:lumOff val="25000"/>
+            </a:schemeClr>
+          </a:solidFill>
+          <a:ln>
+            <a:noFill/>
+          </a:ln>
+        </p:spPr>
+        <p:style>
+          <a:lnRef idx="2">
+            <a:schemeClr val="dk1">
+              <a:shade val="15000"/>
+            </a:schemeClr>
+          </a:lnRef>
+          <a:fillRef idx="1">
+            <a:schemeClr val="dk1"/>
+          </a:fillRef>
+          <a:effectRef idx="0">
+            <a:schemeClr val="dk1"/>
+          </a:effectRef>
+          <a:fontRef idx="minor">
+            <a:schemeClr val="lt1"/>
+          </a:fontRef>
+        </p:style>
+        <p:txBody>
+          <a:bodyPr rtlCol="0" anchor="ctr"/>
+          <a:lstStyle/>
+          <a:p>
+            <a:pPr algn="r"/>
+            <a:r>
+              <a:rPr lang="en-US" sz="2400">
+                <a:solidFill>
+                  <a:schemeClr val="bg1"/>
+                </a:solidFill>
+                <a:latin typeface="Roboto" panose="02000000000000000000" pitchFamily="2" charset="0"/>
+                <a:ea typeface="Roboto" panose="02000000000000000000" pitchFamily="2" charset="0"/>
+                <a:cs typeface="Times New Roman" panose="02020603050405020304" pitchFamily="18" charset="0"/>
+              </a:rPr>
+              <a:t>3. Tập dữ liệu</a:t>
+            </a:r>
+          </a:p>
+        </p:txBody>
+      </p:sp>
+      <p:sp>
+        <p:nvSpPr>
+          <p:cNvPr id="6" name="Rectangle 5">
+            <a:extLst>
+              <a:ext uri="{FF2B5EF4-FFF2-40B4-BE49-F238E27FC236}">
+                <a16:creationId xmlns:a16="http://schemas.microsoft.com/office/drawing/2014/main" id="{45C866F0-A2E0-AEC7-E9DD-C84621F6B816}"/>
+              </a:ext>
+            </a:extLst>
+          </p:cNvPr>
+          <p:cNvSpPr/>
+          <p:nvPr/>
+        </p:nvSpPr>
+        <p:spPr>
+          <a:xfrm>
+            <a:off x="6096000" y="0"/>
+            <a:ext cx="6096000" cy="540000"/>
+          </a:xfrm>
+          <a:prstGeom prst="rect">
+            <a:avLst/>
+          </a:prstGeom>
+          <a:solidFill>
+            <a:schemeClr val="tx1">
+              <a:lumMod val="50000"/>
+              <a:lumOff val="50000"/>
+            </a:schemeClr>
+          </a:solidFill>
+          <a:ln>
+            <a:noFill/>
+          </a:ln>
+        </p:spPr>
+        <p:style>
+          <a:lnRef idx="2">
+            <a:schemeClr val="dk1">
+              <a:shade val="15000"/>
+            </a:schemeClr>
+          </a:lnRef>
+          <a:fillRef idx="1">
+            <a:schemeClr val="dk1"/>
+          </a:fillRef>
+          <a:effectRef idx="0">
+            <a:schemeClr val="dk1"/>
+          </a:effectRef>
+          <a:fontRef idx="minor">
+            <a:schemeClr val="lt1"/>
+          </a:fontRef>
+        </p:style>
+        <p:txBody>
+          <a:bodyPr rtlCol="0" anchor="ctr"/>
+          <a:lstStyle/>
+          <a:p>
+            <a:r>
+              <a:rPr lang="en-US" sz="2400">
+                <a:solidFill>
+                  <a:schemeClr val="bg1"/>
+                </a:solidFill>
+                <a:latin typeface="Roboto" panose="02000000000000000000" pitchFamily="2" charset="0"/>
+                <a:ea typeface="Roboto" panose="02000000000000000000" pitchFamily="2" charset="0"/>
+              </a:rPr>
+              <a:t>3.2. Tiền xử lý tập dữ liệu</a:t>
+            </a:r>
+          </a:p>
+        </p:txBody>
+      </p:sp>
+    </p:spTree>
+    <p:extLst>
+      <p:ext uri="{BB962C8B-B14F-4D97-AF65-F5344CB8AC3E}">
+        <p14:creationId xmlns:p14="http://schemas.microsoft.com/office/powerpoint/2010/main" val="2414209670"/>
+      </p:ext>
+    </p:extLst>
+  </p:cSld>
+  <p:clrMapOvr>
+    <a:masterClrMapping/>
+  </p:clrMapOvr>
+  <p:transition spd="slow">
+    <p:push dir="u"/>
+  </p:transition>
+</p:sld>
+</file>
+
+<file path=ppt/slides/slide15.xml><?xml version="1.0" encoding="utf-8"?>
+<p:sld xmlns:a="http://schemas.openxmlformats.org/drawingml/2006/main" xmlns:r="http://schemas.openxmlformats.org/officeDocument/2006/relationships" xmlns:p="http://schemas.openxmlformats.org/presentationml/2006/main">
+  <p:cSld>
+    <p:spTree>
+      <p:nvGrpSpPr>
+        <p:cNvPr id="1" name=""/>
+        <p:cNvGrpSpPr/>
+        <p:nvPr/>
+      </p:nvGrpSpPr>
+      <p:grpSpPr>
+        <a:xfrm>
+          <a:off x="0" y="0"/>
+          <a:ext cx="0" cy="0"/>
+          <a:chOff x="0" y="0"/>
+          <a:chExt cx="0" cy="0"/>
+        </a:xfrm>
+      </p:grpSpPr>
+      <p:sp>
+        <p:nvSpPr>
+          <p:cNvPr id="34" name="Slide Number Placeholder 33">
+            <a:extLst>
+              <a:ext uri="{FF2B5EF4-FFF2-40B4-BE49-F238E27FC236}">
+                <a16:creationId xmlns:a16="http://schemas.microsoft.com/office/drawing/2014/main" id="{D035A1C3-4BB7-EA18-FEF0-7A0F96B19F4F}"/>
+              </a:ext>
+            </a:extLst>
+          </p:cNvPr>
+          <p:cNvSpPr>
+            <a:spLocks noGrp="1"/>
+          </p:cNvSpPr>
+          <p:nvPr>
+            <p:ph type="sldNum" sz="quarter" idx="12"/>
+          </p:nvPr>
+        </p:nvSpPr>
+        <p:spPr>
+          <a:xfrm>
+            <a:off x="9305544" y="6377743"/>
+            <a:ext cx="2743200" cy="365125"/>
+          </a:xfrm>
+        </p:spPr>
+        <p:txBody>
+          <a:bodyPr/>
+          <a:lstStyle/>
+          <a:p>
+            <a:fld id="{534BA656-5C33-4FAF-9E83-A5FF0018082C}" type="slidenum">
+              <a:rPr lang="en-US" sz="2400" b="1" smtClean="0">
+                <a:solidFill>
+                  <a:schemeClr val="bg2">
+                    <a:lumMod val="10000"/>
+                  </a:schemeClr>
+                </a:solidFill>
+                <a:latin typeface="Roboto" panose="02000000000000000000" pitchFamily="2" charset="0"/>
+                <a:ea typeface="Roboto" panose="02000000000000000000" pitchFamily="2" charset="0"/>
+              </a:rPr>
+              <a:t>15</a:t>
+            </a:fld>
+            <a:endParaRPr lang="en-US" sz="2400" b="1">
+              <a:solidFill>
+                <a:schemeClr val="bg2">
+                  <a:lumMod val="10000"/>
+                </a:schemeClr>
+              </a:solidFill>
+              <a:latin typeface="Roboto" panose="02000000000000000000" pitchFamily="2" charset="0"/>
+              <a:ea typeface="Roboto" panose="02000000000000000000" pitchFamily="2" charset="0"/>
+            </a:endParaRPr>
+          </a:p>
+        </p:txBody>
+      </p:sp>
+      <p:sp>
+        <p:nvSpPr>
+          <p:cNvPr id="5" name="Rectangle 4">
+            <a:extLst>
+              <a:ext uri="{FF2B5EF4-FFF2-40B4-BE49-F238E27FC236}">
+                <a16:creationId xmlns:a16="http://schemas.microsoft.com/office/drawing/2014/main" id="{CBAE9E41-18F1-D616-4A04-A6F05299715A}"/>
+              </a:ext>
+            </a:extLst>
+          </p:cNvPr>
+          <p:cNvSpPr/>
+          <p:nvPr/>
+        </p:nvSpPr>
+        <p:spPr>
+          <a:xfrm>
+            <a:off x="0" y="0"/>
+            <a:ext cx="6096000" cy="540000"/>
+          </a:xfrm>
+          <a:prstGeom prst="rect">
+            <a:avLst/>
+          </a:prstGeom>
+          <a:solidFill>
+            <a:schemeClr val="tx1">
+              <a:lumMod val="75000"/>
+              <a:lumOff val="25000"/>
+            </a:schemeClr>
+          </a:solidFill>
+          <a:ln>
+            <a:noFill/>
+          </a:ln>
+        </p:spPr>
+        <p:style>
+          <a:lnRef idx="2">
+            <a:schemeClr val="dk1">
+              <a:shade val="15000"/>
+            </a:schemeClr>
+          </a:lnRef>
+          <a:fillRef idx="1">
+            <a:schemeClr val="dk1"/>
+          </a:fillRef>
+          <a:effectRef idx="0">
+            <a:schemeClr val="dk1"/>
+          </a:effectRef>
+          <a:fontRef idx="minor">
+            <a:schemeClr val="lt1"/>
+          </a:fontRef>
+        </p:style>
+        <p:txBody>
+          <a:bodyPr rtlCol="0" anchor="ctr"/>
+          <a:lstStyle/>
+          <a:p>
+            <a:pPr algn="r"/>
+            <a:r>
+              <a:rPr lang="en-US" sz="2400">
+                <a:solidFill>
+                  <a:schemeClr val="bg1"/>
+                </a:solidFill>
+                <a:latin typeface="Roboto" panose="02000000000000000000" pitchFamily="2" charset="0"/>
+                <a:ea typeface="Roboto" panose="02000000000000000000" pitchFamily="2" charset="0"/>
+                <a:cs typeface="Times New Roman" panose="02020603050405020304" pitchFamily="18" charset="0"/>
+              </a:rPr>
+              <a:t>4. Giới thiệu các mô hình</a:t>
+            </a:r>
+          </a:p>
+        </p:txBody>
+      </p:sp>
+      <p:sp>
+        <p:nvSpPr>
+          <p:cNvPr id="6" name="Rectangle 5">
+            <a:extLst>
+              <a:ext uri="{FF2B5EF4-FFF2-40B4-BE49-F238E27FC236}">
+                <a16:creationId xmlns:a16="http://schemas.microsoft.com/office/drawing/2014/main" id="{45C866F0-A2E0-AEC7-E9DD-C84621F6B816}"/>
+              </a:ext>
+            </a:extLst>
+          </p:cNvPr>
+          <p:cNvSpPr/>
+          <p:nvPr/>
+        </p:nvSpPr>
+        <p:spPr>
+          <a:xfrm>
+            <a:off x="6096000" y="0"/>
+            <a:ext cx="6096000" cy="540000"/>
+          </a:xfrm>
+          <a:prstGeom prst="rect">
+            <a:avLst/>
+          </a:prstGeom>
+          <a:solidFill>
+            <a:schemeClr val="tx1">
+              <a:lumMod val="50000"/>
+              <a:lumOff val="50000"/>
+            </a:schemeClr>
+          </a:solidFill>
+          <a:ln>
+            <a:noFill/>
+          </a:ln>
+        </p:spPr>
+        <p:style>
+          <a:lnRef idx="2">
+            <a:schemeClr val="dk1">
+              <a:shade val="15000"/>
+            </a:schemeClr>
+          </a:lnRef>
+          <a:fillRef idx="1">
+            <a:schemeClr val="dk1"/>
+          </a:fillRef>
+          <a:effectRef idx="0">
+            <a:schemeClr val="dk1"/>
+          </a:effectRef>
+          <a:fontRef idx="minor">
+            <a:schemeClr val="lt1"/>
+          </a:fontRef>
+        </p:style>
+        <p:txBody>
+          <a:bodyPr rtlCol="0" anchor="ctr"/>
+          <a:lstStyle/>
+          <a:p>
+            <a:r>
+              <a:rPr lang="en-US" sz="2400">
+                <a:solidFill>
+                  <a:schemeClr val="bg1"/>
+                </a:solidFill>
+                <a:latin typeface="Roboto" panose="02000000000000000000" pitchFamily="2" charset="0"/>
+                <a:ea typeface="Roboto" panose="02000000000000000000" pitchFamily="2" charset="0"/>
+              </a:rPr>
+              <a:t>4.1. Mô hình n-gram</a:t>
+            </a:r>
+          </a:p>
+        </p:txBody>
+      </p:sp>
+      <p:sp>
+        <p:nvSpPr>
+          <p:cNvPr id="2" name="TextBox 1">
+            <a:extLst>
+              <a:ext uri="{FF2B5EF4-FFF2-40B4-BE49-F238E27FC236}">
+                <a16:creationId xmlns:a16="http://schemas.microsoft.com/office/drawing/2014/main" id="{3A698BA0-2580-ED6D-C9D2-50FA071E4AA4}"/>
+              </a:ext>
+            </a:extLst>
+          </p:cNvPr>
+          <p:cNvSpPr txBox="1"/>
+          <p:nvPr/>
+        </p:nvSpPr>
+        <p:spPr>
+          <a:xfrm>
+            <a:off x="1234440" y="1389888"/>
+            <a:ext cx="2278188" cy="707886"/>
+          </a:xfrm>
+          <a:prstGeom prst="rect">
+            <a:avLst/>
+          </a:prstGeom>
+          <a:noFill/>
+        </p:spPr>
+        <p:txBody>
+          <a:bodyPr wrap="none" rtlCol="0">
+            <a:spAutoFit/>
+          </a:bodyPr>
+          <a:lstStyle/>
+          <a:p>
+            <a:r>
+              <a:rPr lang="en-US" sz="2000">
+                <a:latin typeface="Roboto" panose="02000000000000000000" pitchFamily="2" charset="0"/>
+                <a:ea typeface="Roboto" panose="02000000000000000000" pitchFamily="2" charset="0"/>
+              </a:rPr>
+              <a:t>Fonts chữ: Roboto</a:t>
+            </a:r>
+          </a:p>
+          <a:p>
+            <a:r>
+              <a:rPr lang="en-US" sz="2000">
+                <a:latin typeface="Roboto" panose="02000000000000000000" pitchFamily="2" charset="0"/>
+                <a:ea typeface="Roboto" panose="02000000000000000000" pitchFamily="2" charset="0"/>
+              </a:rPr>
+              <a:t>Cỡ chữ: 20 – 24</a:t>
+            </a:r>
+          </a:p>
+        </p:txBody>
+      </p:sp>
+    </p:spTree>
+    <p:extLst>
+      <p:ext uri="{BB962C8B-B14F-4D97-AF65-F5344CB8AC3E}">
+        <p14:creationId xmlns:p14="http://schemas.microsoft.com/office/powerpoint/2010/main" val="602175885"/>
+      </p:ext>
+    </p:extLst>
+  </p:cSld>
+  <p:clrMapOvr>
+    <a:masterClrMapping/>
+  </p:clrMapOvr>
+  <p:transition spd="slow">
+    <p:push dir="u"/>
+  </p:transition>
+</p:sld>
+</file>
+
+<file path=ppt/slides/slide16.xml><?xml version="1.0" encoding="utf-8"?>
+<p:sld xmlns:a="http://schemas.openxmlformats.org/drawingml/2006/main" xmlns:r="http://schemas.openxmlformats.org/officeDocument/2006/relationships" xmlns:p="http://schemas.openxmlformats.org/presentationml/2006/main">
+  <p:cSld>
+    <p:spTree>
+      <p:nvGrpSpPr>
+        <p:cNvPr id="1" name=""/>
+        <p:cNvGrpSpPr/>
+        <p:nvPr/>
+      </p:nvGrpSpPr>
+      <p:grpSpPr>
+        <a:xfrm>
+          <a:off x="0" y="0"/>
+          <a:ext cx="0" cy="0"/>
+          <a:chOff x="0" y="0"/>
+          <a:chExt cx="0" cy="0"/>
+        </a:xfrm>
+      </p:grpSpPr>
+      <p:sp>
+        <p:nvSpPr>
+          <p:cNvPr id="34" name="Slide Number Placeholder 33">
+            <a:extLst>
+              <a:ext uri="{FF2B5EF4-FFF2-40B4-BE49-F238E27FC236}">
+                <a16:creationId xmlns:a16="http://schemas.microsoft.com/office/drawing/2014/main" id="{D035A1C3-4BB7-EA18-FEF0-7A0F96B19F4F}"/>
+              </a:ext>
+            </a:extLst>
+          </p:cNvPr>
+          <p:cNvSpPr>
+            <a:spLocks noGrp="1"/>
+          </p:cNvSpPr>
+          <p:nvPr>
+            <p:ph type="sldNum" sz="quarter" idx="12"/>
+          </p:nvPr>
+        </p:nvSpPr>
+        <p:spPr>
+          <a:xfrm>
+            <a:off x="9305544" y="6377743"/>
+            <a:ext cx="2743200" cy="365125"/>
+          </a:xfrm>
+        </p:spPr>
+        <p:txBody>
+          <a:bodyPr/>
+          <a:lstStyle/>
+          <a:p>
+            <a:fld id="{534BA656-5C33-4FAF-9E83-A5FF0018082C}" type="slidenum">
+              <a:rPr lang="en-US" sz="2400" b="1" smtClean="0">
+                <a:solidFill>
+                  <a:schemeClr val="bg2">
+                    <a:lumMod val="10000"/>
+                  </a:schemeClr>
+                </a:solidFill>
+                <a:latin typeface="Roboto" panose="02000000000000000000" pitchFamily="2" charset="0"/>
+                <a:ea typeface="Roboto" panose="02000000000000000000" pitchFamily="2" charset="0"/>
+              </a:rPr>
+              <a:t>16</a:t>
+            </a:fld>
+            <a:endParaRPr lang="en-US" sz="2400" b="1">
+              <a:solidFill>
+                <a:schemeClr val="bg2">
+                  <a:lumMod val="10000"/>
+                </a:schemeClr>
+              </a:solidFill>
+              <a:latin typeface="Roboto" panose="02000000000000000000" pitchFamily="2" charset="0"/>
+              <a:ea typeface="Roboto" panose="02000000000000000000" pitchFamily="2" charset="0"/>
+            </a:endParaRPr>
+          </a:p>
+        </p:txBody>
+      </p:sp>
+      <p:sp>
+        <p:nvSpPr>
+          <p:cNvPr id="5" name="Rectangle 4">
+            <a:extLst>
+              <a:ext uri="{FF2B5EF4-FFF2-40B4-BE49-F238E27FC236}">
+                <a16:creationId xmlns:a16="http://schemas.microsoft.com/office/drawing/2014/main" id="{CBAE9E41-18F1-D616-4A04-A6F05299715A}"/>
+              </a:ext>
+            </a:extLst>
+          </p:cNvPr>
+          <p:cNvSpPr/>
+          <p:nvPr/>
+        </p:nvSpPr>
+        <p:spPr>
+          <a:xfrm>
+            <a:off x="0" y="0"/>
+            <a:ext cx="6096000" cy="540000"/>
+          </a:xfrm>
+          <a:prstGeom prst="rect">
+            <a:avLst/>
+          </a:prstGeom>
+          <a:solidFill>
+            <a:schemeClr val="tx1">
+              <a:lumMod val="75000"/>
+              <a:lumOff val="25000"/>
+            </a:schemeClr>
+          </a:solidFill>
+          <a:ln>
+            <a:noFill/>
+          </a:ln>
+        </p:spPr>
+        <p:style>
+          <a:lnRef idx="2">
+            <a:schemeClr val="dk1">
+              <a:shade val="15000"/>
+            </a:schemeClr>
+          </a:lnRef>
+          <a:fillRef idx="1">
+            <a:schemeClr val="dk1"/>
+          </a:fillRef>
+          <a:effectRef idx="0">
+            <a:schemeClr val="dk1"/>
+          </a:effectRef>
+          <a:fontRef idx="minor">
+            <a:schemeClr val="lt1"/>
+          </a:fontRef>
+        </p:style>
+        <p:txBody>
+          <a:bodyPr rtlCol="0" anchor="ctr"/>
+          <a:lstStyle/>
+          <a:p>
+            <a:pPr algn="r"/>
+            <a:r>
+              <a:rPr lang="en-US" sz="2400">
+                <a:solidFill>
+                  <a:schemeClr val="bg1"/>
+                </a:solidFill>
+                <a:latin typeface="Roboto" panose="02000000000000000000" pitchFamily="2" charset="0"/>
+                <a:ea typeface="Roboto" panose="02000000000000000000" pitchFamily="2" charset="0"/>
+                <a:cs typeface="Times New Roman" panose="02020603050405020304" pitchFamily="18" charset="0"/>
+              </a:rPr>
+              <a:t>4. Giới thiệu các mô hình</a:t>
+            </a:r>
+          </a:p>
+        </p:txBody>
+      </p:sp>
+      <p:sp>
+        <p:nvSpPr>
+          <p:cNvPr id="6" name="Rectangle 5">
+            <a:extLst>
+              <a:ext uri="{FF2B5EF4-FFF2-40B4-BE49-F238E27FC236}">
+                <a16:creationId xmlns:a16="http://schemas.microsoft.com/office/drawing/2014/main" id="{45C866F0-A2E0-AEC7-E9DD-C84621F6B816}"/>
+              </a:ext>
+            </a:extLst>
+          </p:cNvPr>
+          <p:cNvSpPr/>
+          <p:nvPr/>
+        </p:nvSpPr>
+        <p:spPr>
+          <a:xfrm>
+            <a:off x="6096000" y="0"/>
+            <a:ext cx="6096000" cy="540000"/>
+          </a:xfrm>
+          <a:prstGeom prst="rect">
+            <a:avLst/>
+          </a:prstGeom>
+          <a:solidFill>
+            <a:schemeClr val="tx1">
+              <a:lumMod val="50000"/>
+              <a:lumOff val="50000"/>
+            </a:schemeClr>
+          </a:solidFill>
+          <a:ln>
+            <a:noFill/>
+          </a:ln>
+        </p:spPr>
+        <p:style>
+          <a:lnRef idx="2">
+            <a:schemeClr val="dk1">
+              <a:shade val="15000"/>
+            </a:schemeClr>
+          </a:lnRef>
+          <a:fillRef idx="1">
+            <a:schemeClr val="dk1"/>
+          </a:fillRef>
+          <a:effectRef idx="0">
+            <a:schemeClr val="dk1"/>
+          </a:effectRef>
+          <a:fontRef idx="minor">
+            <a:schemeClr val="lt1"/>
+          </a:fontRef>
+        </p:style>
+        <p:txBody>
+          <a:bodyPr rtlCol="0" anchor="ctr"/>
+          <a:lstStyle/>
+          <a:p>
+            <a:r>
+              <a:rPr lang="en-US" sz="2400">
+                <a:solidFill>
+                  <a:schemeClr val="bg1"/>
+                </a:solidFill>
+                <a:latin typeface="Roboto" panose="02000000000000000000" pitchFamily="2" charset="0"/>
+                <a:ea typeface="Roboto" panose="02000000000000000000" pitchFamily="2" charset="0"/>
+              </a:rPr>
+              <a:t>4.2. Mô hình LSTM</a:t>
+            </a:r>
+          </a:p>
+        </p:txBody>
+      </p:sp>
+      <p:sp>
+        <p:nvSpPr>
+          <p:cNvPr id="2" name="TextBox 1">
+            <a:extLst>
+              <a:ext uri="{FF2B5EF4-FFF2-40B4-BE49-F238E27FC236}">
+                <a16:creationId xmlns:a16="http://schemas.microsoft.com/office/drawing/2014/main" id="{AD5093CB-FDAA-E82D-AD3B-F5CF55DCA705}"/>
+              </a:ext>
+            </a:extLst>
+          </p:cNvPr>
+          <p:cNvSpPr txBox="1"/>
+          <p:nvPr/>
+        </p:nvSpPr>
+        <p:spPr>
+          <a:xfrm>
+            <a:off x="1234440" y="1389888"/>
+            <a:ext cx="2278188" cy="707886"/>
+          </a:xfrm>
+          <a:prstGeom prst="rect">
+            <a:avLst/>
+          </a:prstGeom>
+          <a:noFill/>
+        </p:spPr>
+        <p:txBody>
+          <a:bodyPr wrap="none" rtlCol="0">
+            <a:spAutoFit/>
+          </a:bodyPr>
+          <a:lstStyle/>
+          <a:p>
+            <a:r>
+              <a:rPr lang="en-US" sz="2000">
+                <a:latin typeface="Roboto" panose="02000000000000000000" pitchFamily="2" charset="0"/>
+                <a:ea typeface="Roboto" panose="02000000000000000000" pitchFamily="2" charset="0"/>
+              </a:rPr>
+              <a:t>Fonts chữ: Roboto</a:t>
+            </a:r>
+          </a:p>
+          <a:p>
+            <a:r>
+              <a:rPr lang="en-US" sz="2000">
+                <a:latin typeface="Roboto" panose="02000000000000000000" pitchFamily="2" charset="0"/>
+                <a:ea typeface="Roboto" panose="02000000000000000000" pitchFamily="2" charset="0"/>
+              </a:rPr>
+              <a:t>Cỡ chữ: 20 – 24</a:t>
+            </a:r>
+          </a:p>
+        </p:txBody>
+      </p:sp>
+    </p:spTree>
+    <p:extLst>
+      <p:ext uri="{BB962C8B-B14F-4D97-AF65-F5344CB8AC3E}">
+        <p14:creationId xmlns:p14="http://schemas.microsoft.com/office/powerpoint/2010/main" val="2402577596"/>
+      </p:ext>
+    </p:extLst>
+  </p:cSld>
+  <p:clrMapOvr>
+    <a:masterClrMapping/>
+  </p:clrMapOvr>
+  <p:transition spd="slow">
+    <p:push dir="u"/>
+  </p:transition>
+</p:sld>
+</file>
+
+<file path=ppt/slides/slide17.xml><?xml version="1.0" encoding="utf-8"?>
+<p:sld xmlns:a="http://schemas.openxmlformats.org/drawingml/2006/main" xmlns:r="http://schemas.openxmlformats.org/officeDocument/2006/relationships" xmlns:p="http://schemas.openxmlformats.org/presentationml/2006/main">
+  <p:cSld>
+    <p:spTree>
+      <p:nvGrpSpPr>
+        <p:cNvPr id="1" name=""/>
+        <p:cNvGrpSpPr/>
+        <p:nvPr/>
+      </p:nvGrpSpPr>
+      <p:grpSpPr>
+        <a:xfrm>
+          <a:off x="0" y="0"/>
+          <a:ext cx="0" cy="0"/>
+          <a:chOff x="0" y="0"/>
+          <a:chExt cx="0" cy="0"/>
+        </a:xfrm>
+      </p:grpSpPr>
+      <p:sp>
+        <p:nvSpPr>
+          <p:cNvPr id="34" name="Slide Number Placeholder 33">
+            <a:extLst>
+              <a:ext uri="{FF2B5EF4-FFF2-40B4-BE49-F238E27FC236}">
+                <a16:creationId xmlns:a16="http://schemas.microsoft.com/office/drawing/2014/main" id="{D035A1C3-4BB7-EA18-FEF0-7A0F96B19F4F}"/>
+              </a:ext>
+            </a:extLst>
+          </p:cNvPr>
+          <p:cNvSpPr>
+            <a:spLocks noGrp="1"/>
+          </p:cNvSpPr>
+          <p:nvPr>
+            <p:ph type="sldNum" sz="quarter" idx="12"/>
+          </p:nvPr>
+        </p:nvSpPr>
+        <p:spPr>
+          <a:xfrm>
+            <a:off x="9305544" y="6377743"/>
+            <a:ext cx="2743200" cy="365125"/>
+          </a:xfrm>
+        </p:spPr>
+        <p:txBody>
+          <a:bodyPr/>
+          <a:lstStyle/>
+          <a:p>
+            <a:fld id="{534BA656-5C33-4FAF-9E83-A5FF0018082C}" type="slidenum">
+              <a:rPr lang="en-US" sz="2400" b="1" smtClean="0">
+                <a:solidFill>
+                  <a:schemeClr val="bg2">
+                    <a:lumMod val="10000"/>
+                  </a:schemeClr>
+                </a:solidFill>
+                <a:latin typeface="Roboto" panose="02000000000000000000" pitchFamily="2" charset="0"/>
+                <a:ea typeface="Roboto" panose="02000000000000000000" pitchFamily="2" charset="0"/>
+              </a:rPr>
+              <a:t>17</a:t>
             </a:fld>
             <a:endParaRPr lang="en-US" sz="2400" b="1">
               <a:solidFill>
@@ -5008,7 +7342,7 @@
         </p:nvGrpSpPr>
         <p:grpSpPr>
           <a:xfrm>
-            <a:off x="532569" y="3455722"/>
+            <a:off x="532569" y="3298125"/>
             <a:ext cx="540000" cy="540000"/>
             <a:chOff x="596577" y="2905780"/>
             <a:chExt cx="540000" cy="540000"/>
@@ -5127,7 +7461,7 @@
         </p:nvSpPr>
         <p:spPr>
           <a:xfrm>
-            <a:off x="1144864" y="3479634"/>
+            <a:off x="1144864" y="3322037"/>
             <a:ext cx="4771304" cy="523220"/>
           </a:xfrm>
           <a:prstGeom prst="rect">
@@ -8483,7 +10817,7 @@
                 <a:ea typeface="Roboto" panose="02000000000000000000" pitchFamily="2" charset="0"/>
                 <a:cs typeface="Times New Roman" panose="02020603050405020304" pitchFamily="18" charset="0"/>
               </a:rPr>
-              <a:t>3. Giới thiệu tập dữ liệu</a:t>
+              <a:t>2. Các hướng tiếp cận bài toán</a:t>
             </a:r>
           </a:p>
         </p:txBody>
@@ -8538,61 +10872,184 @@
           <a:bodyPr rtlCol="0" anchor="ctr"/>
           <a:lstStyle/>
           <a:p>
-            <a:r>
-              <a:rPr lang="en-US" sz="2400">
+            <a:endParaRPr lang="en-US" sz="2400">
+              <a:solidFill>
+                <a:schemeClr val="bg1"/>
+              </a:solidFill>
+              <a:latin typeface="Roboto" panose="02000000000000000000" pitchFamily="2" charset="0"/>
+              <a:ea typeface="Roboto" panose="02000000000000000000" pitchFamily="2" charset="0"/>
+            </a:endParaRPr>
+          </a:p>
+        </p:txBody>
+      </p:sp>
+      <p:grpSp>
+        <p:nvGrpSpPr>
+          <p:cNvPr id="8" name="Group 7">
+            <a:extLst>
+              <a:ext uri="{FF2B5EF4-FFF2-40B4-BE49-F238E27FC236}">
+                <a16:creationId xmlns:a16="http://schemas.microsoft.com/office/drawing/2014/main" id="{D74800AE-918C-5E10-4FB8-350E2D0B5121}"/>
+              </a:ext>
+            </a:extLst>
+          </p:cNvPr>
+          <p:cNvGrpSpPr/>
+          <p:nvPr/>
+        </p:nvGrpSpPr>
+        <p:grpSpPr>
+          <a:xfrm>
+            <a:off x="552304" y="1092297"/>
+            <a:ext cx="746144" cy="744570"/>
+            <a:chOff x="596577" y="2905780"/>
+            <a:chExt cx="540000" cy="540000"/>
+          </a:xfrm>
+        </p:grpSpPr>
+        <p:sp>
+          <p:nvSpPr>
+            <p:cNvPr id="9" name="TextBox 8">
+              <a:extLst>
+                <a:ext uri="{FF2B5EF4-FFF2-40B4-BE49-F238E27FC236}">
+                  <a16:creationId xmlns:a16="http://schemas.microsoft.com/office/drawing/2014/main" id="{D013C921-33AB-67DB-9F03-05158FE77A58}"/>
+                </a:ext>
+              </a:extLst>
+            </p:cNvPr>
+            <p:cNvSpPr txBox="1"/>
+            <p:nvPr/>
+          </p:nvSpPr>
+          <p:spPr>
+            <a:xfrm>
+              <a:off x="596578" y="2998943"/>
+              <a:ext cx="539999" cy="379466"/>
+            </a:xfrm>
+            <a:prstGeom prst="rect">
+              <a:avLst/>
+            </a:prstGeom>
+            <a:noFill/>
+          </p:spPr>
+          <p:txBody>
+            <a:bodyPr wrap="square" rtlCol="0" anchor="ctr">
+              <a:spAutoFit/>
+            </a:bodyPr>
+            <a:lstStyle/>
+            <a:p>
+              <a:pPr algn="ctr"/>
+              <a:r>
+                <a:rPr lang="en-US" sz="2800" b="1">
+                  <a:solidFill>
+                    <a:schemeClr val="bg2">
+                      <a:lumMod val="10000"/>
+                    </a:schemeClr>
+                  </a:solidFill>
+                  <a:latin typeface="Roboto" panose="02000000000000000000" pitchFamily="2" charset="0"/>
+                  <a:ea typeface="Roboto" panose="02000000000000000000" pitchFamily="2" charset="0"/>
+                </a:rPr>
+                <a:t>2</a:t>
+              </a:r>
+            </a:p>
+          </p:txBody>
+        </p:sp>
+        <p:sp>
+          <p:nvSpPr>
+            <p:cNvPr id="10" name="Oval 9">
+              <a:extLst>
+                <a:ext uri="{FF2B5EF4-FFF2-40B4-BE49-F238E27FC236}">
+                  <a16:creationId xmlns:a16="http://schemas.microsoft.com/office/drawing/2014/main" id="{E4AB2F2E-EF09-086E-A0E1-ED5A25D650CB}"/>
+                </a:ext>
+              </a:extLst>
+            </p:cNvPr>
+            <p:cNvSpPr/>
+            <p:nvPr/>
+          </p:nvSpPr>
+          <p:spPr>
+            <a:xfrm>
+              <a:off x="596577" y="2905780"/>
+              <a:ext cx="540000" cy="540000"/>
+            </a:xfrm>
+            <a:prstGeom prst="ellipse">
+              <a:avLst/>
+            </a:prstGeom>
+            <a:noFill/>
+            <a:ln w="9525" cap="flat" cmpd="sng" algn="ctr">
+              <a:solidFill>
+                <a:schemeClr val="dk1"/>
+              </a:solidFill>
+              <a:prstDash val="solid"/>
+              <a:round/>
+              <a:headEnd type="none" w="med" len="med"/>
+              <a:tailEnd type="none" w="med" len="med"/>
+            </a:ln>
+          </p:spPr>
+          <p:style>
+            <a:lnRef idx="0">
+              <a:scrgbClr r="0" g="0" b="0"/>
+            </a:lnRef>
+            <a:fillRef idx="0">
+              <a:scrgbClr r="0" g="0" b="0"/>
+            </a:fillRef>
+            <a:effectRef idx="0">
+              <a:scrgbClr r="0" g="0" b="0"/>
+            </a:effectRef>
+            <a:fontRef idx="minor">
+              <a:schemeClr val="dk1"/>
+            </a:fontRef>
+          </p:style>
+          <p:txBody>
+            <a:bodyPr rtlCol="0" anchor="ctr"/>
+            <a:lstStyle/>
+            <a:p>
+              <a:pPr algn="ctr"/>
+              <a:endParaRPr lang="en-US"/>
+            </a:p>
+          </p:txBody>
+        </p:sp>
+      </p:grpSp>
+      <p:sp>
+        <p:nvSpPr>
+          <p:cNvPr id="12" name="TextBox 11">
+            <a:extLst>
+              <a:ext uri="{FF2B5EF4-FFF2-40B4-BE49-F238E27FC236}">
+                <a16:creationId xmlns:a16="http://schemas.microsoft.com/office/drawing/2014/main" id="{CE85E51A-2A48-7CDB-7D85-A5B4F0333D9F}"/>
+              </a:ext>
+            </a:extLst>
+          </p:cNvPr>
+          <p:cNvSpPr txBox="1"/>
+          <p:nvPr/>
+        </p:nvSpPr>
+        <p:spPr>
+          <a:xfrm>
+            <a:off x="1406500" y="1159198"/>
+            <a:ext cx="8011820" cy="646331"/>
+          </a:xfrm>
+          <a:prstGeom prst="rect">
+            <a:avLst/>
+          </a:prstGeom>
+          <a:noFill/>
+        </p:spPr>
+        <p:txBody>
+          <a:bodyPr wrap="square" rtlCol="0">
+            <a:spAutoFit/>
+          </a:bodyPr>
+          <a:lstStyle/>
+          <a:p>
+            <a:r>
+              <a:rPr lang="en-US" sz="3600">
                 <a:solidFill>
-                  <a:schemeClr val="bg1"/>
+                  <a:schemeClr val="bg2">
+                    <a:lumMod val="10000"/>
+                  </a:schemeClr>
                 </a:solidFill>
                 <a:latin typeface="Roboto" panose="02000000000000000000" pitchFamily="2" charset="0"/>
                 <a:ea typeface="Roboto" panose="02000000000000000000" pitchFamily="2" charset="0"/>
               </a:rPr>
-              <a:t>3.1. Giới thiệu tập dữ liệu</a:t>
-            </a:r>
-          </a:p>
-        </p:txBody>
-      </p:sp>
-      <p:pic>
-        <p:nvPicPr>
-          <p:cNvPr id="3" name="Picture 2">
-            <a:extLst>
-              <a:ext uri="{FF2B5EF4-FFF2-40B4-BE49-F238E27FC236}">
-                <a16:creationId xmlns:a16="http://schemas.microsoft.com/office/drawing/2014/main" id="{731A9F61-8FA3-28D2-A802-876A22B047BA}"/>
-              </a:ext>
-            </a:extLst>
-          </p:cNvPr>
-          <p:cNvPicPr>
-            <a:picLocks noChangeAspect="1"/>
-          </p:cNvPicPr>
-          <p:nvPr/>
-        </p:nvPicPr>
-        <p:blipFill>
-          <a:blip r:embed="rId2">
-            <a:extLst>
-              <a:ext uri="{28A0092B-C50C-407E-A947-70E740481C1C}">
-                <a14:useLocalDpi xmlns:a14="http://schemas.microsoft.com/office/drawing/2010/main" val="0"/>
-              </a:ext>
-            </a:extLst>
-          </a:blip>
-          <a:stretch>
-            <a:fillRect/>
-          </a:stretch>
-        </p:blipFill>
-        <p:spPr>
-          <a:xfrm>
-            <a:off x="4769461" y="730249"/>
-            <a:ext cx="7279283" cy="4749358"/>
-          </a:xfrm>
-          <a:prstGeom prst="rect">
-            <a:avLst/>
-          </a:prstGeom>
-        </p:spPr>
-      </p:pic>
-      <p:sp>
-        <p:nvSpPr>
-          <p:cNvPr id="4" name="TextBox 3">
-            <a:extLst>
-              <a:ext uri="{FF2B5EF4-FFF2-40B4-BE49-F238E27FC236}">
-                <a16:creationId xmlns:a16="http://schemas.microsoft.com/office/drawing/2014/main" id="{4EF068F8-639C-D5AF-172E-8C57AE730AE3}"/>
+              <a:t>Các hướng tiếp cận bài toán</a:t>
+            </a:r>
+          </a:p>
+        </p:txBody>
+      </p:sp>
+      <p:sp>
+        <p:nvSpPr>
+          <p:cNvPr id="13" name="TextBox 12">
+            <a:extLst>
+              <a:ext uri="{FF2B5EF4-FFF2-40B4-BE49-F238E27FC236}">
+                <a16:creationId xmlns:a16="http://schemas.microsoft.com/office/drawing/2014/main" id="{AA848836-D917-2E8F-DBC7-B60502043985}"/>
               </a:ext>
             </a:extLst>
           </p:cNvPr>
@@ -8601,60 +11058,8 @@
         </p:nvSpPr>
         <p:spPr>
           <a:xfrm>
-            <a:off x="5748337" y="5669856"/>
-            <a:ext cx="5321530" cy="707886"/>
-          </a:xfrm>
-          <a:prstGeom prst="rect">
-            <a:avLst/>
-          </a:prstGeom>
-          <a:noFill/>
-        </p:spPr>
-        <p:txBody>
-          <a:bodyPr wrap="square" rtlCol="0">
-            <a:spAutoFit/>
-          </a:bodyPr>
-          <a:lstStyle/>
-          <a:p>
-            <a:pPr algn="ctr"/>
-            <a:r>
-              <a:rPr lang="en-US" sz="2000" b="0" i="0" u="none" strike="noStrike">
-                <a:solidFill>
-                  <a:srgbClr val="2E2E2E"/>
-                </a:solidFill>
-                <a:effectLst/>
-                <a:latin typeface="Roboto" panose="02000000000000000000" pitchFamily="2" charset="0"/>
-                <a:ea typeface="Roboto" panose="02000000000000000000" pitchFamily="2" charset="0"/>
-              </a:rPr>
-              <a:t>Biểu đồ thể hiện số lượng bài báo/bản tin theo từng lĩnh vực (đơn vị: bài)</a:t>
-            </a:r>
-            <a:endParaRPr lang="en-US" sz="2000">
-              <a:solidFill>
-                <a:schemeClr val="bg2">
-                  <a:lumMod val="10000"/>
-                </a:schemeClr>
-              </a:solidFill>
-              <a:latin typeface="Roboto" panose="02000000000000000000" pitchFamily="2" charset="0"/>
-              <a:ea typeface="Roboto" panose="02000000000000000000" pitchFamily="2" charset="0"/>
-            </a:endParaRPr>
-          </a:p>
-        </p:txBody>
-      </p:sp>
-      <p:sp>
-        <p:nvSpPr>
-          <p:cNvPr id="7" name="TextBox 6">
-            <a:extLst>
-              <a:ext uri="{FF2B5EF4-FFF2-40B4-BE49-F238E27FC236}">
-                <a16:creationId xmlns:a16="http://schemas.microsoft.com/office/drawing/2014/main" id="{0CB02FB2-66FC-08E1-F7E5-C36D56C60D68}"/>
-              </a:ext>
-            </a:extLst>
-          </p:cNvPr>
-          <p:cNvSpPr txBox="1"/>
-          <p:nvPr/>
-        </p:nvSpPr>
-        <p:spPr>
-          <a:xfrm>
-            <a:off x="143256" y="1095576"/>
-            <a:ext cx="4345577" cy="5016758"/>
+            <a:off x="652196" y="1998757"/>
+            <a:ext cx="10599277" cy="3826689"/>
           </a:xfrm>
           <a:prstGeom prst="rect">
             <a:avLst/>
@@ -8675,15 +11080,15 @@
               <a:buChar char="•"/>
             </a:pPr>
             <a:r>
-              <a:rPr lang="en-US" sz="2400">
+              <a:rPr lang="en-US" sz="2400" b="1">
                 <a:latin typeface="Roboto" panose="02000000000000000000" pitchFamily="2" charset="0"/>
                 <a:ea typeface="Roboto" panose="02000000000000000000" pitchFamily="2" charset="0"/>
               </a:rPr>
-              <a:t>Tổng số lượng bài báo/bản tin của tập dữ liệu là 42744.</a:t>
-            </a:r>
-          </a:p>
-          <a:p>
-            <a:pPr marL="342900" indent="-342900">
+              <a:t>Mô hình ngôn ngữ thống kê n-gram</a:t>
+            </a:r>
+          </a:p>
+          <a:p>
+            <a:pPr marL="800100" lvl="1" indent="-342900">
               <a:lnSpc>
                 <a:spcPct val="150000"/>
               </a:lnSpc>
@@ -8691,15 +11096,15 @@
               <a:buChar char="•"/>
             </a:pPr>
             <a:r>
-              <a:rPr lang="en-US" sz="2400">
+              <a:rPr lang="en-US" sz="2000">
                 <a:latin typeface="Roboto" panose="02000000000000000000" pitchFamily="2" charset="0"/>
                 <a:ea typeface="Roboto" panose="02000000000000000000" pitchFamily="2" charset="0"/>
               </a:rPr>
-              <a:t>Các bài báo/bản tin đều ở định dạng file là *.txt</a:t>
-            </a:r>
-          </a:p>
-          <a:p>
-            <a:pPr marL="342900" indent="-342900">
+              <a:t>N-gram là một mô hình ngôn ngữ đơn giản dự đoán từ tiếp theo dựa trên n-1 từ trước trong chuỗi văn bản. </a:t>
+            </a:r>
+          </a:p>
+          <a:p>
+            <a:pPr marL="800100" lvl="1" indent="-342900">
               <a:lnSpc>
                 <a:spcPct val="150000"/>
               </a:lnSpc>
@@ -8707,11 +11112,43 @@
               <a:buChar char="•"/>
             </a:pPr>
             <a:r>
-              <a:rPr lang="en-US" sz="2400">
+              <a:rPr lang="en-US" sz="2000">
                 <a:latin typeface="Roboto" panose="02000000000000000000" pitchFamily="2" charset="0"/>
                 <a:ea typeface="Roboto" panose="02000000000000000000" pitchFamily="2" charset="0"/>
               </a:rPr>
-              <a:t>Các bài báo/bản tin đều được thu thập từ các trang báo Việt Nam đáng tin cậy như VnExpress, Thanh Niên, Người Lao Động.</a:t>
+              <a:t>Ví dụ: bigram dự đoán từ tiếp theo dựa trên từ trước đó, trigram dự đoán từ tiếp theo dựa trên hai từ trước đó, …</a:t>
+            </a:r>
+          </a:p>
+          <a:p>
+            <a:pPr marL="800100" lvl="1" indent="-342900">
+              <a:lnSpc>
+                <a:spcPct val="150000"/>
+              </a:lnSpc>
+              <a:buFont typeface="Arial" panose="020B0604020202020204" pitchFamily="34" charset="0"/>
+              <a:buChar char="•"/>
+            </a:pPr>
+            <a:r>
+              <a:rPr lang="en-US" sz="2000">
+                <a:latin typeface="Roboto" panose="02000000000000000000" pitchFamily="2" charset="0"/>
+                <a:ea typeface="Roboto" panose="02000000000000000000" pitchFamily="2" charset="0"/>
+              </a:rPr>
+              <a:t>Ưu điểm: Dễ dàng triển khai và tính toán.</a:t>
+            </a:r>
+          </a:p>
+          <a:p>
+            <a:pPr marL="800100" lvl="1" indent="-342900">
+              <a:lnSpc>
+                <a:spcPct val="150000"/>
+              </a:lnSpc>
+              <a:buFont typeface="Arial" panose="020B0604020202020204" pitchFamily="34" charset="0"/>
+              <a:buChar char="•"/>
+            </a:pPr>
+            <a:r>
+              <a:rPr lang="en-US" sz="2000">
+                <a:latin typeface="Roboto" panose="02000000000000000000" pitchFamily="2" charset="0"/>
+                <a:ea typeface="Roboto" panose="02000000000000000000" pitchFamily="2" charset="0"/>
+              </a:rPr>
+              <a:t>Nhược điểm: Không thể học được các mối quan hệ phụ thuộc dài hạn giữa các từ trong chuỗi văn bản.</a:t>
             </a:r>
           </a:p>
         </p:txBody>
@@ -8719,7 +11156,7 @@
     </p:spTree>
     <p:extLst>
       <p:ext uri="{BB962C8B-B14F-4D97-AF65-F5344CB8AC3E}">
-        <p14:creationId xmlns:p14="http://schemas.microsoft.com/office/powerpoint/2010/main" val="3184032649"/>
+        <p14:creationId xmlns:p14="http://schemas.microsoft.com/office/powerpoint/2010/main" val="1924231574"/>
       </p:ext>
     </p:extLst>
   </p:cSld>
@@ -8859,7 +11296,7 @@
                 <a:ea typeface="Roboto" panose="02000000000000000000" pitchFamily="2" charset="0"/>
                 <a:cs typeface="Times New Roman" panose="02020603050405020304" pitchFamily="18" charset="0"/>
               </a:rPr>
-              <a:t>4. Giới thiệu các mô hình</a:t>
+              <a:t>2. Các hướng tiếp cận bài toán</a:t>
             </a:r>
           </a:p>
         </p:txBody>
@@ -8914,25 +11351,184 @@
           <a:bodyPr rtlCol="0" anchor="ctr"/>
           <a:lstStyle/>
           <a:p>
-            <a:r>
-              <a:rPr lang="en-US" sz="2400">
+            <a:endParaRPr lang="en-US" sz="2400">
+              <a:solidFill>
+                <a:schemeClr val="bg1"/>
+              </a:solidFill>
+              <a:latin typeface="Roboto" panose="02000000000000000000" pitchFamily="2" charset="0"/>
+              <a:ea typeface="Roboto" panose="02000000000000000000" pitchFamily="2" charset="0"/>
+            </a:endParaRPr>
+          </a:p>
+        </p:txBody>
+      </p:sp>
+      <p:grpSp>
+        <p:nvGrpSpPr>
+          <p:cNvPr id="8" name="Group 7">
+            <a:extLst>
+              <a:ext uri="{FF2B5EF4-FFF2-40B4-BE49-F238E27FC236}">
+                <a16:creationId xmlns:a16="http://schemas.microsoft.com/office/drawing/2014/main" id="{D74800AE-918C-5E10-4FB8-350E2D0B5121}"/>
+              </a:ext>
+            </a:extLst>
+          </p:cNvPr>
+          <p:cNvGrpSpPr/>
+          <p:nvPr/>
+        </p:nvGrpSpPr>
+        <p:grpSpPr>
+          <a:xfrm>
+            <a:off x="552304" y="1075086"/>
+            <a:ext cx="746144" cy="744570"/>
+            <a:chOff x="596577" y="2905780"/>
+            <a:chExt cx="540000" cy="540000"/>
+          </a:xfrm>
+        </p:grpSpPr>
+        <p:sp>
+          <p:nvSpPr>
+            <p:cNvPr id="9" name="TextBox 8">
+              <a:extLst>
+                <a:ext uri="{FF2B5EF4-FFF2-40B4-BE49-F238E27FC236}">
+                  <a16:creationId xmlns:a16="http://schemas.microsoft.com/office/drawing/2014/main" id="{D013C921-33AB-67DB-9F03-05158FE77A58}"/>
+                </a:ext>
+              </a:extLst>
+            </p:cNvPr>
+            <p:cNvSpPr txBox="1"/>
+            <p:nvPr/>
+          </p:nvSpPr>
+          <p:spPr>
+            <a:xfrm>
+              <a:off x="596578" y="2998943"/>
+              <a:ext cx="539999" cy="379466"/>
+            </a:xfrm>
+            <a:prstGeom prst="rect">
+              <a:avLst/>
+            </a:prstGeom>
+            <a:noFill/>
+          </p:spPr>
+          <p:txBody>
+            <a:bodyPr wrap="square" rtlCol="0" anchor="ctr">
+              <a:spAutoFit/>
+            </a:bodyPr>
+            <a:lstStyle/>
+            <a:p>
+              <a:pPr algn="ctr"/>
+              <a:r>
+                <a:rPr lang="en-US" sz="2800" b="1">
+                  <a:solidFill>
+                    <a:schemeClr val="bg2">
+                      <a:lumMod val="10000"/>
+                    </a:schemeClr>
+                  </a:solidFill>
+                  <a:latin typeface="Roboto" panose="02000000000000000000" pitchFamily="2" charset="0"/>
+                  <a:ea typeface="Roboto" panose="02000000000000000000" pitchFamily="2" charset="0"/>
+                </a:rPr>
+                <a:t>2</a:t>
+              </a:r>
+            </a:p>
+          </p:txBody>
+        </p:sp>
+        <p:sp>
+          <p:nvSpPr>
+            <p:cNvPr id="10" name="Oval 9">
+              <a:extLst>
+                <a:ext uri="{FF2B5EF4-FFF2-40B4-BE49-F238E27FC236}">
+                  <a16:creationId xmlns:a16="http://schemas.microsoft.com/office/drawing/2014/main" id="{E4AB2F2E-EF09-086E-A0E1-ED5A25D650CB}"/>
+                </a:ext>
+              </a:extLst>
+            </p:cNvPr>
+            <p:cNvSpPr/>
+            <p:nvPr/>
+          </p:nvSpPr>
+          <p:spPr>
+            <a:xfrm>
+              <a:off x="596577" y="2905780"/>
+              <a:ext cx="540000" cy="540000"/>
+            </a:xfrm>
+            <a:prstGeom prst="ellipse">
+              <a:avLst/>
+            </a:prstGeom>
+            <a:noFill/>
+            <a:ln w="9525" cap="flat" cmpd="sng" algn="ctr">
+              <a:solidFill>
+                <a:schemeClr val="dk1"/>
+              </a:solidFill>
+              <a:prstDash val="solid"/>
+              <a:round/>
+              <a:headEnd type="none" w="med" len="med"/>
+              <a:tailEnd type="none" w="med" len="med"/>
+            </a:ln>
+          </p:spPr>
+          <p:style>
+            <a:lnRef idx="0">
+              <a:scrgbClr r="0" g="0" b="0"/>
+            </a:lnRef>
+            <a:fillRef idx="0">
+              <a:scrgbClr r="0" g="0" b="0"/>
+            </a:fillRef>
+            <a:effectRef idx="0">
+              <a:scrgbClr r="0" g="0" b="0"/>
+            </a:effectRef>
+            <a:fontRef idx="minor">
+              <a:schemeClr val="dk1"/>
+            </a:fontRef>
+          </p:style>
+          <p:txBody>
+            <a:bodyPr rtlCol="0" anchor="ctr"/>
+            <a:lstStyle/>
+            <a:p>
+              <a:pPr algn="ctr"/>
+              <a:endParaRPr lang="en-US"/>
+            </a:p>
+          </p:txBody>
+        </p:sp>
+      </p:grpSp>
+      <p:sp>
+        <p:nvSpPr>
+          <p:cNvPr id="12" name="TextBox 11">
+            <a:extLst>
+              <a:ext uri="{FF2B5EF4-FFF2-40B4-BE49-F238E27FC236}">
+                <a16:creationId xmlns:a16="http://schemas.microsoft.com/office/drawing/2014/main" id="{CE85E51A-2A48-7CDB-7D85-A5B4F0333D9F}"/>
+              </a:ext>
+            </a:extLst>
+          </p:cNvPr>
+          <p:cNvSpPr txBox="1"/>
+          <p:nvPr/>
+        </p:nvSpPr>
+        <p:spPr>
+          <a:xfrm>
+            <a:off x="1406500" y="1141987"/>
+            <a:ext cx="8011820" cy="646331"/>
+          </a:xfrm>
+          <a:prstGeom prst="rect">
+            <a:avLst/>
+          </a:prstGeom>
+          <a:noFill/>
+        </p:spPr>
+        <p:txBody>
+          <a:bodyPr wrap="square" rtlCol="0">
+            <a:spAutoFit/>
+          </a:bodyPr>
+          <a:lstStyle/>
+          <a:p>
+            <a:r>
+              <a:rPr lang="en-US" sz="3600">
                 <a:solidFill>
-                  <a:schemeClr val="bg1"/>
+                  <a:schemeClr val="bg2">
+                    <a:lumMod val="10000"/>
+                  </a:schemeClr>
                 </a:solidFill>
                 <a:latin typeface="Roboto" panose="02000000000000000000" pitchFamily="2" charset="0"/>
                 <a:ea typeface="Roboto" panose="02000000000000000000" pitchFamily="2" charset="0"/>
               </a:rPr>
-              <a:t>4.1. Mô hình n-gram</a:t>
-            </a:r>
-          </a:p>
-        </p:txBody>
-      </p:sp>
-      <p:sp>
-        <p:nvSpPr>
-          <p:cNvPr id="2" name="TextBox 1">
-            <a:extLst>
-              <a:ext uri="{FF2B5EF4-FFF2-40B4-BE49-F238E27FC236}">
-                <a16:creationId xmlns:a16="http://schemas.microsoft.com/office/drawing/2014/main" id="{3A698BA0-2580-ED6D-C9D2-50FA071E4AA4}"/>
+              <a:t>Các hướng tiếp cận bài toán</a:t>
+            </a:r>
+          </a:p>
+        </p:txBody>
+      </p:sp>
+      <p:sp>
+        <p:nvSpPr>
+          <p:cNvPr id="13" name="TextBox 12">
+            <a:extLst>
+              <a:ext uri="{FF2B5EF4-FFF2-40B4-BE49-F238E27FC236}">
+                <a16:creationId xmlns:a16="http://schemas.microsoft.com/office/drawing/2014/main" id="{AA848836-D917-2E8F-DBC7-B60502043985}"/>
               </a:ext>
             </a:extLst>
           </p:cNvPr>
@@ -8941,8 +11537,8 @@
         </p:nvSpPr>
         <p:spPr>
           <a:xfrm>
-            <a:off x="1234440" y="1389888"/>
-            <a:ext cx="2278188" cy="707886"/>
+            <a:off x="652196" y="1870512"/>
+            <a:ext cx="10599277" cy="4750018"/>
           </a:xfrm>
           <a:prstGeom prst="rect">
             <a:avLst/>
@@ -8950,34 +11546,128 @@
           <a:noFill/>
         </p:spPr>
         <p:txBody>
-          <a:bodyPr wrap="none" rtlCol="0">
+          <a:bodyPr wrap="square">
             <a:spAutoFit/>
           </a:bodyPr>
           <a:lstStyle/>
           <a:p>
+            <a:pPr marL="342900" indent="-342900">
+              <a:lnSpc>
+                <a:spcPct val="150000"/>
+              </a:lnSpc>
+              <a:buFont typeface="Arial" panose="020B0604020202020204" pitchFamily="34" charset="0"/>
+              <a:buChar char="•"/>
+            </a:pPr>
+            <a:r>
+              <a:rPr lang="en-US" sz="2400" b="1">
+                <a:latin typeface="Roboto" panose="02000000000000000000" pitchFamily="2" charset="0"/>
+                <a:ea typeface="Roboto" panose="02000000000000000000" pitchFamily="2" charset="0"/>
+              </a:rPr>
+              <a:t>Mô hình ngôn ngữ dựa trên RNN:</a:t>
+            </a:r>
+          </a:p>
+          <a:p>
+            <a:pPr marL="800100" lvl="1" indent="-342900">
+              <a:lnSpc>
+                <a:spcPct val="150000"/>
+              </a:lnSpc>
+              <a:buFont typeface="Arial" panose="020B0604020202020204" pitchFamily="34" charset="0"/>
+              <a:buChar char="•"/>
+            </a:pPr>
+            <a:r>
+              <a:rPr lang="vi-VN" sz="2000">
+                <a:latin typeface="Roboto" panose="02000000000000000000" pitchFamily="2" charset="0"/>
+                <a:ea typeface="Roboto" panose="02000000000000000000" pitchFamily="2" charset="0"/>
+              </a:rPr>
+              <a:t>RNN là một loại mạng nơ-ron nhân tạo có khả năng học được các mối quan hệ phụ thuộc giữa các từ trong chuỗi văn bản.</a:t>
+            </a:r>
+            <a:endParaRPr lang="en-US" sz="2000">
+              <a:latin typeface="Roboto" panose="02000000000000000000" pitchFamily="2" charset="0"/>
+              <a:ea typeface="Roboto" panose="02000000000000000000" pitchFamily="2" charset="0"/>
+            </a:endParaRPr>
+          </a:p>
+          <a:p>
+            <a:pPr marL="800100" lvl="1" indent="-342900">
+              <a:lnSpc>
+                <a:spcPct val="150000"/>
+              </a:lnSpc>
+              <a:buFont typeface="Arial" panose="020B0604020202020204" pitchFamily="34" charset="0"/>
+              <a:buChar char="•"/>
+            </a:pPr>
+            <a:r>
+              <a:rPr lang="vi-VN" sz="2000">
+                <a:latin typeface="Roboto" panose="02000000000000000000" pitchFamily="2" charset="0"/>
+                <a:ea typeface="Roboto" panose="02000000000000000000" pitchFamily="2" charset="0"/>
+              </a:rPr>
+              <a:t>RNN có thể lưu trữ trạng thái của các từ trước đó trong chuỗi văn bản khi dự đoán từ tiếp theo.</a:t>
+            </a:r>
+            <a:endParaRPr lang="en-US" sz="2000">
+              <a:latin typeface="Roboto" panose="02000000000000000000" pitchFamily="2" charset="0"/>
+              <a:ea typeface="Roboto" panose="02000000000000000000" pitchFamily="2" charset="0"/>
+            </a:endParaRPr>
+          </a:p>
+          <a:p>
+            <a:pPr marL="800100" lvl="1" indent="-342900">
+              <a:lnSpc>
+                <a:spcPct val="150000"/>
+              </a:lnSpc>
+              <a:buFont typeface="Arial" panose="020B0604020202020204" pitchFamily="34" charset="0"/>
+              <a:buChar char="•"/>
+            </a:pPr>
             <a:r>
               <a:rPr lang="en-US" sz="2000">
                 <a:latin typeface="Roboto" panose="02000000000000000000" pitchFamily="2" charset="0"/>
                 <a:ea typeface="Roboto" panose="02000000000000000000" pitchFamily="2" charset="0"/>
               </a:rPr>
-              <a:t>Fonts chữ: Roboto</a:t>
-            </a:r>
-          </a:p>
-          <a:p>
-            <a:r>
-              <a:rPr lang="en-US" sz="2000">
+              <a:t>Một số mô hình RNN phổ biến bao gồm LSTM (Long Short-Term Memory) và GRU (Gated Recurrent Unit).</a:t>
+            </a:r>
+          </a:p>
+          <a:p>
+            <a:pPr marL="800100" lvl="1" indent="-342900">
+              <a:lnSpc>
+                <a:spcPct val="150000"/>
+              </a:lnSpc>
+              <a:buFont typeface="Arial" panose="020B0604020202020204" pitchFamily="34" charset="0"/>
+              <a:buChar char="•"/>
+            </a:pPr>
+            <a:r>
+              <a:rPr lang="vi-VN" sz="2000">
                 <a:latin typeface="Roboto" panose="02000000000000000000" pitchFamily="2" charset="0"/>
                 <a:ea typeface="Roboto" panose="02000000000000000000" pitchFamily="2" charset="0"/>
               </a:rPr>
-              <a:t>Cỡ chữ: 20 – 24</a:t>
-            </a:r>
+              <a:t>Ưu điểm: Có thể học được các mối quan hệ phụ thuộc dài hạn giữa các từ trong chuỗi văn bản.</a:t>
+            </a:r>
+            <a:endParaRPr lang="en-US" sz="2000">
+              <a:latin typeface="Roboto" panose="02000000000000000000" pitchFamily="2" charset="0"/>
+              <a:ea typeface="Roboto" panose="02000000000000000000" pitchFamily="2" charset="0"/>
+            </a:endParaRPr>
+          </a:p>
+          <a:p>
+            <a:pPr marL="800100" lvl="1" indent="-342900">
+              <a:lnSpc>
+                <a:spcPct val="150000"/>
+              </a:lnSpc>
+              <a:buFont typeface="Arial" panose="020B0604020202020204" pitchFamily="34" charset="0"/>
+              <a:buChar char="•"/>
+            </a:pPr>
+            <a:r>
+              <a:rPr lang="vi-VN" sz="2000">
+                <a:latin typeface="Roboto" panose="02000000000000000000" pitchFamily="2" charset="0"/>
+                <a:ea typeface="Roboto" panose="02000000000000000000" pitchFamily="2" charset="0"/>
+              </a:rPr>
+              <a:t>Nhược điểm: Khó khăn trong việc huấn luyện do vấn đề biến mất gradient.</a:t>
+            </a:r>
+            <a:endParaRPr lang="en-US" sz="2000" b="1">
+              <a:latin typeface="Roboto" panose="02000000000000000000" pitchFamily="2" charset="0"/>
+              <a:ea typeface="Roboto" panose="02000000000000000000" pitchFamily="2" charset="0"/>
+            </a:endParaRPr>
           </a:p>
         </p:txBody>
       </p:sp>
     </p:spTree>
     <p:extLst>
       <p:ext uri="{BB962C8B-B14F-4D97-AF65-F5344CB8AC3E}">
-        <p14:creationId xmlns:p14="http://schemas.microsoft.com/office/powerpoint/2010/main" val="602175885"/>
+        <p14:creationId xmlns:p14="http://schemas.microsoft.com/office/powerpoint/2010/main" val="381903138"/>
       </p:ext>
     </p:extLst>
   </p:cSld>

--- a/report.pptx
+++ b/report.pptx
@@ -5,7 +5,7 @@
     <p:sldMasterId id="2147483648" r:id="rId1"/>
   </p:sldMasterIdLst>
   <p:notesMasterIdLst>
-    <p:notesMasterId r:id="rId48"/>
+    <p:notesMasterId r:id="rId51"/>
   </p:notesMasterIdLst>
   <p:sldIdLst>
     <p:sldId id="256" r:id="rId2"/>
@@ -50,10 +50,13 @@
     <p:sldId id="274" r:id="rId41"/>
     <p:sldId id="275" r:id="rId42"/>
     <p:sldId id="297" r:id="rId43"/>
-    <p:sldId id="290" r:id="rId44"/>
-    <p:sldId id="291" r:id="rId45"/>
-    <p:sldId id="302" r:id="rId46"/>
-    <p:sldId id="292" r:id="rId47"/>
+    <p:sldId id="305" r:id="rId44"/>
+    <p:sldId id="306" r:id="rId45"/>
+    <p:sldId id="290" r:id="rId46"/>
+    <p:sldId id="291" r:id="rId47"/>
+    <p:sldId id="302" r:id="rId48"/>
+    <p:sldId id="304" r:id="rId49"/>
+    <p:sldId id="292" r:id="rId50"/>
   </p:sldIdLst>
   <p:sldSz cx="12192000" cy="6858000"/>
   <p:notesSz cx="7772400" cy="10058400"/>
@@ -13008,8 +13011,8 @@
           </a:p>
         </p:txBody>
       </p:sp>
-      <mc:AlternateContent xmlns:mc="http://schemas.openxmlformats.org/markup-compatibility/2006">
-        <mc:Choice xmlns:a14="http://schemas.microsoft.com/office/drawing/2010/main" Requires="a14">
+      <mc:AlternateContent xmlns:mc="http://schemas.openxmlformats.org/markup-compatibility/2006" xmlns:a14="http://schemas.microsoft.com/office/drawing/2010/main">
+        <mc:Choice Requires="a14">
           <p:sp>
             <p:nvSpPr>
               <p:cNvPr id="290" name="Google Shape;290;p29"/>
@@ -16267,7 +16270,7 @@
             </p:txBody>
           </p:sp>
         </mc:Choice>
-        <mc:Fallback>
+        <mc:Fallback xmlns="">
           <p:sp>
             <p:nvSpPr>
               <p:cNvPr id="290" name="Google Shape;290;p29"/>
@@ -18965,8 +18968,8 @@
           </a:p>
         </p:txBody>
       </p:sp>
-      <mc:AlternateContent xmlns:mc="http://schemas.openxmlformats.org/markup-compatibility/2006">
-        <mc:Choice xmlns:a14="http://schemas.microsoft.com/office/drawing/2010/main" Requires="a14">
+      <mc:AlternateContent xmlns:mc="http://schemas.openxmlformats.org/markup-compatibility/2006" xmlns:a14="http://schemas.microsoft.com/office/drawing/2010/main">
+        <mc:Choice Requires="a14">
           <p:sp>
             <p:nvSpPr>
               <p:cNvPr id="317" name="Google Shape;317;p32"/>
@@ -19978,7 +19981,7 @@
             </p:txBody>
           </p:sp>
         </mc:Choice>
-        <mc:Fallback>
+        <mc:Fallback xmlns="">
           <p:sp>
             <p:nvSpPr>
               <p:cNvPr id="317" name="Google Shape;317;p32"/>
@@ -20214,8 +20217,8 @@
           </a:p>
         </p:txBody>
       </p:sp>
-      <mc:AlternateContent xmlns:mc="http://schemas.openxmlformats.org/markup-compatibility/2006">
-        <mc:Choice xmlns:a14="http://schemas.microsoft.com/office/drawing/2010/main" Requires="a14">
+      <mc:AlternateContent xmlns:mc="http://schemas.openxmlformats.org/markup-compatibility/2006" xmlns:a14="http://schemas.microsoft.com/office/drawing/2010/main">
+        <mc:Choice Requires="a14">
           <p:sp>
             <p:nvSpPr>
               <p:cNvPr id="317" name="Google Shape;317;p32"/>
@@ -21376,7 +21379,7 @@
                       <m:sSup>
                         <m:sSupPr>
                           <m:ctrlPr>
-                            <a:rPr lang="en-US" sz="2000" b="0" i="0" smtClean="0">
+                            <a:rPr lang="en-US" sz="2000" b="0" i="1" smtClean="0">
                               <a:solidFill>
                                 <a:srgbClr val="0D0D0D"/>
                               </a:solidFill>
@@ -21865,7 +21868,7 @@
             </p:txBody>
           </p:sp>
         </mc:Choice>
-        <mc:Fallback>
+        <mc:Fallback xmlns="">
           <p:sp>
             <p:nvSpPr>
               <p:cNvPr id="317" name="Google Shape;317;p32"/>
@@ -38212,6 +38215,1823 @@
       </p:grpSpPr>
       <p:sp>
         <p:nvSpPr>
+          <p:cNvPr id="78" name="Rectangle 1"/>
+          <p:cNvSpPr/>
+          <p:nvPr/>
+        </p:nvSpPr>
+        <p:spPr>
+          <a:xfrm>
+            <a:off x="0" y="0"/>
+            <a:ext cx="6095520" cy="539640"/>
+          </a:xfrm>
+          <a:prstGeom prst="rect">
+            <a:avLst/>
+          </a:prstGeom>
+          <a:solidFill>
+            <a:schemeClr val="tx1">
+              <a:lumMod val="75000"/>
+              <a:lumOff val="25000"/>
+            </a:schemeClr>
+          </a:solidFill>
+          <a:ln>
+            <a:noFill/>
+          </a:ln>
+        </p:spPr>
+        <p:style>
+          <a:lnRef idx="2">
+            <a:schemeClr val="dk1">
+              <a:shade val="15000"/>
+            </a:schemeClr>
+          </a:lnRef>
+          <a:fillRef idx="1">
+            <a:schemeClr val="dk1"/>
+          </a:fillRef>
+          <a:effectRef idx="0">
+            <a:schemeClr val="dk1"/>
+          </a:effectRef>
+          <a:fontRef idx="minor"/>
+        </p:style>
+        <p:txBody>
+          <a:bodyPr lIns="90000" tIns="45000" rIns="90000" bIns="45000" anchor="ctr">
+            <a:noAutofit/>
+          </a:bodyPr>
+          <a:lstStyle/>
+          <a:p>
+            <a:pPr algn="r">
+              <a:lnSpc>
+                <a:spcPct val="100000"/>
+              </a:lnSpc>
+            </a:pPr>
+            <a:r>
+              <a:rPr lang="en-US" sz="2400" b="0" strike="noStrike" spc="-1">
+                <a:solidFill>
+                  <a:schemeClr val="bg1"/>
+                </a:solidFill>
+                <a:latin typeface="Roboto" panose="02000000000000000000" pitchFamily="2" charset="0"/>
+                <a:ea typeface="Roboto" panose="02000000000000000000" pitchFamily="2" charset="0"/>
+              </a:rPr>
+              <a:t>5. Giới thiệu kết quả</a:t>
+            </a:r>
+          </a:p>
+        </p:txBody>
+      </p:sp>
+      <p:sp>
+        <p:nvSpPr>
+          <p:cNvPr id="79" name="Rectangle 2"/>
+          <p:cNvSpPr/>
+          <p:nvPr/>
+        </p:nvSpPr>
+        <p:spPr>
+          <a:xfrm>
+            <a:off x="6095880" y="0"/>
+            <a:ext cx="6095520" cy="539640"/>
+          </a:xfrm>
+          <a:prstGeom prst="rect">
+            <a:avLst/>
+          </a:prstGeom>
+          <a:solidFill>
+            <a:schemeClr val="tx1">
+              <a:lumMod val="50000"/>
+              <a:lumOff val="50000"/>
+            </a:schemeClr>
+          </a:solidFill>
+          <a:ln>
+            <a:noFill/>
+          </a:ln>
+        </p:spPr>
+        <p:style>
+          <a:lnRef idx="2">
+            <a:schemeClr val="dk1">
+              <a:shade val="15000"/>
+            </a:schemeClr>
+          </a:lnRef>
+          <a:fillRef idx="1">
+            <a:schemeClr val="dk1"/>
+          </a:fillRef>
+          <a:effectRef idx="0">
+            <a:schemeClr val="dk1"/>
+          </a:effectRef>
+          <a:fontRef idx="minor"/>
+        </p:style>
+        <p:txBody>
+          <a:bodyPr lIns="90000" tIns="45000" rIns="90000" bIns="45000" anchor="ctr">
+            <a:noAutofit/>
+          </a:bodyPr>
+          <a:lstStyle/>
+          <a:p>
+            <a:pPr>
+              <a:lnSpc>
+                <a:spcPct val="100000"/>
+              </a:lnSpc>
+            </a:pPr>
+            <a:r>
+              <a:rPr lang="en-US" sz="2400" b="0" strike="noStrike" spc="-1">
+                <a:solidFill>
+                  <a:schemeClr val="bg1"/>
+                </a:solidFill>
+                <a:latin typeface="Arial"/>
+              </a:rPr>
+              <a:t>Thang đo perplexity</a:t>
+            </a:r>
+          </a:p>
+        </p:txBody>
+      </p:sp>
+      <p:sp>
+        <p:nvSpPr>
+          <p:cNvPr id="80" name="PlaceHolder 1"/>
+          <p:cNvSpPr>
+            <a:spLocks noGrp="1"/>
+          </p:cNvSpPr>
+          <p:nvPr>
+            <p:ph type="sldNum" idx="6"/>
+          </p:nvPr>
+        </p:nvSpPr>
+        <p:spPr>
+          <a:xfrm>
+            <a:off x="9305640" y="6377760"/>
+            <a:ext cx="2742840" cy="364680"/>
+          </a:xfrm>
+          <a:prstGeom prst="rect">
+            <a:avLst/>
+          </a:prstGeom>
+          <a:noFill/>
+          <a:ln w="0">
+            <a:noFill/>
+          </a:ln>
+        </p:spPr>
+        <p:txBody>
+          <a:bodyPr anchor="ctr">
+            <a:noAutofit/>
+          </a:bodyPr>
+          <a:lstStyle>
+            <a:lvl1pPr indent="0" algn="r">
+              <a:lnSpc>
+                <a:spcPct val="100000"/>
+              </a:lnSpc>
+              <a:buNone/>
+              <a:defRPr lang="en-US" sz="2400" b="1" strike="noStrike" spc="-1">
+                <a:solidFill>
+                  <a:srgbClr val="181717"/>
+                </a:solidFill>
+                <a:latin typeface="Roboto"/>
+                <a:ea typeface="Roboto"/>
+              </a:defRPr>
+            </a:lvl1pPr>
+          </a:lstStyle>
+          <a:p>
+            <a:pPr indent="0" algn="r">
+              <a:lnSpc>
+                <a:spcPct val="100000"/>
+              </a:lnSpc>
+              <a:buNone/>
+            </a:pPr>
+            <a:fld id="{9173D1D2-FFA0-41A5-B653-A3D58546686F}" type="slidenum">
+              <a:rPr lang="en-US" sz="2400" b="1" strike="noStrike" spc="-1">
+                <a:solidFill>
+                  <a:srgbClr val="181717"/>
+                </a:solidFill>
+                <a:latin typeface="Roboto"/>
+                <a:ea typeface="Roboto"/>
+              </a:rPr>
+              <a:t>43</a:t>
+            </a:fld>
+            <a:endParaRPr lang="en-US" sz="2400" b="0" strike="noStrike" spc="-1">
+              <a:solidFill>
+                <a:srgbClr val="000000"/>
+              </a:solidFill>
+              <a:latin typeface="Times New Roman"/>
+            </a:endParaRPr>
+          </a:p>
+        </p:txBody>
+      </p:sp>
+      <p:sp>
+        <p:nvSpPr>
+          <p:cNvPr id="19" name="TextBox 18">
+            <a:extLst>
+              <a:ext uri="{FF2B5EF4-FFF2-40B4-BE49-F238E27FC236}">
+                <a16:creationId xmlns:a16="http://schemas.microsoft.com/office/drawing/2014/main" id="{D70989D2-059E-C22B-B457-F0DDD33FE1F4}"/>
+              </a:ext>
+            </a:extLst>
+          </p:cNvPr>
+          <p:cNvSpPr txBox="1"/>
+          <p:nvPr/>
+        </p:nvSpPr>
+        <p:spPr>
+          <a:xfrm>
+            <a:off x="444528" y="948404"/>
+            <a:ext cx="11301984" cy="1426031"/>
+          </a:xfrm>
+          <a:prstGeom prst="rect">
+            <a:avLst/>
+          </a:prstGeom>
+          <a:noFill/>
+        </p:spPr>
+        <p:txBody>
+          <a:bodyPr wrap="square">
+            <a:spAutoFit/>
+          </a:bodyPr>
+          <a:lstStyle/>
+          <a:p>
+            <a:pPr>
+              <a:lnSpc>
+                <a:spcPct val="150000"/>
+              </a:lnSpc>
+            </a:pPr>
+            <a:r>
+              <a:rPr lang="vi-VN" sz="2000" b="1">
+                <a:latin typeface="Roboto" panose="02000000000000000000" pitchFamily="2" charset="0"/>
+                <a:ea typeface="Roboto" panose="02000000000000000000" pitchFamily="2" charset="0"/>
+              </a:rPr>
+              <a:t>Perplexity</a:t>
+            </a:r>
+            <a:r>
+              <a:rPr lang="vi-VN" sz="2000">
+                <a:latin typeface="Roboto" panose="02000000000000000000" pitchFamily="2" charset="0"/>
+                <a:ea typeface="Roboto" panose="02000000000000000000" pitchFamily="2" charset="0"/>
+              </a:rPr>
+              <a:t> là một thước đo được sử dụng để đánh giá hiệu suất của một mô hình ngôn ngữ, đặc biệt là trong lĩnh vực xử lý ngôn ngữ tự nhiên (NLP). Nó đo lường mức độ </a:t>
+            </a:r>
+            <a:r>
+              <a:rPr lang="vi-VN" sz="2000" b="1">
+                <a:latin typeface="Roboto" panose="02000000000000000000" pitchFamily="2" charset="0"/>
+                <a:ea typeface="Roboto" panose="02000000000000000000" pitchFamily="2" charset="0"/>
+              </a:rPr>
+              <a:t>bối rối</a:t>
+            </a:r>
+            <a:r>
+              <a:rPr lang="vi-VN" sz="2000">
+                <a:latin typeface="Roboto" panose="02000000000000000000" pitchFamily="2" charset="0"/>
+                <a:ea typeface="Roboto" panose="02000000000000000000" pitchFamily="2" charset="0"/>
+              </a:rPr>
+              <a:t> của mô hình khi dự đoán từ tiếp theo trong một chuỗi văn bản</a:t>
+            </a:r>
+            <a:r>
+              <a:rPr lang="en-US" sz="2000">
+                <a:latin typeface="Roboto" panose="02000000000000000000" pitchFamily="2" charset="0"/>
+                <a:ea typeface="Roboto" panose="02000000000000000000" pitchFamily="2" charset="0"/>
+              </a:rPr>
+              <a:t>.</a:t>
+            </a:r>
+          </a:p>
+        </p:txBody>
+      </p:sp>
+      <p:sp>
+        <p:nvSpPr>
+          <p:cNvPr id="21" name="TextBox 20">
+            <a:extLst>
+              <a:ext uri="{FF2B5EF4-FFF2-40B4-BE49-F238E27FC236}">
+                <a16:creationId xmlns:a16="http://schemas.microsoft.com/office/drawing/2014/main" id="{2D4B0261-5A2B-011C-AD64-DE8D2E47FF00}"/>
+              </a:ext>
+            </a:extLst>
+          </p:cNvPr>
+          <p:cNvSpPr txBox="1"/>
+          <p:nvPr/>
+        </p:nvSpPr>
+        <p:spPr>
+          <a:xfrm>
+            <a:off x="444528" y="2400635"/>
+            <a:ext cx="11131776" cy="964367"/>
+          </a:xfrm>
+          <a:prstGeom prst="rect">
+            <a:avLst/>
+          </a:prstGeom>
+          <a:noFill/>
+        </p:spPr>
+        <p:txBody>
+          <a:bodyPr wrap="square">
+            <a:spAutoFit/>
+          </a:bodyPr>
+          <a:lstStyle/>
+          <a:p>
+            <a:pPr>
+              <a:lnSpc>
+                <a:spcPct val="150000"/>
+              </a:lnSpc>
+            </a:pPr>
+            <a:r>
+              <a:rPr lang="en-US" sz="2000">
+                <a:latin typeface="Roboto" panose="02000000000000000000" pitchFamily="2" charset="0"/>
+                <a:ea typeface="Roboto" panose="02000000000000000000" pitchFamily="2" charset="0"/>
+              </a:rPr>
+              <a:t>P</a:t>
+            </a:r>
+            <a:r>
+              <a:rPr lang="vi-VN" sz="2000">
+                <a:latin typeface="Roboto" panose="02000000000000000000" pitchFamily="2" charset="0"/>
+                <a:ea typeface="Roboto" panose="02000000000000000000" pitchFamily="2" charset="0"/>
+              </a:rPr>
+              <a:t>erplexity càng cao, mô hình càng gặp khó khăn trong việc dự đoán từ tiếp theo một cách chính xác. Ngược lại, perplexity càng thấp, mô hình càng có khả năng dự đoán chính xác từ tiếp theo.</a:t>
+            </a:r>
+            <a:endParaRPr lang="en-US" sz="2000">
+              <a:latin typeface="Roboto" panose="02000000000000000000" pitchFamily="2" charset="0"/>
+              <a:ea typeface="Roboto" panose="02000000000000000000" pitchFamily="2" charset="0"/>
+            </a:endParaRPr>
+          </a:p>
+        </p:txBody>
+      </p:sp>
+      <mc:AlternateContent xmlns:mc="http://schemas.openxmlformats.org/markup-compatibility/2006">
+        <mc:Choice xmlns:a14="http://schemas.microsoft.com/office/drawing/2010/main" Requires="a14">
+          <p:sp>
+            <p:nvSpPr>
+              <p:cNvPr id="22" name="TextBox 21">
+                <a:extLst>
+                  <a:ext uri="{FF2B5EF4-FFF2-40B4-BE49-F238E27FC236}">
+                    <a16:creationId xmlns:a16="http://schemas.microsoft.com/office/drawing/2014/main" id="{C235F47A-B46B-3FA4-34D0-A840247BD874}"/>
+                  </a:ext>
+                </a:extLst>
+              </p:cNvPr>
+              <p:cNvSpPr txBox="1"/>
+              <p:nvPr/>
+            </p:nvSpPr>
+            <p:spPr>
+              <a:xfrm>
+                <a:off x="3234592" y="3928924"/>
+                <a:ext cx="5551648" cy="894347"/>
+              </a:xfrm>
+              <a:prstGeom prst="rect">
+                <a:avLst/>
+              </a:prstGeom>
+              <a:noFill/>
+            </p:spPr>
+            <p:txBody>
+              <a:bodyPr wrap="none" lIns="0" tIns="0" rIns="0" bIns="0" rtlCol="0">
+                <a:spAutoFit/>
+              </a:bodyPr>
+              <a:lstStyle/>
+              <a:p>
+                <a:pPr algn="just"/>
+                <a14:m>
+                  <m:oMathPara xmlns:m="http://schemas.openxmlformats.org/officeDocument/2006/math">
+                    <m:oMathParaPr>
+                      <m:jc m:val="centerGroup"/>
+                    </m:oMathParaPr>
+                    <m:oMath xmlns:m="http://schemas.openxmlformats.org/officeDocument/2006/math">
+                      <m:r>
+                        <a:rPr lang="en-US" sz="2400" b="0" i="1" smtClean="0">
+                          <a:latin typeface="Cambria Math" panose="02040503050406030204" pitchFamily="18" charset="0"/>
+                        </a:rPr>
+                        <m:t>𝑝𝑒𝑟𝑝𝑙𝑒𝑥𝑖𝑡𝑦</m:t>
+                      </m:r>
+                      <m:r>
+                        <a:rPr lang="en-US" sz="2400" b="0" i="1" smtClean="0">
+                          <a:latin typeface="Cambria Math" panose="02040503050406030204" pitchFamily="18" charset="0"/>
+                        </a:rPr>
+                        <m:t>=</m:t>
+                      </m:r>
+                      <m:r>
+                        <m:rPr>
+                          <m:sty m:val="p"/>
+                        </m:rPr>
+                        <a:rPr lang="en-US" sz="2400" b="0" i="0" smtClean="0">
+                          <a:latin typeface="Cambria Math" panose="02040503050406030204" pitchFamily="18" charset="0"/>
+                        </a:rPr>
+                        <m:t>exp</m:t>
+                      </m:r>
+                      <m:r>
+                        <a:rPr lang="en-US" sz="2400" b="0" i="1" smtClean="0">
+                          <a:latin typeface="Cambria Math" panose="02040503050406030204" pitchFamily="18" charset="0"/>
+                        </a:rPr>
+                        <m:t>⁡(−</m:t>
+                      </m:r>
+                      <m:nary>
+                        <m:naryPr>
+                          <m:chr m:val="∑"/>
+                          <m:subHide m:val="on"/>
+                          <m:supHide m:val="on"/>
+                          <m:ctrlPr>
+                            <a:rPr lang="en-US" sz="2400" b="0" i="1" smtClean="0">
+                              <a:latin typeface="Cambria Math" panose="02040503050406030204" pitchFamily="18" charset="0"/>
+                            </a:rPr>
+                          </m:ctrlPr>
+                        </m:naryPr>
+                        <m:sub/>
+                        <m:sup/>
+                        <m:e>
+                          <m:r>
+                            <a:rPr lang="en-US" sz="2400" b="0" i="1" smtClean="0">
+                              <a:latin typeface="Cambria Math" panose="02040503050406030204" pitchFamily="18" charset="0"/>
+                            </a:rPr>
+                            <m:t>𝑝</m:t>
+                          </m:r>
+                          <m:d>
+                            <m:dPr>
+                              <m:ctrlPr>
+                                <a:rPr lang="en-US" sz="2400" b="0" i="1" smtClean="0">
+                                  <a:latin typeface="Cambria Math" panose="02040503050406030204" pitchFamily="18" charset="0"/>
+                                </a:rPr>
+                              </m:ctrlPr>
+                            </m:dPr>
+                            <m:e>
+                              <m:r>
+                                <a:rPr lang="en-US" sz="2400" b="0" i="1" smtClean="0">
+                                  <a:latin typeface="Cambria Math" panose="02040503050406030204" pitchFamily="18" charset="0"/>
+                                </a:rPr>
+                                <m:t>𝑥</m:t>
+                              </m:r>
+                            </m:e>
+                          </m:d>
+                          <m:r>
+                            <a:rPr lang="en-US" sz="2400" b="0" i="1" smtClean="0">
+                              <a:latin typeface="Cambria Math" panose="02040503050406030204" pitchFamily="18" charset="0"/>
+                            </a:rPr>
+                            <m:t>∗</m:t>
+                          </m:r>
+                          <m:r>
+                            <m:rPr>
+                              <m:sty m:val="p"/>
+                            </m:rPr>
+                            <a:rPr lang="en-US" sz="2400" b="0" i="0" smtClean="0">
+                              <a:latin typeface="Cambria Math" panose="02040503050406030204" pitchFamily="18" charset="0"/>
+                            </a:rPr>
+                            <m:t>log</m:t>
+                          </m:r>
+                          <m:r>
+                            <a:rPr lang="en-US" sz="2400" b="0" i="1" smtClean="0">
+                              <a:latin typeface="Cambria Math" panose="02040503050406030204" pitchFamily="18" charset="0"/>
+                            </a:rPr>
+                            <m:t>⁡(</m:t>
+                          </m:r>
+                          <m:r>
+                            <a:rPr lang="en-US" sz="2400" b="0" i="1" smtClean="0">
+                              <a:latin typeface="Cambria Math" panose="02040503050406030204" pitchFamily="18" charset="0"/>
+                            </a:rPr>
+                            <m:t>𝑞</m:t>
+                          </m:r>
+                          <m:d>
+                            <m:dPr>
+                              <m:ctrlPr>
+                                <a:rPr lang="en-US" sz="2400" b="0" i="1" smtClean="0">
+                                  <a:latin typeface="Cambria Math" panose="02040503050406030204" pitchFamily="18" charset="0"/>
+                                </a:rPr>
+                              </m:ctrlPr>
+                            </m:dPr>
+                            <m:e>
+                              <m:r>
+                                <a:rPr lang="en-US" sz="2400" b="0" i="1" smtClean="0">
+                                  <a:latin typeface="Cambria Math" panose="02040503050406030204" pitchFamily="18" charset="0"/>
+                                </a:rPr>
+                                <m:t>𝑥</m:t>
+                              </m:r>
+                            </m:e>
+                          </m:d>
+                          <m:r>
+                            <a:rPr lang="en-US" sz="2400" b="0" i="1" smtClean="0">
+                              <a:latin typeface="Cambria Math" panose="02040503050406030204" pitchFamily="18" charset="0"/>
+                            </a:rPr>
+                            <m:t>)</m:t>
+                          </m:r>
+                        </m:e>
+                      </m:nary>
+                      <m:r>
+                        <a:rPr lang="en-US" sz="2400" b="0" i="1" smtClean="0">
+                          <a:latin typeface="Cambria Math" panose="02040503050406030204" pitchFamily="18" charset="0"/>
+                        </a:rPr>
+                        <m:t>)</m:t>
+                      </m:r>
+                    </m:oMath>
+                  </m:oMathPara>
+                </a14:m>
+                <a:endParaRPr lang="en-US" sz="2400"/>
+              </a:p>
+            </p:txBody>
+          </p:sp>
+        </mc:Choice>
+        <mc:Fallback>
+          <p:sp>
+            <p:nvSpPr>
+              <p:cNvPr id="22" name="TextBox 21">
+                <a:extLst>
+                  <a:ext uri="{FF2B5EF4-FFF2-40B4-BE49-F238E27FC236}">
+                    <a16:creationId xmlns:a16="http://schemas.microsoft.com/office/drawing/2014/main" id="{C235F47A-B46B-3FA4-34D0-A840247BD874}"/>
+                  </a:ext>
+                </a:extLst>
+              </p:cNvPr>
+              <p:cNvSpPr txBox="1">
+                <a:spLocks noRot="1" noChangeAspect="1" noMove="1" noResize="1" noEditPoints="1" noAdjustHandles="1" noChangeArrowheads="1" noChangeShapeType="1" noTextEdit="1"/>
+              </p:cNvSpPr>
+              <p:nvPr/>
+            </p:nvSpPr>
+            <p:spPr>
+              <a:xfrm>
+                <a:off x="3234592" y="3928924"/>
+                <a:ext cx="5551648" cy="894347"/>
+              </a:xfrm>
+              <a:prstGeom prst="rect">
+                <a:avLst/>
+              </a:prstGeom>
+              <a:blipFill>
+                <a:blip r:embed="rId2"/>
+                <a:stretch>
+                  <a:fillRect/>
+                </a:stretch>
+              </a:blipFill>
+            </p:spPr>
+            <p:txBody>
+              <a:bodyPr/>
+              <a:lstStyle/>
+              <a:p>
+                <a:r>
+                  <a:rPr lang="en-US">
+                    <a:noFill/>
+                  </a:rPr>
+                  <a:t> </a:t>
+                </a:r>
+              </a:p>
+            </p:txBody>
+          </p:sp>
+        </mc:Fallback>
+      </mc:AlternateContent>
+      <mc:AlternateContent xmlns:mc="http://schemas.openxmlformats.org/markup-compatibility/2006">
+        <mc:Choice xmlns:a14="http://schemas.microsoft.com/office/drawing/2010/main" Requires="a14">
+          <p:sp>
+            <p:nvSpPr>
+              <p:cNvPr id="23" name="TextBox 22">
+                <a:extLst>
+                  <a:ext uri="{FF2B5EF4-FFF2-40B4-BE49-F238E27FC236}">
+                    <a16:creationId xmlns:a16="http://schemas.microsoft.com/office/drawing/2014/main" id="{A0BB4662-EF13-870A-EE70-0DAFE5F3EE05}"/>
+                  </a:ext>
+                </a:extLst>
+              </p:cNvPr>
+              <p:cNvSpPr txBox="1"/>
+              <p:nvPr/>
+            </p:nvSpPr>
+            <p:spPr>
+              <a:xfrm>
+                <a:off x="444528" y="4905009"/>
+                <a:ext cx="11301984" cy="964367"/>
+              </a:xfrm>
+              <a:prstGeom prst="rect">
+                <a:avLst/>
+              </a:prstGeom>
+              <a:noFill/>
+            </p:spPr>
+            <p:txBody>
+              <a:bodyPr wrap="square">
+                <a:spAutoFit/>
+              </a:bodyPr>
+              <a:lstStyle/>
+              <a:p>
+                <a:pPr>
+                  <a:lnSpc>
+                    <a:spcPct val="150000"/>
+                  </a:lnSpc>
+                </a:pPr>
+                <a:r>
+                  <a:rPr lang="en-US" sz="2000">
+                    <a:latin typeface="Roboto" panose="02000000000000000000" pitchFamily="2" charset="0"/>
+                    <a:ea typeface="Roboto" panose="02000000000000000000" pitchFamily="2" charset="0"/>
+                  </a:rPr>
+                  <a:t>Với: 	</a:t>
+                </a:r>
+                <a14:m>
+                  <m:oMath xmlns:m="http://schemas.openxmlformats.org/officeDocument/2006/math">
+                    <m:r>
+                      <a:rPr lang="en-US" sz="2000" i="1" smtClean="0">
+                        <a:latin typeface="Cambria Math" panose="02040503050406030204" pitchFamily="18" charset="0"/>
+                        <a:ea typeface="Roboto" panose="02000000000000000000" pitchFamily="2" charset="0"/>
+                      </a:rPr>
+                      <m:t>𝑝</m:t>
+                    </m:r>
+                    <m:r>
+                      <a:rPr lang="en-US" sz="2000" i="1" smtClean="0">
+                        <a:latin typeface="Cambria Math" panose="02040503050406030204" pitchFamily="18" charset="0"/>
+                        <a:ea typeface="Roboto" panose="02000000000000000000" pitchFamily="2" charset="0"/>
+                      </a:rPr>
+                      <m:t>(</m:t>
+                    </m:r>
+                    <m:r>
+                      <a:rPr lang="en-US" sz="2000" i="1" smtClean="0">
+                        <a:latin typeface="Cambria Math" panose="02040503050406030204" pitchFamily="18" charset="0"/>
+                        <a:ea typeface="Roboto" panose="02000000000000000000" pitchFamily="2" charset="0"/>
+                      </a:rPr>
+                      <m:t>𝑥</m:t>
+                    </m:r>
+                    <m:r>
+                      <a:rPr lang="en-US" sz="2000" i="1" smtClean="0">
+                        <a:latin typeface="Cambria Math" panose="02040503050406030204" pitchFamily="18" charset="0"/>
+                        <a:ea typeface="Roboto" panose="02000000000000000000" pitchFamily="2" charset="0"/>
+                      </a:rPr>
+                      <m:t>)</m:t>
+                    </m:r>
+                  </m:oMath>
+                </a14:m>
+                <a:r>
+                  <a:rPr lang="en-US" sz="2000">
+                    <a:latin typeface="Roboto" panose="02000000000000000000" pitchFamily="2" charset="0"/>
+                    <a:ea typeface="Roboto" panose="02000000000000000000" pitchFamily="2" charset="0"/>
+                  </a:rPr>
+                  <a:t> là xác suất thực sự của một sự kiện </a:t>
+                </a:r>
+                <a14:m>
+                  <m:oMath xmlns:m="http://schemas.openxmlformats.org/officeDocument/2006/math">
+                    <m:r>
+                      <a:rPr lang="en-US" sz="2000" i="1" smtClean="0">
+                        <a:latin typeface="Cambria Math" panose="02040503050406030204" pitchFamily="18" charset="0"/>
+                        <a:ea typeface="Roboto" panose="02000000000000000000" pitchFamily="2" charset="0"/>
+                      </a:rPr>
+                      <m:t>𝑥</m:t>
+                    </m:r>
+                  </m:oMath>
+                </a14:m>
+                <a:r>
+                  <a:rPr lang="en-US" sz="2000">
+                    <a:latin typeface="Roboto" panose="02000000000000000000" pitchFamily="2" charset="0"/>
+                    <a:ea typeface="Roboto" panose="02000000000000000000" pitchFamily="2" charset="0"/>
+                  </a:rPr>
+                  <a:t> xảy ra.</a:t>
+                </a:r>
+              </a:p>
+              <a:p>
+                <a:pPr>
+                  <a:lnSpc>
+                    <a:spcPct val="150000"/>
+                  </a:lnSpc>
+                </a:pPr>
+                <a:r>
+                  <a:rPr lang="en-US" sz="2000">
+                    <a:latin typeface="Roboto" panose="02000000000000000000" pitchFamily="2" charset="0"/>
+                    <a:ea typeface="Roboto" panose="02000000000000000000" pitchFamily="2" charset="0"/>
+                  </a:rPr>
+                  <a:t>	</a:t>
+                </a:r>
+                <a14:m>
+                  <m:oMath xmlns:m="http://schemas.openxmlformats.org/officeDocument/2006/math">
+                    <m:r>
+                      <a:rPr lang="en-US" sz="2000" i="1" smtClean="0">
+                        <a:latin typeface="Cambria Math" panose="02040503050406030204" pitchFamily="18" charset="0"/>
+                        <a:ea typeface="Roboto" panose="02000000000000000000" pitchFamily="2" charset="0"/>
+                      </a:rPr>
+                      <m:t>𝑞</m:t>
+                    </m:r>
+                    <m:r>
+                      <a:rPr lang="en-US" sz="2000" i="1" smtClean="0">
+                        <a:latin typeface="Cambria Math" panose="02040503050406030204" pitchFamily="18" charset="0"/>
+                        <a:ea typeface="Roboto" panose="02000000000000000000" pitchFamily="2" charset="0"/>
+                      </a:rPr>
+                      <m:t>(</m:t>
+                    </m:r>
+                    <m:r>
+                      <a:rPr lang="en-US" sz="2000" i="1" smtClean="0">
+                        <a:latin typeface="Cambria Math" panose="02040503050406030204" pitchFamily="18" charset="0"/>
+                        <a:ea typeface="Roboto" panose="02000000000000000000" pitchFamily="2" charset="0"/>
+                      </a:rPr>
+                      <m:t>𝑥</m:t>
+                    </m:r>
+                    <m:r>
+                      <a:rPr lang="en-US" sz="2000" i="1" smtClean="0">
+                        <a:latin typeface="Cambria Math" panose="02040503050406030204" pitchFamily="18" charset="0"/>
+                        <a:ea typeface="Roboto" panose="02000000000000000000" pitchFamily="2" charset="0"/>
+                      </a:rPr>
+                      <m:t>)</m:t>
+                    </m:r>
+                  </m:oMath>
+                </a14:m>
+                <a:r>
+                  <a:rPr lang="en-US" sz="2000">
+                    <a:latin typeface="Roboto" panose="02000000000000000000" pitchFamily="2" charset="0"/>
+                    <a:ea typeface="Roboto" panose="02000000000000000000" pitchFamily="2" charset="0"/>
+                  </a:rPr>
+                  <a:t> là xác suất ước tính của một sự kiện theo mô hình. </a:t>
+                </a:r>
+              </a:p>
+            </p:txBody>
+          </p:sp>
+        </mc:Choice>
+        <mc:Fallback>
+          <p:sp>
+            <p:nvSpPr>
+              <p:cNvPr id="23" name="TextBox 22">
+                <a:extLst>
+                  <a:ext uri="{FF2B5EF4-FFF2-40B4-BE49-F238E27FC236}">
+                    <a16:creationId xmlns:a16="http://schemas.microsoft.com/office/drawing/2014/main" id="{A0BB4662-EF13-870A-EE70-0DAFE5F3EE05}"/>
+                  </a:ext>
+                </a:extLst>
+              </p:cNvPr>
+              <p:cNvSpPr txBox="1">
+                <a:spLocks noRot="1" noChangeAspect="1" noMove="1" noResize="1" noEditPoints="1" noAdjustHandles="1" noChangeArrowheads="1" noChangeShapeType="1" noTextEdit="1"/>
+              </p:cNvSpPr>
+              <p:nvPr/>
+            </p:nvSpPr>
+            <p:spPr>
+              <a:xfrm>
+                <a:off x="444528" y="4905009"/>
+                <a:ext cx="11301984" cy="964367"/>
+              </a:xfrm>
+              <a:prstGeom prst="rect">
+                <a:avLst/>
+              </a:prstGeom>
+              <a:blipFill>
+                <a:blip r:embed="rId3"/>
+                <a:stretch>
+                  <a:fillRect l="-593" b="-10759"/>
+                </a:stretch>
+              </a:blipFill>
+            </p:spPr>
+            <p:txBody>
+              <a:bodyPr/>
+              <a:lstStyle/>
+              <a:p>
+                <a:r>
+                  <a:rPr lang="en-US">
+                    <a:noFill/>
+                  </a:rPr>
+                  <a:t> </a:t>
+                </a:r>
+              </a:p>
+            </p:txBody>
+          </p:sp>
+        </mc:Fallback>
+      </mc:AlternateContent>
+    </p:spTree>
+    <p:extLst>
+      <p:ext uri="{BB962C8B-B14F-4D97-AF65-F5344CB8AC3E}">
+        <p14:creationId xmlns:p14="http://schemas.microsoft.com/office/powerpoint/2010/main" val="1628229753"/>
+      </p:ext>
+    </p:extLst>
+  </p:cSld>
+  <p:clrMapOvr>
+    <a:masterClrMapping/>
+  </p:clrMapOvr>
+  <p:transition spd="slow">
+    <p:push dir="u"/>
+  </p:transition>
+</p:sld>
+</file>
+
+<file path=ppt/slides/slide44.xml><?xml version="1.0" encoding="utf-8"?>
+<p:sld xmlns:a="http://schemas.openxmlformats.org/drawingml/2006/main" xmlns:r="http://schemas.openxmlformats.org/officeDocument/2006/relationships" xmlns:p="http://schemas.openxmlformats.org/presentationml/2006/main">
+  <p:cSld>
+    <p:spTree>
+      <p:nvGrpSpPr>
+        <p:cNvPr id="1" name=""/>
+        <p:cNvGrpSpPr/>
+        <p:nvPr/>
+      </p:nvGrpSpPr>
+      <p:grpSpPr>
+        <a:xfrm>
+          <a:off x="0" y="0"/>
+          <a:ext cx="0" cy="0"/>
+          <a:chOff x="0" y="0"/>
+          <a:chExt cx="0" cy="0"/>
+        </a:xfrm>
+      </p:grpSpPr>
+      <p:sp>
+        <p:nvSpPr>
+          <p:cNvPr id="78" name="Rectangle 1"/>
+          <p:cNvSpPr/>
+          <p:nvPr/>
+        </p:nvSpPr>
+        <p:spPr>
+          <a:xfrm>
+            <a:off x="0" y="0"/>
+            <a:ext cx="6095520" cy="539640"/>
+          </a:xfrm>
+          <a:prstGeom prst="rect">
+            <a:avLst/>
+          </a:prstGeom>
+          <a:solidFill>
+            <a:schemeClr val="tx1">
+              <a:lumMod val="75000"/>
+              <a:lumOff val="25000"/>
+            </a:schemeClr>
+          </a:solidFill>
+          <a:ln>
+            <a:noFill/>
+          </a:ln>
+        </p:spPr>
+        <p:style>
+          <a:lnRef idx="2">
+            <a:schemeClr val="dk1">
+              <a:shade val="15000"/>
+            </a:schemeClr>
+          </a:lnRef>
+          <a:fillRef idx="1">
+            <a:schemeClr val="dk1"/>
+          </a:fillRef>
+          <a:effectRef idx="0">
+            <a:schemeClr val="dk1"/>
+          </a:effectRef>
+          <a:fontRef idx="minor"/>
+        </p:style>
+        <p:txBody>
+          <a:bodyPr lIns="90000" tIns="45000" rIns="90000" bIns="45000" anchor="ctr">
+            <a:noAutofit/>
+          </a:bodyPr>
+          <a:lstStyle/>
+          <a:p>
+            <a:pPr algn="r">
+              <a:lnSpc>
+                <a:spcPct val="100000"/>
+              </a:lnSpc>
+            </a:pPr>
+            <a:r>
+              <a:rPr lang="en-US" sz="2400" b="0" strike="noStrike" spc="-1">
+                <a:solidFill>
+                  <a:schemeClr val="bg1"/>
+                </a:solidFill>
+                <a:latin typeface="Roboto" panose="02000000000000000000" pitchFamily="2" charset="0"/>
+                <a:ea typeface="Roboto" panose="02000000000000000000" pitchFamily="2" charset="0"/>
+              </a:rPr>
+              <a:t>5. Giới thiệu kết quả</a:t>
+            </a:r>
+          </a:p>
+        </p:txBody>
+      </p:sp>
+      <p:sp>
+        <p:nvSpPr>
+          <p:cNvPr id="79" name="Rectangle 2"/>
+          <p:cNvSpPr/>
+          <p:nvPr/>
+        </p:nvSpPr>
+        <p:spPr>
+          <a:xfrm>
+            <a:off x="6095880" y="0"/>
+            <a:ext cx="6095520" cy="539640"/>
+          </a:xfrm>
+          <a:prstGeom prst="rect">
+            <a:avLst/>
+          </a:prstGeom>
+          <a:solidFill>
+            <a:schemeClr val="tx1">
+              <a:lumMod val="50000"/>
+              <a:lumOff val="50000"/>
+            </a:schemeClr>
+          </a:solidFill>
+          <a:ln>
+            <a:noFill/>
+          </a:ln>
+        </p:spPr>
+        <p:style>
+          <a:lnRef idx="2">
+            <a:schemeClr val="dk1">
+              <a:shade val="15000"/>
+            </a:schemeClr>
+          </a:lnRef>
+          <a:fillRef idx="1">
+            <a:schemeClr val="dk1"/>
+          </a:fillRef>
+          <a:effectRef idx="0">
+            <a:schemeClr val="dk1"/>
+          </a:effectRef>
+          <a:fontRef idx="minor"/>
+        </p:style>
+        <p:txBody>
+          <a:bodyPr lIns="90000" tIns="45000" rIns="90000" bIns="45000" anchor="ctr">
+            <a:noAutofit/>
+          </a:bodyPr>
+          <a:lstStyle/>
+          <a:p>
+            <a:pPr>
+              <a:lnSpc>
+                <a:spcPct val="100000"/>
+              </a:lnSpc>
+            </a:pPr>
+            <a:r>
+              <a:rPr lang="en-US" sz="2400" b="0" strike="noStrike" spc="-1">
+                <a:solidFill>
+                  <a:schemeClr val="bg1"/>
+                </a:solidFill>
+                <a:latin typeface="Arial"/>
+              </a:rPr>
+              <a:t>Thang đo perplexity</a:t>
+            </a:r>
+          </a:p>
+        </p:txBody>
+      </p:sp>
+      <p:sp>
+        <p:nvSpPr>
+          <p:cNvPr id="80" name="PlaceHolder 1"/>
+          <p:cNvSpPr>
+            <a:spLocks noGrp="1"/>
+          </p:cNvSpPr>
+          <p:nvPr>
+            <p:ph type="sldNum" idx="6"/>
+          </p:nvPr>
+        </p:nvSpPr>
+        <p:spPr>
+          <a:xfrm>
+            <a:off x="9305640" y="6377760"/>
+            <a:ext cx="2742840" cy="364680"/>
+          </a:xfrm>
+          <a:prstGeom prst="rect">
+            <a:avLst/>
+          </a:prstGeom>
+          <a:noFill/>
+          <a:ln w="0">
+            <a:noFill/>
+          </a:ln>
+        </p:spPr>
+        <p:txBody>
+          <a:bodyPr anchor="ctr">
+            <a:noAutofit/>
+          </a:bodyPr>
+          <a:lstStyle>
+            <a:lvl1pPr indent="0" algn="r">
+              <a:lnSpc>
+                <a:spcPct val="100000"/>
+              </a:lnSpc>
+              <a:buNone/>
+              <a:defRPr lang="en-US" sz="2400" b="1" strike="noStrike" spc="-1">
+                <a:solidFill>
+                  <a:srgbClr val="181717"/>
+                </a:solidFill>
+                <a:latin typeface="Roboto"/>
+                <a:ea typeface="Roboto"/>
+              </a:defRPr>
+            </a:lvl1pPr>
+          </a:lstStyle>
+          <a:p>
+            <a:pPr indent="0" algn="r">
+              <a:lnSpc>
+                <a:spcPct val="100000"/>
+              </a:lnSpc>
+              <a:buNone/>
+            </a:pPr>
+            <a:fld id="{9173D1D2-FFA0-41A5-B653-A3D58546686F}" type="slidenum">
+              <a:rPr lang="en-US" sz="2400" b="1" strike="noStrike" spc="-1">
+                <a:solidFill>
+                  <a:srgbClr val="181717"/>
+                </a:solidFill>
+                <a:latin typeface="Roboto"/>
+                <a:ea typeface="Roboto"/>
+              </a:rPr>
+              <a:t>44</a:t>
+            </a:fld>
+            <a:endParaRPr lang="en-US" sz="2400" b="0" strike="noStrike" spc="-1">
+              <a:solidFill>
+                <a:srgbClr val="000000"/>
+              </a:solidFill>
+              <a:latin typeface="Times New Roman"/>
+            </a:endParaRPr>
+          </a:p>
+        </p:txBody>
+      </p:sp>
+      <mc:AlternateContent xmlns:mc="http://schemas.openxmlformats.org/markup-compatibility/2006">
+        <mc:Choice xmlns:a14="http://schemas.microsoft.com/office/drawing/2010/main" Requires="a14">
+          <p:sp>
+            <p:nvSpPr>
+              <p:cNvPr id="22" name="TextBox 21">
+                <a:extLst>
+                  <a:ext uri="{FF2B5EF4-FFF2-40B4-BE49-F238E27FC236}">
+                    <a16:creationId xmlns:a16="http://schemas.microsoft.com/office/drawing/2014/main" id="{C235F47A-B46B-3FA4-34D0-A840247BD874}"/>
+                  </a:ext>
+                </a:extLst>
+              </p:cNvPr>
+              <p:cNvSpPr txBox="1"/>
+              <p:nvPr/>
+            </p:nvSpPr>
+            <p:spPr>
+              <a:xfrm>
+                <a:off x="3435760" y="938836"/>
+                <a:ext cx="5551648" cy="894347"/>
+              </a:xfrm>
+              <a:prstGeom prst="rect">
+                <a:avLst/>
+              </a:prstGeom>
+              <a:noFill/>
+            </p:spPr>
+            <p:txBody>
+              <a:bodyPr wrap="none" lIns="0" tIns="0" rIns="0" bIns="0" rtlCol="0">
+                <a:spAutoFit/>
+              </a:bodyPr>
+              <a:lstStyle/>
+              <a:p>
+                <a:pPr algn="just"/>
+                <a14:m>
+                  <m:oMathPara xmlns:m="http://schemas.openxmlformats.org/officeDocument/2006/math">
+                    <m:oMathParaPr>
+                      <m:jc m:val="centerGroup"/>
+                    </m:oMathParaPr>
+                    <m:oMath xmlns:m="http://schemas.openxmlformats.org/officeDocument/2006/math">
+                      <m:r>
+                        <a:rPr lang="en-US" sz="2400" b="0" i="1" smtClean="0">
+                          <a:latin typeface="Cambria Math" panose="02040503050406030204" pitchFamily="18" charset="0"/>
+                        </a:rPr>
+                        <m:t>𝑝𝑒𝑟𝑝𝑙𝑒𝑥𝑖𝑡𝑦</m:t>
+                      </m:r>
+                      <m:r>
+                        <a:rPr lang="en-US" sz="2400" b="0" i="1" smtClean="0">
+                          <a:latin typeface="Cambria Math" panose="02040503050406030204" pitchFamily="18" charset="0"/>
+                        </a:rPr>
+                        <m:t>=</m:t>
+                      </m:r>
+                      <m:r>
+                        <m:rPr>
+                          <m:sty m:val="p"/>
+                        </m:rPr>
+                        <a:rPr lang="en-US" sz="2400" b="0" i="0" smtClean="0">
+                          <a:latin typeface="Cambria Math" panose="02040503050406030204" pitchFamily="18" charset="0"/>
+                        </a:rPr>
+                        <m:t>exp</m:t>
+                      </m:r>
+                      <m:r>
+                        <a:rPr lang="en-US" sz="2400" b="0" i="1" smtClean="0">
+                          <a:latin typeface="Cambria Math" panose="02040503050406030204" pitchFamily="18" charset="0"/>
+                        </a:rPr>
+                        <m:t>⁡(−</m:t>
+                      </m:r>
+                      <m:nary>
+                        <m:naryPr>
+                          <m:chr m:val="∑"/>
+                          <m:subHide m:val="on"/>
+                          <m:supHide m:val="on"/>
+                          <m:ctrlPr>
+                            <a:rPr lang="en-US" sz="2400" b="0" i="1" smtClean="0">
+                              <a:latin typeface="Cambria Math" panose="02040503050406030204" pitchFamily="18" charset="0"/>
+                            </a:rPr>
+                          </m:ctrlPr>
+                        </m:naryPr>
+                        <m:sub/>
+                        <m:sup/>
+                        <m:e>
+                          <m:r>
+                            <a:rPr lang="en-US" sz="2400" b="0" i="1" smtClean="0">
+                              <a:latin typeface="Cambria Math" panose="02040503050406030204" pitchFamily="18" charset="0"/>
+                            </a:rPr>
+                            <m:t>𝑝</m:t>
+                          </m:r>
+                          <m:d>
+                            <m:dPr>
+                              <m:ctrlPr>
+                                <a:rPr lang="en-US" sz="2400" b="0" i="1" smtClean="0">
+                                  <a:latin typeface="Cambria Math" panose="02040503050406030204" pitchFamily="18" charset="0"/>
+                                </a:rPr>
+                              </m:ctrlPr>
+                            </m:dPr>
+                            <m:e>
+                              <m:r>
+                                <a:rPr lang="en-US" sz="2400" b="0" i="1" smtClean="0">
+                                  <a:latin typeface="Cambria Math" panose="02040503050406030204" pitchFamily="18" charset="0"/>
+                                </a:rPr>
+                                <m:t>𝑥</m:t>
+                              </m:r>
+                            </m:e>
+                          </m:d>
+                          <m:r>
+                            <a:rPr lang="en-US" sz="2400" b="0" i="1" smtClean="0">
+                              <a:latin typeface="Cambria Math" panose="02040503050406030204" pitchFamily="18" charset="0"/>
+                            </a:rPr>
+                            <m:t>∗</m:t>
+                          </m:r>
+                          <m:r>
+                            <m:rPr>
+                              <m:sty m:val="p"/>
+                            </m:rPr>
+                            <a:rPr lang="en-US" sz="2400" b="0" i="0" smtClean="0">
+                              <a:latin typeface="Cambria Math" panose="02040503050406030204" pitchFamily="18" charset="0"/>
+                            </a:rPr>
+                            <m:t>log</m:t>
+                          </m:r>
+                          <m:r>
+                            <a:rPr lang="en-US" sz="2400" b="0" i="1" smtClean="0">
+                              <a:latin typeface="Cambria Math" panose="02040503050406030204" pitchFamily="18" charset="0"/>
+                            </a:rPr>
+                            <m:t>⁡(</m:t>
+                          </m:r>
+                          <m:r>
+                            <a:rPr lang="en-US" sz="2400" b="0" i="1" smtClean="0">
+                              <a:latin typeface="Cambria Math" panose="02040503050406030204" pitchFamily="18" charset="0"/>
+                            </a:rPr>
+                            <m:t>𝑞</m:t>
+                          </m:r>
+                          <m:d>
+                            <m:dPr>
+                              <m:ctrlPr>
+                                <a:rPr lang="en-US" sz="2400" b="0" i="1" smtClean="0">
+                                  <a:latin typeface="Cambria Math" panose="02040503050406030204" pitchFamily="18" charset="0"/>
+                                </a:rPr>
+                              </m:ctrlPr>
+                            </m:dPr>
+                            <m:e>
+                              <m:r>
+                                <a:rPr lang="en-US" sz="2400" b="0" i="1" smtClean="0">
+                                  <a:latin typeface="Cambria Math" panose="02040503050406030204" pitchFamily="18" charset="0"/>
+                                </a:rPr>
+                                <m:t>𝑥</m:t>
+                              </m:r>
+                            </m:e>
+                          </m:d>
+                          <m:r>
+                            <a:rPr lang="en-US" sz="2400" b="0" i="1" smtClean="0">
+                              <a:latin typeface="Cambria Math" panose="02040503050406030204" pitchFamily="18" charset="0"/>
+                            </a:rPr>
+                            <m:t>)</m:t>
+                          </m:r>
+                        </m:e>
+                      </m:nary>
+                      <m:r>
+                        <a:rPr lang="en-US" sz="2400" b="0" i="1" smtClean="0">
+                          <a:latin typeface="Cambria Math" panose="02040503050406030204" pitchFamily="18" charset="0"/>
+                        </a:rPr>
+                        <m:t>)</m:t>
+                      </m:r>
+                    </m:oMath>
+                  </m:oMathPara>
+                </a14:m>
+                <a:endParaRPr lang="en-US" sz="2400"/>
+              </a:p>
+            </p:txBody>
+          </p:sp>
+        </mc:Choice>
+        <mc:Fallback>
+          <p:sp>
+            <p:nvSpPr>
+              <p:cNvPr id="22" name="TextBox 21">
+                <a:extLst>
+                  <a:ext uri="{FF2B5EF4-FFF2-40B4-BE49-F238E27FC236}">
+                    <a16:creationId xmlns:a16="http://schemas.microsoft.com/office/drawing/2014/main" id="{C235F47A-B46B-3FA4-34D0-A840247BD874}"/>
+                  </a:ext>
+                </a:extLst>
+              </p:cNvPr>
+              <p:cNvSpPr txBox="1">
+                <a:spLocks noRot="1" noChangeAspect="1" noMove="1" noResize="1" noEditPoints="1" noAdjustHandles="1" noChangeArrowheads="1" noChangeShapeType="1" noTextEdit="1"/>
+              </p:cNvSpPr>
+              <p:nvPr/>
+            </p:nvSpPr>
+            <p:spPr>
+              <a:xfrm>
+                <a:off x="3435760" y="938836"/>
+                <a:ext cx="5551648" cy="894347"/>
+              </a:xfrm>
+              <a:prstGeom prst="rect">
+                <a:avLst/>
+              </a:prstGeom>
+              <a:blipFill>
+                <a:blip r:embed="rId2"/>
+                <a:stretch>
+                  <a:fillRect/>
+                </a:stretch>
+              </a:blipFill>
+            </p:spPr>
+            <p:txBody>
+              <a:bodyPr/>
+              <a:lstStyle/>
+              <a:p>
+                <a:r>
+                  <a:rPr lang="en-US">
+                    <a:noFill/>
+                  </a:rPr>
+                  <a:t> </a:t>
+                </a:r>
+              </a:p>
+            </p:txBody>
+          </p:sp>
+        </mc:Fallback>
+      </mc:AlternateContent>
+      <mc:AlternateContent xmlns:mc="http://schemas.openxmlformats.org/markup-compatibility/2006">
+        <mc:Choice xmlns:a14="http://schemas.microsoft.com/office/drawing/2010/main" Requires="a14">
+          <p:sp>
+            <p:nvSpPr>
+              <p:cNvPr id="23" name="TextBox 22">
+                <a:extLst>
+                  <a:ext uri="{FF2B5EF4-FFF2-40B4-BE49-F238E27FC236}">
+                    <a16:creationId xmlns:a16="http://schemas.microsoft.com/office/drawing/2014/main" id="{A0BB4662-EF13-870A-EE70-0DAFE5F3EE05}"/>
+                  </a:ext>
+                </a:extLst>
+              </p:cNvPr>
+              <p:cNvSpPr txBox="1"/>
+              <p:nvPr/>
+            </p:nvSpPr>
+            <p:spPr>
+              <a:xfrm>
+                <a:off x="673128" y="1914921"/>
+                <a:ext cx="11301984" cy="964367"/>
+              </a:xfrm>
+              <a:prstGeom prst="rect">
+                <a:avLst/>
+              </a:prstGeom>
+              <a:noFill/>
+            </p:spPr>
+            <p:txBody>
+              <a:bodyPr wrap="square">
+                <a:spAutoFit/>
+              </a:bodyPr>
+              <a:lstStyle/>
+              <a:p>
+                <a:pPr>
+                  <a:lnSpc>
+                    <a:spcPct val="150000"/>
+                  </a:lnSpc>
+                </a:pPr>
+                <a:r>
+                  <a:rPr lang="en-US" sz="2000">
+                    <a:latin typeface="Roboto" panose="02000000000000000000" pitchFamily="2" charset="0"/>
+                    <a:ea typeface="Roboto" panose="02000000000000000000" pitchFamily="2" charset="0"/>
+                  </a:rPr>
+                  <a:t>Với: 	</a:t>
+                </a:r>
+                <a14:m>
+                  <m:oMath xmlns:m="http://schemas.openxmlformats.org/officeDocument/2006/math">
+                    <m:r>
+                      <a:rPr lang="en-US" sz="2000" i="1" smtClean="0">
+                        <a:latin typeface="Cambria Math" panose="02040503050406030204" pitchFamily="18" charset="0"/>
+                        <a:ea typeface="Roboto" panose="02000000000000000000" pitchFamily="2" charset="0"/>
+                      </a:rPr>
+                      <m:t>𝑝</m:t>
+                    </m:r>
+                    <m:r>
+                      <a:rPr lang="en-US" sz="2000" i="1" smtClean="0">
+                        <a:latin typeface="Cambria Math" panose="02040503050406030204" pitchFamily="18" charset="0"/>
+                        <a:ea typeface="Roboto" panose="02000000000000000000" pitchFamily="2" charset="0"/>
+                      </a:rPr>
+                      <m:t>(</m:t>
+                    </m:r>
+                    <m:r>
+                      <a:rPr lang="en-US" sz="2000" i="1" smtClean="0">
+                        <a:latin typeface="Cambria Math" panose="02040503050406030204" pitchFamily="18" charset="0"/>
+                        <a:ea typeface="Roboto" panose="02000000000000000000" pitchFamily="2" charset="0"/>
+                      </a:rPr>
+                      <m:t>𝑥</m:t>
+                    </m:r>
+                    <m:r>
+                      <a:rPr lang="en-US" sz="2000" i="1" smtClean="0">
+                        <a:latin typeface="Cambria Math" panose="02040503050406030204" pitchFamily="18" charset="0"/>
+                        <a:ea typeface="Roboto" panose="02000000000000000000" pitchFamily="2" charset="0"/>
+                      </a:rPr>
+                      <m:t>)</m:t>
+                    </m:r>
+                  </m:oMath>
+                </a14:m>
+                <a:r>
+                  <a:rPr lang="en-US" sz="2000">
+                    <a:latin typeface="Roboto" panose="02000000000000000000" pitchFamily="2" charset="0"/>
+                    <a:ea typeface="Roboto" panose="02000000000000000000" pitchFamily="2" charset="0"/>
+                  </a:rPr>
+                  <a:t> là xác suất thực sự của một sự kiện </a:t>
+                </a:r>
+                <a14:m>
+                  <m:oMath xmlns:m="http://schemas.openxmlformats.org/officeDocument/2006/math">
+                    <m:r>
+                      <a:rPr lang="en-US" sz="2000" i="1" smtClean="0">
+                        <a:latin typeface="Cambria Math" panose="02040503050406030204" pitchFamily="18" charset="0"/>
+                        <a:ea typeface="Roboto" panose="02000000000000000000" pitchFamily="2" charset="0"/>
+                      </a:rPr>
+                      <m:t>𝑥</m:t>
+                    </m:r>
+                  </m:oMath>
+                </a14:m>
+                <a:r>
+                  <a:rPr lang="en-US" sz="2000">
+                    <a:latin typeface="Roboto" panose="02000000000000000000" pitchFamily="2" charset="0"/>
+                    <a:ea typeface="Roboto" panose="02000000000000000000" pitchFamily="2" charset="0"/>
+                  </a:rPr>
+                  <a:t> xảy ra.</a:t>
+                </a:r>
+              </a:p>
+              <a:p>
+                <a:pPr>
+                  <a:lnSpc>
+                    <a:spcPct val="150000"/>
+                  </a:lnSpc>
+                </a:pPr>
+                <a:r>
+                  <a:rPr lang="en-US" sz="2000">
+                    <a:latin typeface="Roboto" panose="02000000000000000000" pitchFamily="2" charset="0"/>
+                    <a:ea typeface="Roboto" panose="02000000000000000000" pitchFamily="2" charset="0"/>
+                  </a:rPr>
+                  <a:t>	</a:t>
+                </a:r>
+                <a14:m>
+                  <m:oMath xmlns:m="http://schemas.openxmlformats.org/officeDocument/2006/math">
+                    <m:r>
+                      <a:rPr lang="en-US" sz="2000" i="1" smtClean="0">
+                        <a:latin typeface="Cambria Math" panose="02040503050406030204" pitchFamily="18" charset="0"/>
+                        <a:ea typeface="Roboto" panose="02000000000000000000" pitchFamily="2" charset="0"/>
+                      </a:rPr>
+                      <m:t>𝑞</m:t>
+                    </m:r>
+                    <m:r>
+                      <a:rPr lang="en-US" sz="2000" i="1" smtClean="0">
+                        <a:latin typeface="Cambria Math" panose="02040503050406030204" pitchFamily="18" charset="0"/>
+                        <a:ea typeface="Roboto" panose="02000000000000000000" pitchFamily="2" charset="0"/>
+                      </a:rPr>
+                      <m:t>(</m:t>
+                    </m:r>
+                    <m:r>
+                      <a:rPr lang="en-US" sz="2000" i="1" smtClean="0">
+                        <a:latin typeface="Cambria Math" panose="02040503050406030204" pitchFamily="18" charset="0"/>
+                        <a:ea typeface="Roboto" panose="02000000000000000000" pitchFamily="2" charset="0"/>
+                      </a:rPr>
+                      <m:t>𝑥</m:t>
+                    </m:r>
+                    <m:r>
+                      <a:rPr lang="en-US" sz="2000" i="1" smtClean="0">
+                        <a:latin typeface="Cambria Math" panose="02040503050406030204" pitchFamily="18" charset="0"/>
+                        <a:ea typeface="Roboto" panose="02000000000000000000" pitchFamily="2" charset="0"/>
+                      </a:rPr>
+                      <m:t>)</m:t>
+                    </m:r>
+                  </m:oMath>
+                </a14:m>
+                <a:r>
+                  <a:rPr lang="en-US" sz="2000">
+                    <a:latin typeface="Roboto" panose="02000000000000000000" pitchFamily="2" charset="0"/>
+                    <a:ea typeface="Roboto" panose="02000000000000000000" pitchFamily="2" charset="0"/>
+                  </a:rPr>
+                  <a:t> là xác suất ước tính của một sự kiện theo mô hình. </a:t>
+                </a:r>
+              </a:p>
+            </p:txBody>
+          </p:sp>
+        </mc:Choice>
+        <mc:Fallback>
+          <p:sp>
+            <p:nvSpPr>
+              <p:cNvPr id="23" name="TextBox 22">
+                <a:extLst>
+                  <a:ext uri="{FF2B5EF4-FFF2-40B4-BE49-F238E27FC236}">
+                    <a16:creationId xmlns:a16="http://schemas.microsoft.com/office/drawing/2014/main" id="{A0BB4662-EF13-870A-EE70-0DAFE5F3EE05}"/>
+                  </a:ext>
+                </a:extLst>
+              </p:cNvPr>
+              <p:cNvSpPr txBox="1">
+                <a:spLocks noRot="1" noChangeAspect="1" noMove="1" noResize="1" noEditPoints="1" noAdjustHandles="1" noChangeArrowheads="1" noChangeShapeType="1" noTextEdit="1"/>
+              </p:cNvSpPr>
+              <p:nvPr/>
+            </p:nvSpPr>
+            <p:spPr>
+              <a:xfrm>
+                <a:off x="673128" y="1914921"/>
+                <a:ext cx="11301984" cy="964367"/>
+              </a:xfrm>
+              <a:prstGeom prst="rect">
+                <a:avLst/>
+              </a:prstGeom>
+              <a:blipFill>
+                <a:blip r:embed="rId3"/>
+                <a:stretch>
+                  <a:fillRect l="-539" b="-10759"/>
+                </a:stretch>
+              </a:blipFill>
+            </p:spPr>
+            <p:txBody>
+              <a:bodyPr/>
+              <a:lstStyle/>
+              <a:p>
+                <a:r>
+                  <a:rPr lang="en-US">
+                    <a:noFill/>
+                  </a:rPr>
+                  <a:t> </a:t>
+                </a:r>
+              </a:p>
+            </p:txBody>
+          </p:sp>
+        </mc:Fallback>
+      </mc:AlternateContent>
+      <mc:AlternateContent xmlns:mc="http://schemas.openxmlformats.org/markup-compatibility/2006">
+        <mc:Choice xmlns:a14="http://schemas.microsoft.com/office/drawing/2010/main" Requires="a14">
+          <p:sp>
+            <p:nvSpPr>
+              <p:cNvPr id="2" name="TextBox 1">
+                <a:extLst>
+                  <a:ext uri="{FF2B5EF4-FFF2-40B4-BE49-F238E27FC236}">
+                    <a16:creationId xmlns:a16="http://schemas.microsoft.com/office/drawing/2014/main" id="{48D7A83B-EC35-FE77-C4F4-26DAAFFA331E}"/>
+                  </a:ext>
+                </a:extLst>
+              </p:cNvPr>
+              <p:cNvSpPr txBox="1"/>
+              <p:nvPr/>
+            </p:nvSpPr>
+            <p:spPr>
+              <a:xfrm>
+                <a:off x="673128" y="3073745"/>
+                <a:ext cx="11301984" cy="3323987"/>
+              </a:xfrm>
+              <a:prstGeom prst="rect">
+                <a:avLst/>
+              </a:prstGeom>
+              <a:noFill/>
+            </p:spPr>
+            <p:txBody>
+              <a:bodyPr wrap="square">
+                <a:spAutoFit/>
+              </a:bodyPr>
+              <a:lstStyle/>
+              <a:p>
+                <a:pPr marL="342900" indent="-342900">
+                  <a:lnSpc>
+                    <a:spcPct val="150000"/>
+                  </a:lnSpc>
+                  <a:buFont typeface="Arial" panose="020B0604020202020204" pitchFamily="34" charset="0"/>
+                  <a:buChar char="•"/>
+                </a:pPr>
+                <a:r>
+                  <a:rPr lang="en-US" sz="2000">
+                    <a:latin typeface="Roboto" panose="02000000000000000000" pitchFamily="2" charset="0"/>
+                    <a:ea typeface="Roboto" panose="02000000000000000000" pitchFamily="2" charset="0"/>
+                  </a:rPr>
+                  <a:t>Trong bài toán này, </a:t>
+                </a:r>
+                <a14:m>
+                  <m:oMath xmlns:m="http://schemas.openxmlformats.org/officeDocument/2006/math">
+                    <m:r>
+                      <a:rPr lang="en-US" sz="2000" i="1" smtClean="0">
+                        <a:latin typeface="Cambria Math" panose="02040503050406030204" pitchFamily="18" charset="0"/>
+                        <a:ea typeface="Roboto" panose="02000000000000000000" pitchFamily="2" charset="0"/>
+                      </a:rPr>
+                      <m:t>𝑝</m:t>
+                    </m:r>
+                    <m:r>
+                      <a:rPr lang="en-US" sz="2000" i="1" smtClean="0">
+                        <a:latin typeface="Cambria Math" panose="02040503050406030204" pitchFamily="18" charset="0"/>
+                        <a:ea typeface="Roboto" panose="02000000000000000000" pitchFamily="2" charset="0"/>
+                      </a:rPr>
+                      <m:t>(</m:t>
+                    </m:r>
+                    <m:r>
+                      <a:rPr lang="en-US" sz="2000" i="1" smtClean="0">
+                        <a:latin typeface="Cambria Math" panose="02040503050406030204" pitchFamily="18" charset="0"/>
+                        <a:ea typeface="Roboto" panose="02000000000000000000" pitchFamily="2" charset="0"/>
+                      </a:rPr>
+                      <m:t>𝑥</m:t>
+                    </m:r>
+                    <m:r>
+                      <a:rPr lang="en-US" sz="2000" i="1" smtClean="0">
+                        <a:latin typeface="Cambria Math" panose="02040503050406030204" pitchFamily="18" charset="0"/>
+                        <a:ea typeface="Roboto" panose="02000000000000000000" pitchFamily="2" charset="0"/>
+                      </a:rPr>
+                      <m:t>)</m:t>
+                    </m:r>
+                  </m:oMath>
+                </a14:m>
+                <a:r>
+                  <a:rPr lang="en-US" sz="2000">
+                    <a:latin typeface="Roboto" panose="02000000000000000000" pitchFamily="2" charset="0"/>
+                    <a:ea typeface="Roboto" panose="02000000000000000000" pitchFamily="2" charset="0"/>
+                  </a:rPr>
+                  <a:t> chính là nhãn được biểu diễn one-hot vector của các câu n-gram.</a:t>
+                </a:r>
+              </a:p>
+              <a:p>
+                <a:pPr marL="342900" indent="-342900">
+                  <a:lnSpc>
+                    <a:spcPct val="150000"/>
+                  </a:lnSpc>
+                  <a:buFont typeface="Arial" panose="020B0604020202020204" pitchFamily="34" charset="0"/>
+                  <a:buChar char="•"/>
+                </a:pPr>
+                <a:r>
+                  <a:rPr lang="en-US" sz="2000">
+                    <a:latin typeface="Roboto" panose="02000000000000000000" pitchFamily="2" charset="0"/>
+                    <a:ea typeface="Roboto" panose="02000000000000000000" pitchFamily="2" charset="0"/>
+                  </a:rPr>
+                  <a:t>Trong khi đó, </a:t>
+                </a:r>
+                <a14:m>
+                  <m:oMath xmlns:m="http://schemas.openxmlformats.org/officeDocument/2006/math">
+                    <m:r>
+                      <a:rPr lang="en-US" sz="2000" i="1" smtClean="0">
+                        <a:latin typeface="Cambria Math" panose="02040503050406030204" pitchFamily="18" charset="0"/>
+                        <a:ea typeface="Roboto" panose="02000000000000000000" pitchFamily="2" charset="0"/>
+                      </a:rPr>
+                      <m:t>𝑞</m:t>
+                    </m:r>
+                    <m:r>
+                      <a:rPr lang="en-US" sz="2000" i="1" smtClean="0">
+                        <a:latin typeface="Cambria Math" panose="02040503050406030204" pitchFamily="18" charset="0"/>
+                        <a:ea typeface="Roboto" panose="02000000000000000000" pitchFamily="2" charset="0"/>
+                      </a:rPr>
+                      <m:t>(</m:t>
+                    </m:r>
+                    <m:r>
+                      <a:rPr lang="en-US" sz="2000" i="1" smtClean="0">
+                        <a:latin typeface="Cambria Math" panose="02040503050406030204" pitchFamily="18" charset="0"/>
+                        <a:ea typeface="Roboto" panose="02000000000000000000" pitchFamily="2" charset="0"/>
+                      </a:rPr>
+                      <m:t>𝑥</m:t>
+                    </m:r>
+                    <m:r>
+                      <a:rPr lang="en-US" sz="2000" i="1" smtClean="0">
+                        <a:latin typeface="Cambria Math" panose="02040503050406030204" pitchFamily="18" charset="0"/>
+                        <a:ea typeface="Roboto" panose="02000000000000000000" pitchFamily="2" charset="0"/>
+                      </a:rPr>
+                      <m:t>)</m:t>
+                    </m:r>
+                  </m:oMath>
+                </a14:m>
+                <a:r>
+                  <a:rPr lang="en-US" sz="2000">
+                    <a:latin typeface="Roboto" panose="02000000000000000000" pitchFamily="2" charset="0"/>
+                    <a:ea typeface="Roboto" panose="02000000000000000000" pitchFamily="2" charset="0"/>
+                  </a:rPr>
+                  <a:t> là nhãn được dự đoán ra bởi các mô hình ngôn ngữ.</a:t>
+                </a:r>
+              </a:p>
+              <a:p>
+                <a:pPr marL="342900" indent="-342900">
+                  <a:lnSpc>
+                    <a:spcPct val="150000"/>
+                  </a:lnSpc>
+                  <a:buFont typeface="Arial" panose="020B0604020202020204" pitchFamily="34" charset="0"/>
+                  <a:buChar char="•"/>
+                </a:pPr>
+                <a:endParaRPr lang="en-US" sz="2000">
+                  <a:latin typeface="Roboto" panose="02000000000000000000" pitchFamily="2" charset="0"/>
+                  <a:ea typeface="Roboto" panose="02000000000000000000" pitchFamily="2" charset="0"/>
+                </a:endParaRPr>
+              </a:p>
+              <a:p>
+                <a:pPr marL="342900" indent="-342900">
+                  <a:lnSpc>
+                    <a:spcPct val="150000"/>
+                  </a:lnSpc>
+                  <a:buFont typeface="Arial" panose="020B0604020202020204" pitchFamily="34" charset="0"/>
+                  <a:buChar char="•"/>
+                </a:pPr>
+                <a:r>
+                  <a:rPr lang="en-US" sz="2000">
+                    <a:latin typeface="Roboto" panose="02000000000000000000" pitchFamily="2" charset="0"/>
+                    <a:ea typeface="Roboto" panose="02000000000000000000" pitchFamily="2" charset="0"/>
+                  </a:rPr>
+                  <a:t>Ví dụ: Ta xét dãy đã được mã hoá sau </a:t>
+                </a:r>
+                <a14:m>
+                  <m:oMath xmlns:m="http://schemas.openxmlformats.org/officeDocument/2006/math">
+                    <m:r>
+                      <a:rPr lang="en-US" sz="2000" i="1" smtClean="0">
+                        <a:latin typeface="Cambria Math" panose="02040503050406030204" pitchFamily="18" charset="0"/>
+                        <a:ea typeface="Roboto" panose="02000000000000000000" pitchFamily="2" charset="0"/>
+                      </a:rPr>
+                      <m:t>[2, 3, 10, 1, 3]</m:t>
+                    </m:r>
+                  </m:oMath>
+                </a14:m>
+                <a:r>
+                  <a:rPr lang="en-US" sz="2000">
+                    <a:latin typeface="Roboto" panose="02000000000000000000" pitchFamily="2" charset="0"/>
+                    <a:ea typeface="Roboto" panose="02000000000000000000" pitchFamily="2" charset="0"/>
+                  </a:rPr>
+                  <a:t> .</a:t>
+                </a:r>
+              </a:p>
+              <a:p>
+                <a:pPr marL="800100" lvl="1" indent="-342900">
+                  <a:lnSpc>
+                    <a:spcPct val="150000"/>
+                  </a:lnSpc>
+                  <a:buFont typeface="Arial" panose="020B0604020202020204" pitchFamily="34" charset="0"/>
+                  <a:buChar char="•"/>
+                </a:pPr>
+                <a:r>
+                  <a:rPr lang="en-US" sz="2000">
+                    <a:latin typeface="Roboto" panose="02000000000000000000" pitchFamily="2" charset="0"/>
+                    <a:ea typeface="Roboto" panose="02000000000000000000" pitchFamily="2" charset="0"/>
+                  </a:rPr>
+                  <a:t>Khi đó </a:t>
+                </a:r>
+                <a14:m>
+                  <m:oMath xmlns:m="http://schemas.openxmlformats.org/officeDocument/2006/math">
+                    <m:r>
+                      <a:rPr lang="en-US" sz="2000" i="1" smtClean="0">
+                        <a:latin typeface="Cambria Math" panose="02040503050406030204" pitchFamily="18" charset="0"/>
+                        <a:ea typeface="Roboto" panose="02000000000000000000" pitchFamily="2" charset="0"/>
+                      </a:rPr>
+                      <m:t>𝑋</m:t>
+                    </m:r>
+                    <m:r>
+                      <a:rPr lang="en-US" sz="2000" i="1" smtClean="0">
+                        <a:latin typeface="Cambria Math" panose="02040503050406030204" pitchFamily="18" charset="0"/>
+                        <a:ea typeface="Roboto" panose="02000000000000000000" pitchFamily="2" charset="0"/>
+                      </a:rPr>
+                      <m:t> = [2, 3, 10, 1] </m:t>
+                    </m:r>
+                  </m:oMath>
+                </a14:m>
+                <a:r>
+                  <a:rPr lang="en-US" sz="2000">
+                    <a:latin typeface="Roboto" panose="02000000000000000000" pitchFamily="2" charset="0"/>
+                    <a:ea typeface="Roboto" panose="02000000000000000000" pitchFamily="2" charset="0"/>
+                  </a:rPr>
+                  <a:t>và </a:t>
+                </a:r>
+                <a14:m>
+                  <m:oMath xmlns:m="http://schemas.openxmlformats.org/officeDocument/2006/math">
+                    <m:r>
+                      <a:rPr lang="en-US" sz="2000" i="1" smtClean="0">
+                        <a:latin typeface="Cambria Math" panose="02040503050406030204" pitchFamily="18" charset="0"/>
+                        <a:ea typeface="Roboto" panose="02000000000000000000" pitchFamily="2" charset="0"/>
+                      </a:rPr>
+                      <m:t>𝑦</m:t>
+                    </m:r>
+                    <m:r>
+                      <a:rPr lang="en-US" sz="2000" i="1" smtClean="0">
+                        <a:latin typeface="Cambria Math" panose="02040503050406030204" pitchFamily="18" charset="0"/>
+                        <a:ea typeface="Roboto" panose="02000000000000000000" pitchFamily="2" charset="0"/>
+                      </a:rPr>
+                      <m:t> = [3]</m:t>
+                    </m:r>
+                  </m:oMath>
+                </a14:m>
+                <a:r>
+                  <a:rPr lang="en-US" sz="2000">
+                    <a:latin typeface="Roboto" panose="02000000000000000000" pitchFamily="2" charset="0"/>
+                    <a:ea typeface="Roboto" panose="02000000000000000000" pitchFamily="2" charset="0"/>
+                  </a:rPr>
+                  <a:t>.</a:t>
+                </a:r>
+              </a:p>
+              <a:p>
+                <a:pPr marL="800100" lvl="1" indent="-342900">
+                  <a:lnSpc>
+                    <a:spcPct val="150000"/>
+                  </a:lnSpc>
+                  <a:buFont typeface="Arial" panose="020B0604020202020204" pitchFamily="34" charset="0"/>
+                  <a:buChar char="•"/>
+                </a:pPr>
+                <a14:m>
+                  <m:oMath xmlns:m="http://schemas.openxmlformats.org/officeDocument/2006/math">
+                    <m:r>
+                      <a:rPr lang="en-US" sz="2000" i="1" smtClean="0">
+                        <a:latin typeface="Cambria Math" panose="02040503050406030204" pitchFamily="18" charset="0"/>
+                        <a:ea typeface="Roboto" panose="02000000000000000000" pitchFamily="2" charset="0"/>
+                      </a:rPr>
+                      <m:t>𝑃</m:t>
+                    </m:r>
+                    <m:r>
+                      <a:rPr lang="en-US" sz="2000" i="1" smtClean="0">
+                        <a:latin typeface="Cambria Math" panose="02040503050406030204" pitchFamily="18" charset="0"/>
+                        <a:ea typeface="Roboto" panose="02000000000000000000" pitchFamily="2" charset="0"/>
+                      </a:rPr>
+                      <m:t>(</m:t>
+                    </m:r>
+                    <m:r>
+                      <a:rPr lang="en-US" sz="2000" i="1" smtClean="0">
+                        <a:latin typeface="Cambria Math" panose="02040503050406030204" pitchFamily="18" charset="0"/>
+                        <a:ea typeface="Roboto" panose="02000000000000000000" pitchFamily="2" charset="0"/>
+                      </a:rPr>
+                      <m:t>𝑥</m:t>
+                    </m:r>
+                    <m:r>
+                      <a:rPr lang="en-US" sz="2000" i="1" smtClean="0">
+                        <a:latin typeface="Cambria Math" panose="02040503050406030204" pitchFamily="18" charset="0"/>
+                        <a:ea typeface="Roboto" panose="02000000000000000000" pitchFamily="2" charset="0"/>
+                      </a:rPr>
+                      <m:t>)</m:t>
+                    </m:r>
+                  </m:oMath>
+                </a14:m>
+                <a:r>
+                  <a:rPr lang="en-US" sz="2000">
+                    <a:latin typeface="Roboto" panose="02000000000000000000" pitchFamily="2" charset="0"/>
+                    <a:ea typeface="Roboto" panose="02000000000000000000" pitchFamily="2" charset="0"/>
+                  </a:rPr>
+                  <a:t> là biểu diễn one-hot vector của </a:t>
+                </a:r>
+                <a14:m>
+                  <m:oMath xmlns:m="http://schemas.openxmlformats.org/officeDocument/2006/math">
+                    <m:r>
+                      <a:rPr lang="en-US" sz="2000" i="1" smtClean="0">
+                        <a:latin typeface="Cambria Math" panose="02040503050406030204" pitchFamily="18" charset="0"/>
+                        <a:ea typeface="Roboto" panose="02000000000000000000" pitchFamily="2" charset="0"/>
+                      </a:rPr>
+                      <m:t>𝑦</m:t>
+                    </m:r>
+                    <m:r>
+                      <a:rPr lang="en-US" sz="2000" i="1" smtClean="0">
+                        <a:latin typeface="Cambria Math" panose="02040503050406030204" pitchFamily="18" charset="0"/>
+                        <a:ea typeface="Roboto" panose="02000000000000000000" pitchFamily="2" charset="0"/>
+                      </a:rPr>
+                      <m:t> = [3]</m:t>
+                    </m:r>
+                  </m:oMath>
+                </a14:m>
+                <a:r>
+                  <a:rPr lang="en-US" sz="2000">
+                    <a:latin typeface="Roboto" panose="02000000000000000000" pitchFamily="2" charset="0"/>
+                    <a:ea typeface="Roboto" panose="02000000000000000000" pitchFamily="2" charset="0"/>
+                  </a:rPr>
+                  <a:t>.</a:t>
+                </a:r>
+              </a:p>
+              <a:p>
+                <a:pPr marL="800100" lvl="1" indent="-342900">
+                  <a:lnSpc>
+                    <a:spcPct val="150000"/>
+                  </a:lnSpc>
+                  <a:buFont typeface="Arial" panose="020B0604020202020204" pitchFamily="34" charset="0"/>
+                  <a:buChar char="•"/>
+                </a:pPr>
+                <a14:m>
+                  <m:oMath xmlns:m="http://schemas.openxmlformats.org/officeDocument/2006/math">
+                    <m:r>
+                      <a:rPr lang="en-US" sz="2000" i="1" smtClean="0">
+                        <a:latin typeface="Cambria Math" panose="02040503050406030204" pitchFamily="18" charset="0"/>
+                        <a:ea typeface="Roboto" panose="02000000000000000000" pitchFamily="2" charset="0"/>
+                      </a:rPr>
+                      <m:t>𝑃</m:t>
+                    </m:r>
+                    <m:r>
+                      <a:rPr lang="en-US" sz="2000" i="1" smtClean="0">
+                        <a:latin typeface="Cambria Math" panose="02040503050406030204" pitchFamily="18" charset="0"/>
+                        <a:ea typeface="Roboto" panose="02000000000000000000" pitchFamily="2" charset="0"/>
+                      </a:rPr>
+                      <m:t>(</m:t>
+                    </m:r>
+                    <m:r>
+                      <a:rPr lang="en-US" sz="2000" i="1" smtClean="0">
+                        <a:latin typeface="Cambria Math" panose="02040503050406030204" pitchFamily="18" charset="0"/>
+                        <a:ea typeface="Roboto" panose="02000000000000000000" pitchFamily="2" charset="0"/>
+                      </a:rPr>
+                      <m:t>𝑥</m:t>
+                    </m:r>
+                    <m:r>
+                      <a:rPr lang="en-US" sz="2000" i="1" smtClean="0">
+                        <a:latin typeface="Cambria Math" panose="02040503050406030204" pitchFamily="18" charset="0"/>
+                        <a:ea typeface="Roboto" panose="02000000000000000000" pitchFamily="2" charset="0"/>
+                      </a:rPr>
+                      <m:t>) = [0 0 0 1 0 …. 0 0]</m:t>
+                    </m:r>
+                  </m:oMath>
+                </a14:m>
+                <a:endParaRPr lang="en-US" sz="2000">
+                  <a:latin typeface="Roboto" panose="02000000000000000000" pitchFamily="2" charset="0"/>
+                  <a:ea typeface="Roboto" panose="02000000000000000000" pitchFamily="2" charset="0"/>
+                </a:endParaRPr>
+              </a:p>
+            </p:txBody>
+          </p:sp>
+        </mc:Choice>
+        <mc:Fallback>
+          <p:sp>
+            <p:nvSpPr>
+              <p:cNvPr id="2" name="TextBox 1">
+                <a:extLst>
+                  <a:ext uri="{FF2B5EF4-FFF2-40B4-BE49-F238E27FC236}">
+                    <a16:creationId xmlns:a16="http://schemas.microsoft.com/office/drawing/2014/main" id="{48D7A83B-EC35-FE77-C4F4-26DAAFFA331E}"/>
+                  </a:ext>
+                </a:extLst>
+              </p:cNvPr>
+              <p:cNvSpPr txBox="1">
+                <a:spLocks noRot="1" noChangeAspect="1" noMove="1" noResize="1" noEditPoints="1" noAdjustHandles="1" noChangeArrowheads="1" noChangeShapeType="1" noTextEdit="1"/>
+              </p:cNvSpPr>
+              <p:nvPr/>
+            </p:nvSpPr>
+            <p:spPr>
+              <a:xfrm>
+                <a:off x="673128" y="3073745"/>
+                <a:ext cx="11301984" cy="3323987"/>
+              </a:xfrm>
+              <a:prstGeom prst="rect">
+                <a:avLst/>
+              </a:prstGeom>
+              <a:blipFill>
+                <a:blip r:embed="rId4"/>
+                <a:stretch>
+                  <a:fillRect l="-485" b="-367"/>
+                </a:stretch>
+              </a:blipFill>
+            </p:spPr>
+            <p:txBody>
+              <a:bodyPr/>
+              <a:lstStyle/>
+              <a:p>
+                <a:r>
+                  <a:rPr lang="en-US">
+                    <a:noFill/>
+                  </a:rPr>
+                  <a:t> </a:t>
+                </a:r>
+              </a:p>
+            </p:txBody>
+          </p:sp>
+        </mc:Fallback>
+      </mc:AlternateContent>
+    </p:spTree>
+    <p:extLst>
+      <p:ext uri="{BB962C8B-B14F-4D97-AF65-F5344CB8AC3E}">
+        <p14:creationId xmlns:p14="http://schemas.microsoft.com/office/powerpoint/2010/main" val="4237766976"/>
+      </p:ext>
+    </p:extLst>
+  </p:cSld>
+  <p:clrMapOvr>
+    <a:masterClrMapping/>
+  </p:clrMapOvr>
+  <p:transition spd="slow">
+    <p:push dir="u"/>
+  </p:transition>
+</p:sld>
+</file>
+
+<file path=ppt/slides/slide45.xml><?xml version="1.0" encoding="utf-8"?>
+<p:sld xmlns:a="http://schemas.openxmlformats.org/drawingml/2006/main" xmlns:r="http://schemas.openxmlformats.org/officeDocument/2006/relationships" xmlns:p="http://schemas.openxmlformats.org/presentationml/2006/main">
+  <p:cSld>
+    <p:spTree>
+      <p:nvGrpSpPr>
+        <p:cNvPr id="1" name=""/>
+        <p:cNvGrpSpPr/>
+        <p:nvPr/>
+      </p:nvGrpSpPr>
+      <p:grpSpPr>
+        <a:xfrm>
+          <a:off x="0" y="0"/>
+          <a:ext cx="0" cy="0"/>
+          <a:chOff x="0" y="0"/>
+          <a:chExt cx="0" cy="0"/>
+        </a:xfrm>
+      </p:grpSpPr>
+      <p:sp>
+        <p:nvSpPr>
           <p:cNvPr id="180" name="PlaceHolder 1"/>
           <p:cNvSpPr>
             <a:spLocks noGrp="1"/>
@@ -38267,7 +40087,7 @@
                 <a:latin typeface="Roboto"/>
                 <a:ea typeface="Roboto"/>
               </a:rPr>
-              <a:t>43</a:t>
+              <a:t>45</a:t>
             </a:fld>
             <a:endParaRPr lang="en-US" sz="2400" b="0" strike="noStrike" spc="-1">
               <a:solidFill>
@@ -38629,6 +40449,265 @@
           </a:p>
         </p:txBody>
       </p:sp>
+      <p:sp>
+        <p:nvSpPr>
+          <p:cNvPr id="3" name="TextBox 8">
+            <a:extLst>
+              <a:ext uri="{FF2B5EF4-FFF2-40B4-BE49-F238E27FC236}">
+                <a16:creationId xmlns:a16="http://schemas.microsoft.com/office/drawing/2014/main" id="{BDF5F9CF-DD84-ECE6-5CB1-B76D2BC04CD4}"/>
+              </a:ext>
+            </a:extLst>
+          </p:cNvPr>
+          <p:cNvSpPr/>
+          <p:nvPr/>
+        </p:nvSpPr>
+        <p:spPr>
+          <a:xfrm>
+            <a:off x="460800" y="1884033"/>
+            <a:ext cx="10292544" cy="2808418"/>
+          </a:xfrm>
+          <a:prstGeom prst="rect">
+            <a:avLst/>
+          </a:prstGeom>
+          <a:noFill/>
+          <a:ln w="0">
+            <a:noFill/>
+          </a:ln>
+        </p:spPr>
+        <p:style>
+          <a:lnRef idx="0">
+            <a:scrgbClr r="0" g="0" b="0"/>
+          </a:lnRef>
+          <a:fillRef idx="0">
+            <a:scrgbClr r="0" g="0" b="0"/>
+          </a:fillRef>
+          <a:effectRef idx="0">
+            <a:scrgbClr r="0" g="0" b="0"/>
+          </a:effectRef>
+          <a:fontRef idx="minor"/>
+        </p:style>
+        <p:txBody>
+          <a:bodyPr wrap="square" lIns="90000" tIns="45000" rIns="90000" bIns="45000" anchor="t">
+            <a:spAutoFit/>
+          </a:bodyPr>
+          <a:lstStyle/>
+          <a:p>
+            <a:pPr lvl="1">
+              <a:lnSpc>
+                <a:spcPct val="150000"/>
+              </a:lnSpc>
+              <a:buClr>
+                <a:srgbClr val="000000"/>
+              </a:buClr>
+            </a:pPr>
+            <a:r>
+              <a:rPr lang="en-US" sz="2000" spc="-1">
+                <a:solidFill>
+                  <a:srgbClr val="000000"/>
+                </a:solidFill>
+                <a:latin typeface="Roboto" panose="02000000000000000000" pitchFamily="2" charset="0"/>
+                <a:ea typeface="Roboto" panose="02000000000000000000" pitchFamily="2" charset="0"/>
+              </a:rPr>
+              <a:t>Một số kết quả dự đoán từ tiếp theo:</a:t>
+            </a:r>
+          </a:p>
+          <a:p>
+            <a:pPr marL="800100" lvl="1" indent="-342900">
+              <a:lnSpc>
+                <a:spcPct val="150000"/>
+              </a:lnSpc>
+              <a:buClr>
+                <a:srgbClr val="000000"/>
+              </a:buClr>
+              <a:buFont typeface="Arial" panose="020B0604020202020204" pitchFamily="34" charset="0"/>
+              <a:buChar char="•"/>
+            </a:pPr>
+            <a:r>
+              <a:rPr lang="en-US" sz="2000" spc="-1">
+                <a:solidFill>
+                  <a:srgbClr val="000000"/>
+                </a:solidFill>
+                <a:latin typeface="Roboto" panose="02000000000000000000" pitchFamily="2" charset="0"/>
+                <a:ea typeface="Roboto" panose="02000000000000000000" pitchFamily="2" charset="0"/>
+              </a:rPr>
+              <a:t>“</a:t>
+            </a:r>
+            <a:r>
+              <a:rPr lang="vi-VN" sz="2000" spc="-1">
+                <a:solidFill>
+                  <a:srgbClr val="000000"/>
+                </a:solidFill>
+                <a:latin typeface="Roboto" panose="02000000000000000000" pitchFamily="2" charset="0"/>
+                <a:ea typeface="Roboto" panose="02000000000000000000" pitchFamily="2" charset="0"/>
+              </a:rPr>
+              <a:t>đám cưới miễn phí cho người khuyết</a:t>
+            </a:r>
+            <a:r>
+              <a:rPr lang="en-US" sz="2000" spc="-1">
+                <a:solidFill>
+                  <a:srgbClr val="000000"/>
+                </a:solidFill>
+                <a:latin typeface="Roboto" panose="02000000000000000000" pitchFamily="2" charset="0"/>
+                <a:ea typeface="Roboto" panose="02000000000000000000" pitchFamily="2" charset="0"/>
+              </a:rPr>
+              <a:t>” </a:t>
+            </a:r>
+            <a:r>
+              <a:rPr lang="en-US" sz="2000" spc="-1">
+                <a:solidFill>
+                  <a:srgbClr val="000000"/>
+                </a:solidFill>
+                <a:latin typeface="Roboto" panose="02000000000000000000" pitchFamily="2" charset="0"/>
+                <a:ea typeface="Roboto" panose="02000000000000000000" pitchFamily="2" charset="0"/>
+                <a:sym typeface="Wingdings" panose="05000000000000000000" pitchFamily="2" charset="2"/>
+              </a:rPr>
+              <a:t> “tật”</a:t>
+            </a:r>
+          </a:p>
+          <a:p>
+            <a:pPr marL="800100" lvl="1" indent="-342900">
+              <a:lnSpc>
+                <a:spcPct val="150000"/>
+              </a:lnSpc>
+              <a:buClr>
+                <a:srgbClr val="000000"/>
+              </a:buClr>
+              <a:buFont typeface="Arial" panose="020B0604020202020204" pitchFamily="34" charset="0"/>
+              <a:buChar char="•"/>
+            </a:pPr>
+            <a:r>
+              <a:rPr lang="vi-VN" sz="2000" spc="-1">
+                <a:solidFill>
+                  <a:srgbClr val="000000"/>
+                </a:solidFill>
+                <a:latin typeface="Roboto" panose="02000000000000000000" pitchFamily="2" charset="0"/>
+                <a:ea typeface="Roboto" panose="02000000000000000000" pitchFamily="2" charset="0"/>
+              </a:rPr>
+              <a:t>"bệnh viện trưng vương“</a:t>
+            </a:r>
+            <a:r>
+              <a:rPr lang="en-US" sz="2000" spc="-1">
+                <a:solidFill>
+                  <a:srgbClr val="000000"/>
+                </a:solidFill>
+                <a:latin typeface="Roboto" panose="02000000000000000000" pitchFamily="2" charset="0"/>
+                <a:ea typeface="Roboto" panose="02000000000000000000" pitchFamily="2" charset="0"/>
+                <a:sym typeface="Wingdings" panose="05000000000000000000" pitchFamily="2" charset="2"/>
+              </a:rPr>
+              <a:t>  “và”</a:t>
+            </a:r>
+          </a:p>
+          <a:p>
+            <a:pPr marL="800100" lvl="1" indent="-342900">
+              <a:lnSpc>
+                <a:spcPct val="150000"/>
+              </a:lnSpc>
+              <a:buClr>
+                <a:srgbClr val="000000"/>
+              </a:buClr>
+              <a:buFont typeface="Arial" panose="020B0604020202020204" pitchFamily="34" charset="0"/>
+              <a:buChar char="•"/>
+            </a:pPr>
+            <a:r>
+              <a:rPr lang="en-US" sz="2000" spc="-1">
+                <a:solidFill>
+                  <a:srgbClr val="000000"/>
+                </a:solidFill>
+                <a:latin typeface="Roboto" panose="02000000000000000000" pitchFamily="2" charset="0"/>
+                <a:ea typeface="Roboto" panose="02000000000000000000" pitchFamily="2" charset="0"/>
+              </a:rPr>
+              <a:t>"tuy nhiên theo kết quả kiểm tra thì nhiều sản“</a:t>
+            </a:r>
+            <a:r>
+              <a:rPr lang="en-US" sz="2000" spc="-1">
+                <a:solidFill>
+                  <a:srgbClr val="000000"/>
+                </a:solidFill>
+                <a:latin typeface="Roboto" panose="02000000000000000000" pitchFamily="2" charset="0"/>
+                <a:ea typeface="Roboto" panose="02000000000000000000" pitchFamily="2" charset="0"/>
+                <a:sym typeface="Wingdings" panose="05000000000000000000" pitchFamily="2" charset="2"/>
+              </a:rPr>
+              <a:t>  “phẩm”</a:t>
+            </a:r>
+          </a:p>
+          <a:p>
+            <a:pPr marL="800100" lvl="1" indent="-342900">
+              <a:lnSpc>
+                <a:spcPct val="150000"/>
+              </a:lnSpc>
+              <a:buClr>
+                <a:srgbClr val="000000"/>
+              </a:buClr>
+              <a:buFont typeface="Arial" panose="020B0604020202020204" pitchFamily="34" charset="0"/>
+              <a:buChar char="•"/>
+            </a:pPr>
+            <a:r>
+              <a:rPr lang="en-US" sz="2000" spc="-1">
+                <a:solidFill>
+                  <a:srgbClr val="000000"/>
+                </a:solidFill>
+                <a:latin typeface="Roboto" panose="02000000000000000000" pitchFamily="2" charset="0"/>
+                <a:ea typeface="Roboto" panose="02000000000000000000" pitchFamily="2" charset="0"/>
+              </a:rPr>
+              <a:t>"thể thao hai miền triều tiên sẽ hợp“</a:t>
+            </a:r>
+            <a:r>
+              <a:rPr lang="en-US" sz="2000" spc="-1">
+                <a:solidFill>
+                  <a:srgbClr val="000000"/>
+                </a:solidFill>
+                <a:latin typeface="Roboto" panose="02000000000000000000" pitchFamily="2" charset="0"/>
+                <a:ea typeface="Roboto" panose="02000000000000000000" pitchFamily="2" charset="0"/>
+                <a:sym typeface="Wingdings" panose="05000000000000000000" pitchFamily="2" charset="2"/>
+              </a:rPr>
+              <a:t>  “tác”</a:t>
+            </a:r>
+          </a:p>
+          <a:p>
+            <a:pPr marL="800100" lvl="1" indent="-342900">
+              <a:lnSpc>
+                <a:spcPct val="150000"/>
+              </a:lnSpc>
+              <a:buClr>
+                <a:srgbClr val="000000"/>
+              </a:buClr>
+              <a:buFont typeface="Arial" panose="020B0604020202020204" pitchFamily="34" charset="0"/>
+              <a:buChar char="•"/>
+            </a:pPr>
+            <a:r>
+              <a:rPr lang="en-US" sz="2000" spc="-1">
+                <a:solidFill>
+                  <a:srgbClr val="000000"/>
+                </a:solidFill>
+                <a:latin typeface="Roboto" panose="02000000000000000000" pitchFamily="2" charset="0"/>
+                <a:ea typeface="Roboto" panose="02000000000000000000" pitchFamily="2" charset="0"/>
+              </a:rPr>
+              <a:t>"xét nghiệm ban đầu của tổ chức y tế thế giới cho thấy bé“</a:t>
+            </a:r>
+            <a:r>
+              <a:rPr lang="en-US" sz="2000" spc="-1">
+                <a:solidFill>
+                  <a:srgbClr val="000000"/>
+                </a:solidFill>
+                <a:latin typeface="Roboto" panose="02000000000000000000" pitchFamily="2" charset="0"/>
+                <a:ea typeface="Roboto" panose="02000000000000000000" pitchFamily="2" charset="0"/>
+                <a:sym typeface="Wingdings" panose="05000000000000000000" pitchFamily="2" charset="2"/>
+              </a:rPr>
+              <a:t>  “rất” </a:t>
+            </a:r>
+            <a:r>
+              <a:rPr lang="en-US" sz="2000" spc="-1">
+                <a:solidFill>
+                  <a:srgbClr val="000000"/>
+                </a:solidFill>
+                <a:latin typeface="Roboto" panose="02000000000000000000" pitchFamily="2" charset="0"/>
+                <a:ea typeface="Roboto" panose="02000000000000000000" pitchFamily="2" charset="0"/>
+              </a:rPr>
+              <a:t> </a:t>
+            </a:r>
+          </a:p>
+        </p:txBody>
+      </p:sp>
     </p:spTree>
     <p:extLst>
       <p:ext uri="{BB962C8B-B14F-4D97-AF65-F5344CB8AC3E}">
@@ -38645,7 +40724,7 @@
 </p:sld>
 </file>
 
-<file path=ppt/slides/slide44.xml><?xml version="1.0" encoding="utf-8"?>
+<file path=ppt/slides/slide46.xml><?xml version="1.0" encoding="utf-8"?>
 <p:sld xmlns:a="http://schemas.openxmlformats.org/drawingml/2006/main" xmlns:r="http://schemas.openxmlformats.org/officeDocument/2006/relationships" xmlns:p="http://schemas.openxmlformats.org/presentationml/2006/main">
   <p:cSld>
     <p:spTree>
@@ -38719,7 +40798,7 @@
                 <a:latin typeface="Roboto"/>
                 <a:ea typeface="Roboto"/>
               </a:rPr>
-              <a:t>44</a:t>
+              <a:t>46</a:t>
             </a:fld>
             <a:endParaRPr lang="en-US" sz="2400" b="0" strike="noStrike" spc="-1">
               <a:solidFill>
@@ -39223,7 +41302,7 @@
 </p:sld>
 </file>
 
-<file path=ppt/slides/slide45.xml><?xml version="1.0" encoding="utf-8"?>
+<file path=ppt/slides/slide47.xml><?xml version="1.0" encoding="utf-8"?>
 <p:sld xmlns:a="http://schemas.openxmlformats.org/drawingml/2006/main" xmlns:r="http://schemas.openxmlformats.org/officeDocument/2006/relationships" xmlns:p="http://schemas.openxmlformats.org/presentationml/2006/main">
   <p:cSld>
     <p:spTree>
@@ -39297,7 +41376,7 @@
                 <a:latin typeface="Roboto"/>
                 <a:ea typeface="Roboto"/>
               </a:rPr>
-              <a:t>45</a:t>
+              <a:t>47</a:t>
             </a:fld>
             <a:endParaRPr lang="en-US" sz="2400" b="0" strike="noStrike" spc="-1">
               <a:solidFill>
@@ -39659,6 +41738,78 @@
           </a:p>
         </p:txBody>
       </p:sp>
+      <p:pic>
+        <p:nvPicPr>
+          <p:cNvPr id="4" name="Picture 3">
+            <a:extLst>
+              <a:ext uri="{FF2B5EF4-FFF2-40B4-BE49-F238E27FC236}">
+                <a16:creationId xmlns:a16="http://schemas.microsoft.com/office/drawing/2014/main" id="{CDC0A007-5F37-EDFD-BD90-011BC2DBD770}"/>
+              </a:ext>
+            </a:extLst>
+          </p:cNvPr>
+          <p:cNvPicPr>
+            <a:picLocks noChangeAspect="1"/>
+          </p:cNvPicPr>
+          <p:nvPr/>
+        </p:nvPicPr>
+        <p:blipFill>
+          <a:blip r:embed="rId2">
+            <a:extLst>
+              <a:ext uri="{28A0092B-C50C-407E-A947-70E740481C1C}">
+                <a14:useLocalDpi xmlns:a14="http://schemas.microsoft.com/office/drawing/2010/main" val="0"/>
+              </a:ext>
+            </a:extLst>
+          </a:blip>
+          <a:stretch>
+            <a:fillRect/>
+          </a:stretch>
+        </p:blipFill>
+        <p:spPr>
+          <a:xfrm>
+            <a:off x="906912" y="1975473"/>
+            <a:ext cx="5266954" cy="3950216"/>
+          </a:xfrm>
+          <a:prstGeom prst="rect">
+            <a:avLst/>
+          </a:prstGeom>
+        </p:spPr>
+      </p:pic>
+      <p:pic>
+        <p:nvPicPr>
+          <p:cNvPr id="7" name="Picture 6">
+            <a:extLst>
+              <a:ext uri="{FF2B5EF4-FFF2-40B4-BE49-F238E27FC236}">
+                <a16:creationId xmlns:a16="http://schemas.microsoft.com/office/drawing/2014/main" id="{71264253-B89F-1FFA-214B-5A1184ABBDBE}"/>
+              </a:ext>
+            </a:extLst>
+          </p:cNvPr>
+          <p:cNvPicPr>
+            <a:picLocks noChangeAspect="1"/>
+          </p:cNvPicPr>
+          <p:nvPr/>
+        </p:nvPicPr>
+        <p:blipFill>
+          <a:blip r:embed="rId3">
+            <a:extLst>
+              <a:ext uri="{28A0092B-C50C-407E-A947-70E740481C1C}">
+                <a14:useLocalDpi xmlns:a14="http://schemas.microsoft.com/office/drawing/2010/main" val="0"/>
+              </a:ext>
+            </a:extLst>
+          </a:blip>
+          <a:stretch>
+            <a:fillRect/>
+          </a:stretch>
+        </p:blipFill>
+        <p:spPr>
+          <a:xfrm>
+            <a:off x="6551311" y="1975473"/>
+            <a:ext cx="5184658" cy="3950216"/>
+          </a:xfrm>
+          <a:prstGeom prst="rect">
+            <a:avLst/>
+          </a:prstGeom>
+        </p:spPr>
+      </p:pic>
     </p:spTree>
     <p:extLst>
       <p:ext uri="{BB962C8B-B14F-4D97-AF65-F5344CB8AC3E}">
@@ -39675,7 +41826,7 @@
 </p:sld>
 </file>
 
-<file path=ppt/slides/slide46.xml><?xml version="1.0" encoding="utf-8"?>
+<file path=ppt/slides/slide48.xml><?xml version="1.0" encoding="utf-8"?>
 <p:sld xmlns:a="http://schemas.openxmlformats.org/drawingml/2006/main" xmlns:r="http://schemas.openxmlformats.org/officeDocument/2006/relationships" xmlns:p="http://schemas.openxmlformats.org/presentationml/2006/main">
   <p:cSld>
     <p:spTree>
@@ -39749,7 +41900,782 @@
                 <a:latin typeface="Roboto"/>
                 <a:ea typeface="Roboto"/>
               </a:rPr>
-              <a:t>46</a:t>
+              <a:t>48</a:t>
+            </a:fld>
+            <a:endParaRPr lang="en-US" sz="2400" b="0" strike="noStrike" spc="-1">
+              <a:solidFill>
+                <a:srgbClr val="000000"/>
+              </a:solidFill>
+              <a:latin typeface="Times New Roman"/>
+            </a:endParaRPr>
+          </a:p>
+        </p:txBody>
+      </p:sp>
+      <p:sp>
+        <p:nvSpPr>
+          <p:cNvPr id="181" name="Rectangle 4"/>
+          <p:cNvSpPr/>
+          <p:nvPr/>
+        </p:nvSpPr>
+        <p:spPr>
+          <a:xfrm>
+            <a:off x="0" y="0"/>
+            <a:ext cx="6095520" cy="539640"/>
+          </a:xfrm>
+          <a:prstGeom prst="rect">
+            <a:avLst/>
+          </a:prstGeom>
+          <a:solidFill>
+            <a:schemeClr val="tx1">
+              <a:lumMod val="75000"/>
+              <a:lumOff val="25000"/>
+            </a:schemeClr>
+          </a:solidFill>
+          <a:ln>
+            <a:noFill/>
+          </a:ln>
+        </p:spPr>
+        <p:style>
+          <a:lnRef idx="2">
+            <a:schemeClr val="dk1">
+              <a:shade val="15000"/>
+            </a:schemeClr>
+          </a:lnRef>
+          <a:fillRef idx="1">
+            <a:schemeClr val="dk1"/>
+          </a:fillRef>
+          <a:effectRef idx="0">
+            <a:schemeClr val="dk1"/>
+          </a:effectRef>
+          <a:fontRef idx="minor"/>
+        </p:style>
+        <p:txBody>
+          <a:bodyPr lIns="90000" tIns="45000" rIns="90000" bIns="45000" anchor="ctr">
+            <a:noAutofit/>
+          </a:bodyPr>
+          <a:lstStyle/>
+          <a:p>
+            <a:pPr algn="r">
+              <a:lnSpc>
+                <a:spcPct val="100000"/>
+              </a:lnSpc>
+            </a:pPr>
+            <a:r>
+              <a:rPr lang="en-US" sz="2400" b="0" strike="noStrike" spc="-1">
+                <a:solidFill>
+                  <a:srgbClr val="FFFFFF"/>
+                </a:solidFill>
+                <a:latin typeface="Roboto"/>
+                <a:ea typeface="Roboto"/>
+              </a:rPr>
+              <a:t>5. So sánh kết quả</a:t>
+            </a:r>
+            <a:endParaRPr lang="en-US" sz="2400" b="0" strike="noStrike" spc="-1">
+              <a:solidFill>
+                <a:srgbClr val="000000"/>
+              </a:solidFill>
+              <a:latin typeface="Arial"/>
+            </a:endParaRPr>
+          </a:p>
+        </p:txBody>
+      </p:sp>
+      <p:sp>
+        <p:nvSpPr>
+          <p:cNvPr id="182" name="Rectangle 5"/>
+          <p:cNvSpPr/>
+          <p:nvPr/>
+        </p:nvSpPr>
+        <p:spPr>
+          <a:xfrm>
+            <a:off x="6095880" y="0"/>
+            <a:ext cx="6095520" cy="539640"/>
+          </a:xfrm>
+          <a:prstGeom prst="rect">
+            <a:avLst/>
+          </a:prstGeom>
+          <a:solidFill>
+            <a:schemeClr val="tx1">
+              <a:lumMod val="50000"/>
+              <a:lumOff val="50000"/>
+            </a:schemeClr>
+          </a:solidFill>
+          <a:ln>
+            <a:noFill/>
+          </a:ln>
+        </p:spPr>
+        <p:style>
+          <a:lnRef idx="2">
+            <a:schemeClr val="dk1">
+              <a:shade val="15000"/>
+            </a:schemeClr>
+          </a:lnRef>
+          <a:fillRef idx="1">
+            <a:schemeClr val="dk1"/>
+          </a:fillRef>
+          <a:effectRef idx="0">
+            <a:schemeClr val="dk1"/>
+          </a:effectRef>
+          <a:fontRef idx="minor"/>
+        </p:style>
+        <p:txBody>
+          <a:bodyPr lIns="90000" tIns="45000" rIns="90000" bIns="45000" anchor="ctr">
+            <a:noAutofit/>
+          </a:bodyPr>
+          <a:lstStyle/>
+          <a:p>
+            <a:pPr>
+              <a:lnSpc>
+                <a:spcPct val="100000"/>
+              </a:lnSpc>
+            </a:pPr>
+            <a:r>
+              <a:rPr lang="en-US" sz="2400" b="0" strike="noStrike" spc="-1">
+                <a:solidFill>
+                  <a:srgbClr val="FFFFFF"/>
+                </a:solidFill>
+                <a:latin typeface="Roboto"/>
+                <a:ea typeface="Roboto"/>
+              </a:rPr>
+              <a:t>5.1. Kết quả khi sử dụng mô hình LSTM</a:t>
+            </a:r>
+            <a:endParaRPr lang="en-US" sz="2400" b="0" strike="noStrike" spc="-1">
+              <a:solidFill>
+                <a:srgbClr val="000000"/>
+              </a:solidFill>
+              <a:latin typeface="Arial"/>
+            </a:endParaRPr>
+          </a:p>
+        </p:txBody>
+      </p:sp>
+      <p:grpSp>
+        <p:nvGrpSpPr>
+          <p:cNvPr id="2" name="Group 7">
+            <a:extLst>
+              <a:ext uri="{FF2B5EF4-FFF2-40B4-BE49-F238E27FC236}">
+                <a16:creationId xmlns:a16="http://schemas.microsoft.com/office/drawing/2014/main" id="{EC7B5BE4-1937-5DBE-1CCC-E8550D4C4A2A}"/>
+              </a:ext>
+            </a:extLst>
+          </p:cNvPr>
+          <p:cNvGrpSpPr/>
+          <p:nvPr/>
+        </p:nvGrpSpPr>
+        <p:grpSpPr>
+          <a:xfrm>
+            <a:off x="533952" y="1011096"/>
+            <a:ext cx="745920" cy="744120"/>
+            <a:chOff x="552240" y="1203120"/>
+            <a:chExt cx="745920" cy="744120"/>
+          </a:xfrm>
+        </p:grpSpPr>
+        <p:sp>
+          <p:nvSpPr>
+            <p:cNvPr id="5" name="TextBox 8">
+              <a:extLst>
+                <a:ext uri="{FF2B5EF4-FFF2-40B4-BE49-F238E27FC236}">
+                  <a16:creationId xmlns:a16="http://schemas.microsoft.com/office/drawing/2014/main" id="{882A4341-12B1-740B-FED1-90B4CB1E6DC6}"/>
+                </a:ext>
+              </a:extLst>
+            </p:cNvPr>
+            <p:cNvSpPr/>
+            <p:nvPr/>
+          </p:nvSpPr>
+          <p:spPr>
+            <a:xfrm>
+              <a:off x="552240" y="1331937"/>
+              <a:ext cx="745920" cy="521766"/>
+            </a:xfrm>
+            <a:prstGeom prst="rect">
+              <a:avLst/>
+            </a:prstGeom>
+            <a:noFill/>
+            <a:ln w="0">
+              <a:noFill/>
+            </a:ln>
+          </p:spPr>
+          <p:style>
+            <a:lnRef idx="0">
+              <a:scrgbClr r="0" g="0" b="0"/>
+            </a:lnRef>
+            <a:fillRef idx="0">
+              <a:scrgbClr r="0" g="0" b="0"/>
+            </a:fillRef>
+            <a:effectRef idx="0">
+              <a:scrgbClr r="0" g="0" b="0"/>
+            </a:effectRef>
+            <a:fontRef idx="minor"/>
+          </p:style>
+          <p:txBody>
+            <a:bodyPr lIns="90000" tIns="45000" rIns="90000" bIns="45000" anchor="ctr">
+              <a:spAutoFit/>
+            </a:bodyPr>
+            <a:lstStyle/>
+            <a:p>
+              <a:pPr algn="ctr">
+                <a:lnSpc>
+                  <a:spcPct val="100000"/>
+                </a:lnSpc>
+              </a:pPr>
+              <a:r>
+                <a:rPr lang="en-US" sz="2800" b="1" spc="-1">
+                  <a:solidFill>
+                    <a:srgbClr val="181717"/>
+                  </a:solidFill>
+                  <a:latin typeface="Roboto"/>
+                  <a:ea typeface="Roboto"/>
+                </a:rPr>
+                <a:t>5.1</a:t>
+              </a:r>
+              <a:endParaRPr lang="en-US" sz="2800" b="0" strike="noStrike" spc="-1">
+                <a:solidFill>
+                  <a:srgbClr val="000000"/>
+                </a:solidFill>
+                <a:latin typeface="Arial"/>
+              </a:endParaRPr>
+            </a:p>
+          </p:txBody>
+        </p:sp>
+        <p:sp>
+          <p:nvSpPr>
+            <p:cNvPr id="8" name="Oval 9">
+              <a:extLst>
+                <a:ext uri="{FF2B5EF4-FFF2-40B4-BE49-F238E27FC236}">
+                  <a16:creationId xmlns:a16="http://schemas.microsoft.com/office/drawing/2014/main" id="{DE7C9F90-B36F-8216-F388-98F223C1DABB}"/>
+                </a:ext>
+              </a:extLst>
+            </p:cNvPr>
+            <p:cNvSpPr/>
+            <p:nvPr/>
+          </p:nvSpPr>
+          <p:spPr>
+            <a:xfrm>
+              <a:off x="552240" y="1203120"/>
+              <a:ext cx="745920" cy="744120"/>
+            </a:xfrm>
+            <a:prstGeom prst="ellipse">
+              <a:avLst/>
+            </a:prstGeom>
+            <a:noFill/>
+            <a:ln w="9525">
+              <a:solidFill>
+                <a:srgbClr val="000000"/>
+              </a:solidFill>
+              <a:round/>
+            </a:ln>
+          </p:spPr>
+          <p:style>
+            <a:lnRef idx="0">
+              <a:scrgbClr r="0" g="0" b="0"/>
+            </a:lnRef>
+            <a:fillRef idx="0">
+              <a:scrgbClr r="0" g="0" b="0"/>
+            </a:fillRef>
+            <a:effectRef idx="0">
+              <a:scrgbClr r="0" g="0" b="0"/>
+            </a:effectRef>
+            <a:fontRef idx="minor"/>
+          </p:style>
+          <p:txBody>
+            <a:bodyPr lIns="90000" tIns="45000" rIns="90000" bIns="45000" anchor="ctr">
+              <a:noAutofit/>
+            </a:bodyPr>
+            <a:lstStyle/>
+            <a:p>
+              <a:pPr algn="ctr">
+                <a:lnSpc>
+                  <a:spcPct val="100000"/>
+                </a:lnSpc>
+              </a:pPr>
+              <a:endParaRPr lang="en-US" sz="1800" b="0" strike="noStrike" spc="-1">
+                <a:solidFill>
+                  <a:schemeClr val="dk1"/>
+                </a:solidFill>
+                <a:latin typeface="Calibri"/>
+              </a:endParaRPr>
+            </a:p>
+          </p:txBody>
+        </p:sp>
+      </p:grpSp>
+      <p:sp>
+        <p:nvSpPr>
+          <p:cNvPr id="9" name="TextBox 11">
+            <a:extLst>
+              <a:ext uri="{FF2B5EF4-FFF2-40B4-BE49-F238E27FC236}">
+                <a16:creationId xmlns:a16="http://schemas.microsoft.com/office/drawing/2014/main" id="{647B8C35-9775-3B25-FAE0-C68F8420C2A5}"/>
+              </a:ext>
+            </a:extLst>
+          </p:cNvPr>
+          <p:cNvSpPr/>
+          <p:nvPr/>
+        </p:nvSpPr>
+        <p:spPr>
+          <a:xfrm>
+            <a:off x="1388232" y="1078056"/>
+            <a:ext cx="8011440" cy="644877"/>
+          </a:xfrm>
+          <a:prstGeom prst="rect">
+            <a:avLst/>
+          </a:prstGeom>
+          <a:noFill/>
+          <a:ln w="0">
+            <a:noFill/>
+          </a:ln>
+        </p:spPr>
+        <p:style>
+          <a:lnRef idx="0">
+            <a:scrgbClr r="0" g="0" b="0"/>
+          </a:lnRef>
+          <a:fillRef idx="0">
+            <a:scrgbClr r="0" g="0" b="0"/>
+          </a:fillRef>
+          <a:effectRef idx="0">
+            <a:scrgbClr r="0" g="0" b="0"/>
+          </a:effectRef>
+          <a:fontRef idx="minor"/>
+        </p:style>
+        <p:txBody>
+          <a:bodyPr lIns="90000" tIns="45000" rIns="90000" bIns="45000" anchor="t">
+            <a:spAutoFit/>
+          </a:bodyPr>
+          <a:lstStyle/>
+          <a:p>
+            <a:pPr>
+              <a:lnSpc>
+                <a:spcPct val="100000"/>
+              </a:lnSpc>
+            </a:pPr>
+            <a:r>
+              <a:rPr lang="en-US" sz="3600" b="0" strike="noStrike" spc="-1">
+                <a:solidFill>
+                  <a:srgbClr val="181717"/>
+                </a:solidFill>
+                <a:latin typeface="Roboto"/>
+                <a:ea typeface="Roboto"/>
+              </a:rPr>
+              <a:t>Kết quả khi sử dụng mô hình LSTM</a:t>
+            </a:r>
+            <a:endParaRPr lang="en-US" sz="3600" b="0" strike="noStrike" spc="-1">
+              <a:solidFill>
+                <a:srgbClr val="000000"/>
+              </a:solidFill>
+              <a:latin typeface="Arial"/>
+            </a:endParaRPr>
+          </a:p>
+        </p:txBody>
+      </p:sp>
+      <p:sp>
+        <p:nvSpPr>
+          <p:cNvPr id="3" name="TextBox 8">
+            <a:extLst>
+              <a:ext uri="{FF2B5EF4-FFF2-40B4-BE49-F238E27FC236}">
+                <a16:creationId xmlns:a16="http://schemas.microsoft.com/office/drawing/2014/main" id="{BEE9E32B-24FB-AD0B-9997-F35A12185C31}"/>
+              </a:ext>
+            </a:extLst>
+          </p:cNvPr>
+          <p:cNvSpPr/>
+          <p:nvPr/>
+        </p:nvSpPr>
+        <p:spPr>
+          <a:xfrm>
+            <a:off x="460800" y="1884033"/>
+            <a:ext cx="10292544" cy="2808418"/>
+          </a:xfrm>
+          <a:prstGeom prst="rect">
+            <a:avLst/>
+          </a:prstGeom>
+          <a:noFill/>
+          <a:ln w="0">
+            <a:noFill/>
+          </a:ln>
+        </p:spPr>
+        <p:style>
+          <a:lnRef idx="0">
+            <a:scrgbClr r="0" g="0" b="0"/>
+          </a:lnRef>
+          <a:fillRef idx="0">
+            <a:scrgbClr r="0" g="0" b="0"/>
+          </a:fillRef>
+          <a:effectRef idx="0">
+            <a:scrgbClr r="0" g="0" b="0"/>
+          </a:effectRef>
+          <a:fontRef idx="minor"/>
+        </p:style>
+        <p:txBody>
+          <a:bodyPr wrap="square" lIns="90000" tIns="45000" rIns="90000" bIns="45000" anchor="t">
+            <a:spAutoFit/>
+          </a:bodyPr>
+          <a:lstStyle/>
+          <a:p>
+            <a:pPr lvl="1">
+              <a:lnSpc>
+                <a:spcPct val="150000"/>
+              </a:lnSpc>
+              <a:buClr>
+                <a:srgbClr val="000000"/>
+              </a:buClr>
+            </a:pPr>
+            <a:r>
+              <a:rPr lang="en-US" sz="2000" spc="-1">
+                <a:solidFill>
+                  <a:srgbClr val="000000"/>
+                </a:solidFill>
+                <a:latin typeface="Roboto" panose="02000000000000000000" pitchFamily="2" charset="0"/>
+                <a:ea typeface="Roboto" panose="02000000000000000000" pitchFamily="2" charset="0"/>
+              </a:rPr>
+              <a:t>Một số kết quả dự đoán từ tiếp theo:</a:t>
+            </a:r>
+          </a:p>
+          <a:p>
+            <a:pPr marL="800100" lvl="1" indent="-342900">
+              <a:lnSpc>
+                <a:spcPct val="150000"/>
+              </a:lnSpc>
+              <a:buClr>
+                <a:srgbClr val="000000"/>
+              </a:buClr>
+              <a:buFont typeface="Arial" panose="020B0604020202020204" pitchFamily="34" charset="0"/>
+              <a:buChar char="•"/>
+            </a:pPr>
+            <a:r>
+              <a:rPr lang="en-US" sz="2000" spc="-1">
+                <a:solidFill>
+                  <a:srgbClr val="000000"/>
+                </a:solidFill>
+                <a:latin typeface="Roboto" panose="02000000000000000000" pitchFamily="2" charset="0"/>
+                <a:ea typeface="Roboto" panose="02000000000000000000" pitchFamily="2" charset="0"/>
+              </a:rPr>
+              <a:t>“</a:t>
+            </a:r>
+            <a:r>
+              <a:rPr lang="vi-VN" sz="2000" spc="-1">
+                <a:solidFill>
+                  <a:srgbClr val="000000"/>
+                </a:solidFill>
+                <a:latin typeface="Roboto" panose="02000000000000000000" pitchFamily="2" charset="0"/>
+                <a:ea typeface="Roboto" panose="02000000000000000000" pitchFamily="2" charset="0"/>
+              </a:rPr>
+              <a:t>đám cưới miễn phí cho người khuyết</a:t>
+            </a:r>
+            <a:r>
+              <a:rPr lang="en-US" sz="2000" spc="-1">
+                <a:solidFill>
+                  <a:srgbClr val="000000"/>
+                </a:solidFill>
+                <a:latin typeface="Roboto" panose="02000000000000000000" pitchFamily="2" charset="0"/>
+                <a:ea typeface="Roboto" panose="02000000000000000000" pitchFamily="2" charset="0"/>
+              </a:rPr>
+              <a:t>” </a:t>
+            </a:r>
+            <a:r>
+              <a:rPr lang="en-US" sz="2000" spc="-1">
+                <a:solidFill>
+                  <a:srgbClr val="000000"/>
+                </a:solidFill>
+                <a:latin typeface="Roboto" panose="02000000000000000000" pitchFamily="2" charset="0"/>
+                <a:ea typeface="Roboto" panose="02000000000000000000" pitchFamily="2" charset="0"/>
+                <a:sym typeface="Wingdings" panose="05000000000000000000" pitchFamily="2" charset="2"/>
+              </a:rPr>
+              <a:t> “ưa”</a:t>
+            </a:r>
+          </a:p>
+          <a:p>
+            <a:pPr marL="800100" lvl="1" indent="-342900">
+              <a:lnSpc>
+                <a:spcPct val="150000"/>
+              </a:lnSpc>
+              <a:buClr>
+                <a:srgbClr val="000000"/>
+              </a:buClr>
+              <a:buFont typeface="Arial" panose="020B0604020202020204" pitchFamily="34" charset="0"/>
+              <a:buChar char="•"/>
+            </a:pPr>
+            <a:r>
+              <a:rPr lang="vi-VN" sz="2000" spc="-1">
+                <a:solidFill>
+                  <a:srgbClr val="000000"/>
+                </a:solidFill>
+                <a:latin typeface="Roboto" panose="02000000000000000000" pitchFamily="2" charset="0"/>
+                <a:ea typeface="Roboto" panose="02000000000000000000" pitchFamily="2" charset="0"/>
+              </a:rPr>
+              <a:t>"bệnh viện trưng vương“</a:t>
+            </a:r>
+            <a:r>
+              <a:rPr lang="en-US" sz="2000" spc="-1">
+                <a:solidFill>
+                  <a:srgbClr val="000000"/>
+                </a:solidFill>
+                <a:latin typeface="Roboto" panose="02000000000000000000" pitchFamily="2" charset="0"/>
+                <a:ea typeface="Roboto" panose="02000000000000000000" pitchFamily="2" charset="0"/>
+                <a:sym typeface="Wingdings" panose="05000000000000000000" pitchFamily="2" charset="2"/>
+              </a:rPr>
+              <a:t>  “bột”</a:t>
+            </a:r>
+          </a:p>
+          <a:p>
+            <a:pPr marL="800100" lvl="1" indent="-342900">
+              <a:lnSpc>
+                <a:spcPct val="150000"/>
+              </a:lnSpc>
+              <a:buClr>
+                <a:srgbClr val="000000"/>
+              </a:buClr>
+              <a:buFont typeface="Arial" panose="020B0604020202020204" pitchFamily="34" charset="0"/>
+              <a:buChar char="•"/>
+            </a:pPr>
+            <a:r>
+              <a:rPr lang="en-US" sz="2000" spc="-1">
+                <a:solidFill>
+                  <a:srgbClr val="000000"/>
+                </a:solidFill>
+                <a:latin typeface="Roboto" panose="02000000000000000000" pitchFamily="2" charset="0"/>
+                <a:ea typeface="Roboto" panose="02000000000000000000" pitchFamily="2" charset="0"/>
+              </a:rPr>
+              <a:t>"tuy nhiên theo kết quả kiểm tra thì nhiều sản“</a:t>
+            </a:r>
+            <a:r>
+              <a:rPr lang="en-US" sz="2000" spc="-1">
+                <a:solidFill>
+                  <a:srgbClr val="000000"/>
+                </a:solidFill>
+                <a:latin typeface="Roboto" panose="02000000000000000000" pitchFamily="2" charset="0"/>
+                <a:ea typeface="Roboto" panose="02000000000000000000" pitchFamily="2" charset="0"/>
+                <a:sym typeface="Wingdings" panose="05000000000000000000" pitchFamily="2" charset="2"/>
+              </a:rPr>
+              <a:t>  “sản”</a:t>
+            </a:r>
+          </a:p>
+          <a:p>
+            <a:pPr marL="800100" lvl="1" indent="-342900">
+              <a:lnSpc>
+                <a:spcPct val="150000"/>
+              </a:lnSpc>
+              <a:buClr>
+                <a:srgbClr val="000000"/>
+              </a:buClr>
+              <a:buFont typeface="Arial" panose="020B0604020202020204" pitchFamily="34" charset="0"/>
+              <a:buChar char="•"/>
+            </a:pPr>
+            <a:r>
+              <a:rPr lang="en-US" sz="2000" spc="-1">
+                <a:solidFill>
+                  <a:srgbClr val="000000"/>
+                </a:solidFill>
+                <a:latin typeface="Roboto" panose="02000000000000000000" pitchFamily="2" charset="0"/>
+                <a:ea typeface="Roboto" panose="02000000000000000000" pitchFamily="2" charset="0"/>
+              </a:rPr>
+              <a:t>"thể thao hai miền triều tiên sẽ hợp“</a:t>
+            </a:r>
+            <a:r>
+              <a:rPr lang="en-US" sz="2000" spc="-1">
+                <a:solidFill>
+                  <a:srgbClr val="000000"/>
+                </a:solidFill>
+                <a:latin typeface="Roboto" panose="02000000000000000000" pitchFamily="2" charset="0"/>
+                <a:ea typeface="Roboto" panose="02000000000000000000" pitchFamily="2" charset="0"/>
+                <a:sym typeface="Wingdings" panose="05000000000000000000" pitchFamily="2" charset="2"/>
+              </a:rPr>
+              <a:t>  “phát”</a:t>
+            </a:r>
+          </a:p>
+          <a:p>
+            <a:pPr marL="800100" lvl="1" indent="-342900">
+              <a:lnSpc>
+                <a:spcPct val="150000"/>
+              </a:lnSpc>
+              <a:buClr>
+                <a:srgbClr val="000000"/>
+              </a:buClr>
+              <a:buFont typeface="Arial" panose="020B0604020202020204" pitchFamily="34" charset="0"/>
+              <a:buChar char="•"/>
+            </a:pPr>
+            <a:r>
+              <a:rPr lang="en-US" sz="2000" spc="-1">
+                <a:solidFill>
+                  <a:srgbClr val="000000"/>
+                </a:solidFill>
+                <a:latin typeface="Roboto" panose="02000000000000000000" pitchFamily="2" charset="0"/>
+                <a:ea typeface="Roboto" panose="02000000000000000000" pitchFamily="2" charset="0"/>
+              </a:rPr>
+              <a:t>"xét nghiệm ban đầu của tổ chức y tế thế giới cho thấy bé“</a:t>
+            </a:r>
+            <a:r>
+              <a:rPr lang="en-US" sz="2000" spc="-1">
+                <a:solidFill>
+                  <a:srgbClr val="000000"/>
+                </a:solidFill>
+                <a:latin typeface="Roboto" panose="02000000000000000000" pitchFamily="2" charset="0"/>
+                <a:ea typeface="Roboto" panose="02000000000000000000" pitchFamily="2" charset="0"/>
+                <a:sym typeface="Wingdings" panose="05000000000000000000" pitchFamily="2" charset="2"/>
+              </a:rPr>
+              <a:t>  “nghiệm” </a:t>
+            </a:r>
+            <a:r>
+              <a:rPr lang="en-US" sz="2000" spc="-1">
+                <a:solidFill>
+                  <a:srgbClr val="000000"/>
+                </a:solidFill>
+                <a:latin typeface="Roboto" panose="02000000000000000000" pitchFamily="2" charset="0"/>
+                <a:ea typeface="Roboto" panose="02000000000000000000" pitchFamily="2" charset="0"/>
+              </a:rPr>
+              <a:t> </a:t>
+            </a:r>
+          </a:p>
+        </p:txBody>
+      </p:sp>
+      <p:sp>
+        <p:nvSpPr>
+          <p:cNvPr id="10" name="TextBox 8">
+            <a:extLst>
+              <a:ext uri="{FF2B5EF4-FFF2-40B4-BE49-F238E27FC236}">
+                <a16:creationId xmlns:a16="http://schemas.microsoft.com/office/drawing/2014/main" id="{AC016806-4966-DF3D-D1FF-5D012839CD35}"/>
+              </a:ext>
+            </a:extLst>
+          </p:cNvPr>
+          <p:cNvSpPr/>
+          <p:nvPr/>
+        </p:nvSpPr>
+        <p:spPr>
+          <a:xfrm>
+            <a:off x="949248" y="5467463"/>
+            <a:ext cx="10292544" cy="583321"/>
+          </a:xfrm>
+          <a:prstGeom prst="rect">
+            <a:avLst/>
+          </a:prstGeom>
+          <a:noFill/>
+          <a:ln w="0">
+            <a:noFill/>
+          </a:ln>
+        </p:spPr>
+        <p:style>
+          <a:lnRef idx="0">
+            <a:scrgbClr r="0" g="0" b="0"/>
+          </a:lnRef>
+          <a:fillRef idx="0">
+            <a:scrgbClr r="0" g="0" b="0"/>
+          </a:fillRef>
+          <a:effectRef idx="0">
+            <a:scrgbClr r="0" g="0" b="0"/>
+          </a:effectRef>
+          <a:fontRef idx="minor"/>
+        </p:style>
+        <p:txBody>
+          <a:bodyPr wrap="square" lIns="90000" tIns="45000" rIns="90000" bIns="45000" anchor="t">
+            <a:spAutoFit/>
+          </a:bodyPr>
+          <a:lstStyle/>
+          <a:p>
+            <a:pPr lvl="1">
+              <a:lnSpc>
+                <a:spcPct val="150000"/>
+              </a:lnSpc>
+              <a:buClr>
+                <a:srgbClr val="000000"/>
+              </a:buClr>
+            </a:pPr>
+            <a:r>
+              <a:rPr lang="en-US" sz="2400" spc="-1">
+                <a:solidFill>
+                  <a:srgbClr val="000000"/>
+                </a:solidFill>
+                <a:latin typeface="Roboto" panose="02000000000000000000" pitchFamily="2" charset="0"/>
+                <a:ea typeface="Roboto" panose="02000000000000000000" pitchFamily="2" charset="0"/>
+              </a:rPr>
+              <a:t>Đánh giá dựa trên thang đo perplexity = 9935793.0</a:t>
+            </a:r>
+          </a:p>
+        </p:txBody>
+      </p:sp>
+    </p:spTree>
+    <p:extLst>
+      <p:ext uri="{BB962C8B-B14F-4D97-AF65-F5344CB8AC3E}">
+        <p14:creationId xmlns:p14="http://schemas.microsoft.com/office/powerpoint/2010/main" val="4190674968"/>
+      </p:ext>
+    </p:extLst>
+  </p:cSld>
+  <p:clrMapOvr>
+    <a:masterClrMapping/>
+  </p:clrMapOvr>
+  <p:transition spd="slow">
+    <p:push dir="u"/>
+  </p:transition>
+</p:sld>
+</file>
+
+<file path=ppt/slides/slide49.xml><?xml version="1.0" encoding="utf-8"?>
+<p:sld xmlns:a="http://schemas.openxmlformats.org/drawingml/2006/main" xmlns:r="http://schemas.openxmlformats.org/officeDocument/2006/relationships" xmlns:p="http://schemas.openxmlformats.org/presentationml/2006/main">
+  <p:cSld>
+    <p:spTree>
+      <p:nvGrpSpPr>
+        <p:cNvPr id="1" name=""/>
+        <p:cNvGrpSpPr/>
+        <p:nvPr/>
+      </p:nvGrpSpPr>
+      <p:grpSpPr>
+        <a:xfrm>
+          <a:off x="0" y="0"/>
+          <a:ext cx="0" cy="0"/>
+          <a:chOff x="0" y="0"/>
+          <a:chExt cx="0" cy="0"/>
+        </a:xfrm>
+      </p:grpSpPr>
+      <p:sp>
+        <p:nvSpPr>
+          <p:cNvPr id="180" name="PlaceHolder 1"/>
+          <p:cNvSpPr>
+            <a:spLocks noGrp="1"/>
+          </p:cNvSpPr>
+          <p:nvPr>
+            <p:ph type="sldNum" idx="18"/>
+          </p:nvPr>
+        </p:nvSpPr>
+        <p:spPr>
+          <a:xfrm>
+            <a:off x="9305640" y="6377760"/>
+            <a:ext cx="2742840" cy="364680"/>
+          </a:xfrm>
+          <a:prstGeom prst="rect">
+            <a:avLst/>
+          </a:prstGeom>
+          <a:noFill/>
+          <a:ln w="0">
+            <a:noFill/>
+          </a:ln>
+        </p:spPr>
+        <p:txBody>
+          <a:bodyPr anchor="ctr">
+            <a:noAutofit/>
+          </a:bodyPr>
+          <a:lstStyle>
+            <a:lvl1pPr indent="0" algn="r">
+              <a:lnSpc>
+                <a:spcPct val="100000"/>
+              </a:lnSpc>
+              <a:buNone/>
+              <a:defRPr lang="en-US" sz="2400" b="1" strike="noStrike" spc="-1">
+                <a:solidFill>
+                  <a:srgbClr val="181717"/>
+                </a:solidFill>
+                <a:latin typeface="Roboto"/>
+                <a:ea typeface="Roboto"/>
+              </a:defRPr>
+            </a:lvl1pPr>
+          </a:lstStyle>
+          <a:p>
+            <a:pPr indent="0" algn="r">
+              <a:lnSpc>
+                <a:spcPct val="100000"/>
+              </a:lnSpc>
+              <a:buNone/>
+            </a:pPr>
+            <a:fld id="{36822ECB-199C-4A26-B070-40EDF7826BAB}" type="slidenum">
+              <a:rPr lang="en-US" sz="2400" b="1" strike="noStrike" spc="-1">
+                <a:solidFill>
+                  <a:srgbClr val="181717"/>
+                </a:solidFill>
+                <a:latin typeface="Roboto"/>
+                <a:ea typeface="Roboto"/>
+              </a:rPr>
+              <a:t>49</a:t>
             </a:fld>
             <a:endParaRPr lang="en-US" sz="2400" b="0" strike="noStrike" spc="-1">
               <a:solidFill>
